--- a/contact_force_figures.pptx
+++ b/contact_force_figures.pptx
@@ -4,9 +4,14 @@
   <p:sldMasterIdLst>
     <p:sldMasterId id="2147483648" r:id="rId1"/>
   </p:sldMasterIdLst>
+  <p:notesMasterIdLst>
+    <p:notesMasterId r:id="rId6"/>
+  </p:notesMasterIdLst>
   <p:sldIdLst>
-    <p:sldId id="256" r:id="rId2"/>
-    <p:sldId id="257" r:id="rId3"/>
+    <p:sldId id="259" r:id="rId2"/>
+    <p:sldId id="256" r:id="rId3"/>
+    <p:sldId id="257" r:id="rId4"/>
+    <p:sldId id="258" r:id="rId5"/>
   </p:sldIdLst>
   <p:sldSz cx="12192000" cy="6858000"/>
   <p:notesSz cx="6858000" cy="9144000"/>
@@ -113,6 +118,747 @@
 </p:presentation>
 </file>
 
+<file path=ppt/notesMasters/notesMaster1.xml><?xml version="1.0" encoding="utf-8"?>
+<p:notesMaster xmlns:a="http://schemas.openxmlformats.org/drawingml/2006/main" xmlns:r="http://schemas.openxmlformats.org/officeDocument/2006/relationships" xmlns:p="http://schemas.openxmlformats.org/presentationml/2006/main">
+  <p:cSld>
+    <p:bg>
+      <p:bgRef idx="1001">
+        <a:schemeClr val="bg1"/>
+      </p:bgRef>
+    </p:bg>
+    <p:spTree>
+      <p:nvGrpSpPr>
+        <p:cNvPr id="1" name=""/>
+        <p:cNvGrpSpPr/>
+        <p:nvPr/>
+      </p:nvGrpSpPr>
+      <p:grpSpPr>
+        <a:xfrm>
+          <a:off x="0" y="0"/>
+          <a:ext cx="0" cy="0"/>
+          <a:chOff x="0" y="0"/>
+          <a:chExt cx="0" cy="0"/>
+        </a:xfrm>
+      </p:grpSpPr>
+      <p:sp>
+        <p:nvSpPr>
+          <p:cNvPr id="2" name="Header Placeholder 1"/>
+          <p:cNvSpPr>
+            <a:spLocks noGrp="1"/>
+          </p:cNvSpPr>
+          <p:nvPr>
+            <p:ph type="hdr" sz="quarter"/>
+          </p:nvPr>
+        </p:nvSpPr>
+        <p:spPr>
+          <a:xfrm>
+            <a:off x="0" y="0"/>
+            <a:ext cx="2971800" cy="458788"/>
+          </a:xfrm>
+          <a:prstGeom prst="rect">
+            <a:avLst/>
+          </a:prstGeom>
+        </p:spPr>
+        <p:txBody>
+          <a:bodyPr vert="horz" lIns="91440" tIns="45720" rIns="91440" bIns="45720" rtlCol="0"/>
+          <a:lstStyle>
+            <a:lvl1pPr algn="l">
+              <a:defRPr sz="1200"/>
+            </a:lvl1pPr>
+          </a:lstStyle>
+          <a:p>
+            <a:endParaRPr lang="en-AU"/>
+          </a:p>
+        </p:txBody>
+      </p:sp>
+      <p:sp>
+        <p:nvSpPr>
+          <p:cNvPr id="3" name="Date Placeholder 2"/>
+          <p:cNvSpPr>
+            <a:spLocks noGrp="1"/>
+          </p:cNvSpPr>
+          <p:nvPr>
+            <p:ph type="dt" idx="1"/>
+          </p:nvPr>
+        </p:nvSpPr>
+        <p:spPr>
+          <a:xfrm>
+            <a:off x="3884613" y="0"/>
+            <a:ext cx="2971800" cy="458788"/>
+          </a:xfrm>
+          <a:prstGeom prst="rect">
+            <a:avLst/>
+          </a:prstGeom>
+        </p:spPr>
+        <p:txBody>
+          <a:bodyPr vert="horz" lIns="91440" tIns="45720" rIns="91440" bIns="45720" rtlCol="0"/>
+          <a:lstStyle>
+            <a:lvl1pPr algn="r">
+              <a:defRPr sz="1200"/>
+            </a:lvl1pPr>
+          </a:lstStyle>
+          <a:p>
+            <a:fld id="{1633581A-7497-9F48-99FA-22AB5E68A7B3}" type="datetimeFigureOut">
+              <a:rPr lang="en-AU" smtClean="0"/>
+              <a:t>27/2/18</a:t>
+            </a:fld>
+            <a:endParaRPr lang="en-AU"/>
+          </a:p>
+        </p:txBody>
+      </p:sp>
+      <p:sp>
+        <p:nvSpPr>
+          <p:cNvPr id="4" name="Slide Image Placeholder 3"/>
+          <p:cNvSpPr>
+            <a:spLocks noGrp="1" noRot="1" noChangeAspect="1"/>
+          </p:cNvSpPr>
+          <p:nvPr>
+            <p:ph type="sldImg" idx="2"/>
+          </p:nvPr>
+        </p:nvSpPr>
+        <p:spPr>
+          <a:xfrm>
+            <a:off x="685800" y="1143000"/>
+            <a:ext cx="5486400" cy="3086100"/>
+          </a:xfrm>
+          <a:prstGeom prst="rect">
+            <a:avLst/>
+          </a:prstGeom>
+          <a:noFill/>
+          <a:ln w="12700">
+            <a:solidFill>
+              <a:prstClr val="black"/>
+            </a:solidFill>
+          </a:ln>
+        </p:spPr>
+        <p:txBody>
+          <a:bodyPr vert="horz" lIns="91440" tIns="45720" rIns="91440" bIns="45720" rtlCol="0" anchor="ctr"/>
+          <a:lstStyle/>
+          <a:p>
+            <a:endParaRPr lang="en-AU"/>
+          </a:p>
+        </p:txBody>
+      </p:sp>
+      <p:sp>
+        <p:nvSpPr>
+          <p:cNvPr id="5" name="Notes Placeholder 4"/>
+          <p:cNvSpPr>
+            <a:spLocks noGrp="1"/>
+          </p:cNvSpPr>
+          <p:nvPr>
+            <p:ph type="body" sz="quarter" idx="3"/>
+          </p:nvPr>
+        </p:nvSpPr>
+        <p:spPr>
+          <a:xfrm>
+            <a:off x="685800" y="4400550"/>
+            <a:ext cx="5486400" cy="3600450"/>
+          </a:xfrm>
+          <a:prstGeom prst="rect">
+            <a:avLst/>
+          </a:prstGeom>
+        </p:spPr>
+        <p:txBody>
+          <a:bodyPr vert="horz" lIns="91440" tIns="45720" rIns="91440" bIns="45720" rtlCol="0"/>
+          <a:lstStyle/>
+          <a:p>
+            <a:pPr lvl="0"/>
+            <a:r>
+              <a:rPr lang="en-US"/>
+              <a:t>Edit Master text styles</a:t>
+            </a:r>
+          </a:p>
+          <a:p>
+            <a:pPr lvl="1"/>
+            <a:r>
+              <a:rPr lang="en-US"/>
+              <a:t>Second level</a:t>
+            </a:r>
+          </a:p>
+          <a:p>
+            <a:pPr lvl="2"/>
+            <a:r>
+              <a:rPr lang="en-US"/>
+              <a:t>Third level</a:t>
+            </a:r>
+          </a:p>
+          <a:p>
+            <a:pPr lvl="3"/>
+            <a:r>
+              <a:rPr lang="en-US"/>
+              <a:t>Fourth level</a:t>
+            </a:r>
+          </a:p>
+          <a:p>
+            <a:pPr lvl="4"/>
+            <a:r>
+              <a:rPr lang="en-US"/>
+              <a:t>Fifth level</a:t>
+            </a:r>
+            <a:endParaRPr lang="en-AU"/>
+          </a:p>
+        </p:txBody>
+      </p:sp>
+      <p:sp>
+        <p:nvSpPr>
+          <p:cNvPr id="6" name="Footer Placeholder 5"/>
+          <p:cNvSpPr>
+            <a:spLocks noGrp="1"/>
+          </p:cNvSpPr>
+          <p:nvPr>
+            <p:ph type="ftr" sz="quarter" idx="4"/>
+          </p:nvPr>
+        </p:nvSpPr>
+        <p:spPr>
+          <a:xfrm>
+            <a:off x="0" y="8685213"/>
+            <a:ext cx="2971800" cy="458787"/>
+          </a:xfrm>
+          <a:prstGeom prst="rect">
+            <a:avLst/>
+          </a:prstGeom>
+        </p:spPr>
+        <p:txBody>
+          <a:bodyPr vert="horz" lIns="91440" tIns="45720" rIns="91440" bIns="45720" rtlCol="0" anchor="b"/>
+          <a:lstStyle>
+            <a:lvl1pPr algn="l">
+              <a:defRPr sz="1200"/>
+            </a:lvl1pPr>
+          </a:lstStyle>
+          <a:p>
+            <a:endParaRPr lang="en-AU"/>
+          </a:p>
+        </p:txBody>
+      </p:sp>
+      <p:sp>
+        <p:nvSpPr>
+          <p:cNvPr id="7" name="Slide Number Placeholder 6"/>
+          <p:cNvSpPr>
+            <a:spLocks noGrp="1"/>
+          </p:cNvSpPr>
+          <p:nvPr>
+            <p:ph type="sldNum" sz="quarter" idx="5"/>
+          </p:nvPr>
+        </p:nvSpPr>
+        <p:spPr>
+          <a:xfrm>
+            <a:off x="3884613" y="8685213"/>
+            <a:ext cx="2971800" cy="458787"/>
+          </a:xfrm>
+          <a:prstGeom prst="rect">
+            <a:avLst/>
+          </a:prstGeom>
+        </p:spPr>
+        <p:txBody>
+          <a:bodyPr vert="horz" lIns="91440" tIns="45720" rIns="91440" bIns="45720" rtlCol="0" anchor="b"/>
+          <a:lstStyle>
+            <a:lvl1pPr algn="r">
+              <a:defRPr sz="1200"/>
+            </a:lvl1pPr>
+          </a:lstStyle>
+          <a:p>
+            <a:fld id="{897B7F31-DD37-C743-9FB0-F2690092D77F}" type="slidenum">
+              <a:rPr lang="en-AU" smtClean="0"/>
+              <a:t>‹#›</a:t>
+            </a:fld>
+            <a:endParaRPr lang="en-AU"/>
+          </a:p>
+        </p:txBody>
+      </p:sp>
+    </p:spTree>
+    <p:extLst>
+      <p:ext uri="{BB962C8B-B14F-4D97-AF65-F5344CB8AC3E}">
+        <p14:creationId xmlns:p14="http://schemas.microsoft.com/office/powerpoint/2010/main" val="1836865676"/>
+      </p:ext>
+    </p:extLst>
+  </p:cSld>
+  <p:clrMap bg1="lt1" tx1="dk1" bg2="lt2" tx2="dk2" accent1="accent1" accent2="accent2" accent3="accent3" accent4="accent4" accent5="accent5" accent6="accent6" hlink="hlink" folHlink="folHlink"/>
+  <p:notesStyle>
+    <a:lvl1pPr marL="0" algn="l" defTabSz="914400" rtl="0" eaLnBrk="1" latinLnBrk="0" hangingPunct="1">
+      <a:defRPr sz="1200" kern="1200">
+        <a:solidFill>
+          <a:schemeClr val="tx1"/>
+        </a:solidFill>
+        <a:latin typeface="+mn-lt"/>
+        <a:ea typeface="+mn-ea"/>
+        <a:cs typeface="+mn-cs"/>
+      </a:defRPr>
+    </a:lvl1pPr>
+    <a:lvl2pPr marL="457200" algn="l" defTabSz="914400" rtl="0" eaLnBrk="1" latinLnBrk="0" hangingPunct="1">
+      <a:defRPr sz="1200" kern="1200">
+        <a:solidFill>
+          <a:schemeClr val="tx1"/>
+        </a:solidFill>
+        <a:latin typeface="+mn-lt"/>
+        <a:ea typeface="+mn-ea"/>
+        <a:cs typeface="+mn-cs"/>
+      </a:defRPr>
+    </a:lvl2pPr>
+    <a:lvl3pPr marL="914400" algn="l" defTabSz="914400" rtl="0" eaLnBrk="1" latinLnBrk="0" hangingPunct="1">
+      <a:defRPr sz="1200" kern="1200">
+        <a:solidFill>
+          <a:schemeClr val="tx1"/>
+        </a:solidFill>
+        <a:latin typeface="+mn-lt"/>
+        <a:ea typeface="+mn-ea"/>
+        <a:cs typeface="+mn-cs"/>
+      </a:defRPr>
+    </a:lvl3pPr>
+    <a:lvl4pPr marL="1371600" algn="l" defTabSz="914400" rtl="0" eaLnBrk="1" latinLnBrk="0" hangingPunct="1">
+      <a:defRPr sz="1200" kern="1200">
+        <a:solidFill>
+          <a:schemeClr val="tx1"/>
+        </a:solidFill>
+        <a:latin typeface="+mn-lt"/>
+        <a:ea typeface="+mn-ea"/>
+        <a:cs typeface="+mn-cs"/>
+      </a:defRPr>
+    </a:lvl4pPr>
+    <a:lvl5pPr marL="1828800" algn="l" defTabSz="914400" rtl="0" eaLnBrk="1" latinLnBrk="0" hangingPunct="1">
+      <a:defRPr sz="1200" kern="1200">
+        <a:solidFill>
+          <a:schemeClr val="tx1"/>
+        </a:solidFill>
+        <a:latin typeface="+mn-lt"/>
+        <a:ea typeface="+mn-ea"/>
+        <a:cs typeface="+mn-cs"/>
+      </a:defRPr>
+    </a:lvl5pPr>
+    <a:lvl6pPr marL="2286000" algn="l" defTabSz="914400" rtl="0" eaLnBrk="1" latinLnBrk="0" hangingPunct="1">
+      <a:defRPr sz="1200" kern="1200">
+        <a:solidFill>
+          <a:schemeClr val="tx1"/>
+        </a:solidFill>
+        <a:latin typeface="+mn-lt"/>
+        <a:ea typeface="+mn-ea"/>
+        <a:cs typeface="+mn-cs"/>
+      </a:defRPr>
+    </a:lvl6pPr>
+    <a:lvl7pPr marL="2743200" algn="l" defTabSz="914400" rtl="0" eaLnBrk="1" latinLnBrk="0" hangingPunct="1">
+      <a:defRPr sz="1200" kern="1200">
+        <a:solidFill>
+          <a:schemeClr val="tx1"/>
+        </a:solidFill>
+        <a:latin typeface="+mn-lt"/>
+        <a:ea typeface="+mn-ea"/>
+        <a:cs typeface="+mn-cs"/>
+      </a:defRPr>
+    </a:lvl7pPr>
+    <a:lvl8pPr marL="3200400" algn="l" defTabSz="914400" rtl="0" eaLnBrk="1" latinLnBrk="0" hangingPunct="1">
+      <a:defRPr sz="1200" kern="1200">
+        <a:solidFill>
+          <a:schemeClr val="tx1"/>
+        </a:solidFill>
+        <a:latin typeface="+mn-lt"/>
+        <a:ea typeface="+mn-ea"/>
+        <a:cs typeface="+mn-cs"/>
+      </a:defRPr>
+    </a:lvl8pPr>
+    <a:lvl9pPr marL="3657600" algn="l" defTabSz="914400" rtl="0" eaLnBrk="1" latinLnBrk="0" hangingPunct="1">
+      <a:defRPr sz="1200" kern="1200">
+        <a:solidFill>
+          <a:schemeClr val="tx1"/>
+        </a:solidFill>
+        <a:latin typeface="+mn-lt"/>
+        <a:ea typeface="+mn-ea"/>
+        <a:cs typeface="+mn-cs"/>
+      </a:defRPr>
+    </a:lvl9pPr>
+  </p:notesStyle>
+</p:notesMaster>
+</file>
+
+<file path=ppt/notesSlides/notesSlide1.xml><?xml version="1.0" encoding="utf-8"?>
+<p:notes xmlns:a="http://schemas.openxmlformats.org/drawingml/2006/main" xmlns:r="http://schemas.openxmlformats.org/officeDocument/2006/relationships" xmlns:p="http://schemas.openxmlformats.org/presentationml/2006/main">
+  <p:cSld>
+    <p:spTree>
+      <p:nvGrpSpPr>
+        <p:cNvPr id="1" name=""/>
+        <p:cNvGrpSpPr/>
+        <p:nvPr/>
+      </p:nvGrpSpPr>
+      <p:grpSpPr>
+        <a:xfrm>
+          <a:off x="0" y="0"/>
+          <a:ext cx="0" cy="0"/>
+          <a:chOff x="0" y="0"/>
+          <a:chExt cx="0" cy="0"/>
+        </a:xfrm>
+      </p:grpSpPr>
+      <p:sp>
+        <p:nvSpPr>
+          <p:cNvPr id="2" name="Slide Image Placeholder 1"/>
+          <p:cNvSpPr>
+            <a:spLocks noGrp="1" noRot="1" noChangeAspect="1"/>
+          </p:cNvSpPr>
+          <p:nvPr>
+            <p:ph type="sldImg"/>
+          </p:nvPr>
+        </p:nvSpPr>
+        <p:spPr/>
+      </p:sp>
+      <p:sp>
+        <p:nvSpPr>
+          <p:cNvPr id="3" name="Notes Placeholder 2"/>
+          <p:cNvSpPr>
+            <a:spLocks noGrp="1"/>
+          </p:cNvSpPr>
+          <p:nvPr>
+            <p:ph type="body" idx="1"/>
+          </p:nvPr>
+        </p:nvSpPr>
+        <p:spPr/>
+        <p:txBody>
+          <a:bodyPr/>
+          <a:lstStyle/>
+          <a:p>
+            <a:r>
+              <a:rPr lang="en-AU" dirty="0"/>
+              <a:t>There were no significant main effects of armour type</a:t>
+            </a:r>
+          </a:p>
+        </p:txBody>
+      </p:sp>
+      <p:sp>
+        <p:nvSpPr>
+          <p:cNvPr id="4" name="Slide Number Placeholder 3"/>
+          <p:cNvSpPr>
+            <a:spLocks noGrp="1"/>
+          </p:cNvSpPr>
+          <p:nvPr>
+            <p:ph type="sldNum" sz="quarter" idx="10"/>
+          </p:nvPr>
+        </p:nvSpPr>
+        <p:spPr/>
+        <p:txBody>
+          <a:bodyPr/>
+          <a:lstStyle/>
+          <a:p>
+            <a:fld id="{897B7F31-DD37-C743-9FB0-F2690092D77F}" type="slidenum">
+              <a:rPr lang="en-AU" smtClean="0"/>
+              <a:t>1</a:t>
+            </a:fld>
+            <a:endParaRPr lang="en-AU"/>
+          </a:p>
+        </p:txBody>
+      </p:sp>
+    </p:spTree>
+    <p:extLst>
+      <p:ext uri="{BB962C8B-B14F-4D97-AF65-F5344CB8AC3E}">
+        <p14:creationId xmlns:p14="http://schemas.microsoft.com/office/powerpoint/2010/main" val="1099961616"/>
+      </p:ext>
+    </p:extLst>
+  </p:cSld>
+  <p:clrMapOvr>
+    <a:masterClrMapping/>
+  </p:clrMapOvr>
+</p:notes>
+</file>
+
+<file path=ppt/notesSlides/notesSlide2.xml><?xml version="1.0" encoding="utf-8"?>
+<p:notes xmlns:a="http://schemas.openxmlformats.org/drawingml/2006/main" xmlns:r="http://schemas.openxmlformats.org/officeDocument/2006/relationships" xmlns:p="http://schemas.openxmlformats.org/presentationml/2006/main">
+  <p:cSld>
+    <p:spTree>
+      <p:nvGrpSpPr>
+        <p:cNvPr id="1" name=""/>
+        <p:cNvGrpSpPr/>
+        <p:nvPr/>
+      </p:nvGrpSpPr>
+      <p:grpSpPr>
+        <a:xfrm>
+          <a:off x="0" y="0"/>
+          <a:ext cx="0" cy="0"/>
+          <a:chOff x="0" y="0"/>
+          <a:chExt cx="0" cy="0"/>
+        </a:xfrm>
+      </p:grpSpPr>
+      <p:sp>
+        <p:nvSpPr>
+          <p:cNvPr id="2" name="Slide Image Placeholder 1"/>
+          <p:cNvSpPr>
+            <a:spLocks noGrp="1" noRot="1" noChangeAspect="1"/>
+          </p:cNvSpPr>
+          <p:nvPr>
+            <p:ph type="sldImg"/>
+          </p:nvPr>
+        </p:nvSpPr>
+        <p:spPr/>
+      </p:sp>
+      <p:sp>
+        <p:nvSpPr>
+          <p:cNvPr id="3" name="Notes Placeholder 2"/>
+          <p:cNvSpPr>
+            <a:spLocks noGrp="1"/>
+          </p:cNvSpPr>
+          <p:nvPr>
+            <p:ph type="body" idx="1"/>
+          </p:nvPr>
+        </p:nvSpPr>
+        <p:spPr/>
+        <p:txBody>
+          <a:bodyPr/>
+          <a:lstStyle/>
+          <a:p>
+            <a:pPr marL="0" marR="0" lvl="0" indent="0" algn="l" defTabSz="914400" rtl="0" eaLnBrk="1" fontAlgn="auto" latinLnBrk="0" hangingPunct="1">
+              <a:lnSpc>
+                <a:spcPct val="100000"/>
+              </a:lnSpc>
+              <a:spcBef>
+                <a:spcPts val="0"/>
+              </a:spcBef>
+              <a:spcAft>
+                <a:spcPts val="0"/>
+              </a:spcAft>
+              <a:buClrTx/>
+              <a:buSzTx/>
+              <a:buFontTx/>
+              <a:buNone/>
+              <a:tabLst/>
+              <a:defRPr/>
+            </a:pPr>
+            <a:r>
+              <a:rPr lang="en-AU" dirty="0"/>
+              <a:t>Mean ± SD</a:t>
+            </a:r>
+          </a:p>
+          <a:p>
+            <a:endParaRPr lang="en-AU" dirty="0"/>
+          </a:p>
+        </p:txBody>
+      </p:sp>
+      <p:sp>
+        <p:nvSpPr>
+          <p:cNvPr id="4" name="Slide Number Placeholder 3"/>
+          <p:cNvSpPr>
+            <a:spLocks noGrp="1"/>
+          </p:cNvSpPr>
+          <p:nvPr>
+            <p:ph type="sldNum" sz="quarter" idx="10"/>
+          </p:nvPr>
+        </p:nvSpPr>
+        <p:spPr/>
+        <p:txBody>
+          <a:bodyPr/>
+          <a:lstStyle/>
+          <a:p>
+            <a:fld id="{897B7F31-DD37-C743-9FB0-F2690092D77F}" type="slidenum">
+              <a:rPr lang="en-AU" smtClean="0"/>
+              <a:t>2</a:t>
+            </a:fld>
+            <a:endParaRPr lang="en-AU"/>
+          </a:p>
+        </p:txBody>
+      </p:sp>
+    </p:spTree>
+    <p:extLst>
+      <p:ext uri="{BB962C8B-B14F-4D97-AF65-F5344CB8AC3E}">
+        <p14:creationId xmlns:p14="http://schemas.microsoft.com/office/powerpoint/2010/main" val="685733104"/>
+      </p:ext>
+    </p:extLst>
+  </p:cSld>
+  <p:clrMapOvr>
+    <a:masterClrMapping/>
+  </p:clrMapOvr>
+</p:notes>
+</file>
+
+<file path=ppt/notesSlides/notesSlide3.xml><?xml version="1.0" encoding="utf-8"?>
+<p:notes xmlns:a="http://schemas.openxmlformats.org/drawingml/2006/main" xmlns:r="http://schemas.openxmlformats.org/officeDocument/2006/relationships" xmlns:p="http://schemas.openxmlformats.org/presentationml/2006/main">
+  <p:cSld>
+    <p:spTree>
+      <p:nvGrpSpPr>
+        <p:cNvPr id="1" name=""/>
+        <p:cNvGrpSpPr/>
+        <p:nvPr/>
+      </p:nvGrpSpPr>
+      <p:grpSpPr>
+        <a:xfrm>
+          <a:off x="0" y="0"/>
+          <a:ext cx="0" cy="0"/>
+          <a:chOff x="0" y="0"/>
+          <a:chExt cx="0" cy="0"/>
+        </a:xfrm>
+      </p:grpSpPr>
+      <p:sp>
+        <p:nvSpPr>
+          <p:cNvPr id="2" name="Slide Image Placeholder 1"/>
+          <p:cNvSpPr>
+            <a:spLocks noGrp="1" noRot="1" noChangeAspect="1"/>
+          </p:cNvSpPr>
+          <p:nvPr>
+            <p:ph type="sldImg"/>
+          </p:nvPr>
+        </p:nvSpPr>
+        <p:spPr/>
+      </p:sp>
+      <p:sp>
+        <p:nvSpPr>
+          <p:cNvPr id="3" name="Notes Placeholder 2"/>
+          <p:cNvSpPr>
+            <a:spLocks noGrp="1"/>
+          </p:cNvSpPr>
+          <p:nvPr>
+            <p:ph type="body" idx="1"/>
+          </p:nvPr>
+        </p:nvSpPr>
+        <p:spPr/>
+        <p:txBody>
+          <a:bodyPr/>
+          <a:lstStyle/>
+          <a:p>
+            <a:r>
+              <a:rPr lang="en-AU" dirty="0"/>
+              <a:t>Mean ± CI</a:t>
+            </a:r>
+          </a:p>
+          <a:p>
+            <a:endParaRPr lang="en-AU" dirty="0"/>
+          </a:p>
+        </p:txBody>
+      </p:sp>
+      <p:sp>
+        <p:nvSpPr>
+          <p:cNvPr id="4" name="Slide Number Placeholder 3"/>
+          <p:cNvSpPr>
+            <a:spLocks noGrp="1"/>
+          </p:cNvSpPr>
+          <p:nvPr>
+            <p:ph type="sldNum" sz="quarter" idx="10"/>
+          </p:nvPr>
+        </p:nvSpPr>
+        <p:spPr/>
+        <p:txBody>
+          <a:bodyPr/>
+          <a:lstStyle/>
+          <a:p>
+            <a:fld id="{897B7F31-DD37-C743-9FB0-F2690092D77F}" type="slidenum">
+              <a:rPr lang="en-AU" smtClean="0"/>
+              <a:t>3</a:t>
+            </a:fld>
+            <a:endParaRPr lang="en-AU"/>
+          </a:p>
+        </p:txBody>
+      </p:sp>
+    </p:spTree>
+    <p:extLst>
+      <p:ext uri="{BB962C8B-B14F-4D97-AF65-F5344CB8AC3E}">
+        <p14:creationId xmlns:p14="http://schemas.microsoft.com/office/powerpoint/2010/main" val="3050601952"/>
+      </p:ext>
+    </p:extLst>
+  </p:cSld>
+  <p:clrMapOvr>
+    <a:masterClrMapping/>
+  </p:clrMapOvr>
+</p:notes>
+</file>
+
+<file path=ppt/notesSlides/notesSlide4.xml><?xml version="1.0" encoding="utf-8"?>
+<p:notes xmlns:a="http://schemas.openxmlformats.org/drawingml/2006/main" xmlns:r="http://schemas.openxmlformats.org/officeDocument/2006/relationships" xmlns:p="http://schemas.openxmlformats.org/presentationml/2006/main">
+  <p:cSld>
+    <p:spTree>
+      <p:nvGrpSpPr>
+        <p:cNvPr id="1" name=""/>
+        <p:cNvGrpSpPr/>
+        <p:nvPr/>
+      </p:nvGrpSpPr>
+      <p:grpSpPr>
+        <a:xfrm>
+          <a:off x="0" y="0"/>
+          <a:ext cx="0" cy="0"/>
+          <a:chOff x="0" y="0"/>
+          <a:chExt cx="0" cy="0"/>
+        </a:xfrm>
+      </p:grpSpPr>
+      <p:sp>
+        <p:nvSpPr>
+          <p:cNvPr id="2" name="Slide Image Placeholder 1"/>
+          <p:cNvSpPr>
+            <a:spLocks noGrp="1" noRot="1" noChangeAspect="1"/>
+          </p:cNvSpPr>
+          <p:nvPr>
+            <p:ph type="sldImg"/>
+          </p:nvPr>
+        </p:nvSpPr>
+        <p:spPr/>
+      </p:sp>
+      <p:sp>
+        <p:nvSpPr>
+          <p:cNvPr id="3" name="Notes Placeholder 2"/>
+          <p:cNvSpPr>
+            <a:spLocks noGrp="1"/>
+          </p:cNvSpPr>
+          <p:nvPr>
+            <p:ph type="body" idx="1"/>
+          </p:nvPr>
+        </p:nvSpPr>
+        <p:spPr/>
+        <p:txBody>
+          <a:bodyPr/>
+          <a:lstStyle/>
+          <a:p>
+            <a:pPr marL="0" marR="0" lvl="0" indent="0" algn="l" defTabSz="914400" rtl="0" eaLnBrk="1" fontAlgn="auto" latinLnBrk="0" hangingPunct="1">
+              <a:lnSpc>
+                <a:spcPct val="100000"/>
+              </a:lnSpc>
+              <a:spcBef>
+                <a:spcPts val="0"/>
+              </a:spcBef>
+              <a:spcAft>
+                <a:spcPts val="0"/>
+              </a:spcAft>
+              <a:buClrTx/>
+              <a:buSzTx/>
+              <a:buFontTx/>
+              <a:buNone/>
+              <a:tabLst/>
+              <a:defRPr/>
+            </a:pPr>
+            <a:r>
+              <a:rPr lang="en-AU" dirty="0"/>
+              <a:t>Mean ± CI</a:t>
+            </a:r>
+          </a:p>
+          <a:p>
+            <a:endParaRPr lang="en-AU" dirty="0"/>
+          </a:p>
+        </p:txBody>
+      </p:sp>
+      <p:sp>
+        <p:nvSpPr>
+          <p:cNvPr id="4" name="Slide Number Placeholder 3"/>
+          <p:cNvSpPr>
+            <a:spLocks noGrp="1"/>
+          </p:cNvSpPr>
+          <p:nvPr>
+            <p:ph type="sldNum" sz="quarter" idx="10"/>
+          </p:nvPr>
+        </p:nvSpPr>
+        <p:spPr/>
+        <p:txBody>
+          <a:bodyPr/>
+          <a:lstStyle/>
+          <a:p>
+            <a:fld id="{897B7F31-DD37-C743-9FB0-F2690092D77F}" type="slidenum">
+              <a:rPr lang="en-AU" smtClean="0"/>
+              <a:t>4</a:t>
+            </a:fld>
+            <a:endParaRPr lang="en-AU"/>
+          </a:p>
+        </p:txBody>
+      </p:sp>
+    </p:spTree>
+    <p:extLst>
+      <p:ext uri="{BB962C8B-B14F-4D97-AF65-F5344CB8AC3E}">
+        <p14:creationId xmlns:p14="http://schemas.microsoft.com/office/powerpoint/2010/main" val="4014078191"/>
+      </p:ext>
+    </p:extLst>
+  </p:cSld>
+  <p:clrMapOvr>
+    <a:masterClrMapping/>
+  </p:clrMapOvr>
+</p:notes>
+</file>
+
 <file path=ppt/slideLayouts/slideLayout1.xml><?xml version="1.0" encoding="utf-8"?>
 <p:sldLayout xmlns:a="http://schemas.openxmlformats.org/drawingml/2006/main" xmlns:r="http://schemas.openxmlformats.org/officeDocument/2006/relationships" xmlns:p="http://schemas.openxmlformats.org/presentationml/2006/main" type="title" preserve="1">
   <p:cSld name="Title Slide">
@@ -262,7 +1008,7 @@
           <a:p>
             <a:fld id="{4586D328-C7D4-3F4C-8572-DFB3FCD2EEF7}" type="datetimeFigureOut">
               <a:rPr lang="en-AU" smtClean="0"/>
-              <a:t>26/2/18</a:t>
+              <a:t>27/2/18</a:t>
             </a:fld>
             <a:endParaRPr lang="en-AU"/>
           </a:p>
@@ -462,7 +1208,7 @@
           <a:p>
             <a:fld id="{4586D328-C7D4-3F4C-8572-DFB3FCD2EEF7}" type="datetimeFigureOut">
               <a:rPr lang="en-AU" smtClean="0"/>
-              <a:t>26/2/18</a:t>
+              <a:t>27/2/18</a:t>
             </a:fld>
             <a:endParaRPr lang="en-AU"/>
           </a:p>
@@ -672,7 +1418,7 @@
           <a:p>
             <a:fld id="{4586D328-C7D4-3F4C-8572-DFB3FCD2EEF7}" type="datetimeFigureOut">
               <a:rPr lang="en-AU" smtClean="0"/>
-              <a:t>26/2/18</a:t>
+              <a:t>27/2/18</a:t>
             </a:fld>
             <a:endParaRPr lang="en-AU"/>
           </a:p>
@@ -872,7 +1618,7 @@
           <a:p>
             <a:fld id="{4586D328-C7D4-3F4C-8572-DFB3FCD2EEF7}" type="datetimeFigureOut">
               <a:rPr lang="en-AU" smtClean="0"/>
-              <a:t>26/2/18</a:t>
+              <a:t>27/2/18</a:t>
             </a:fld>
             <a:endParaRPr lang="en-AU"/>
           </a:p>
@@ -1148,7 +1894,7 @@
           <a:p>
             <a:fld id="{4586D328-C7D4-3F4C-8572-DFB3FCD2EEF7}" type="datetimeFigureOut">
               <a:rPr lang="en-AU" smtClean="0"/>
-              <a:t>26/2/18</a:t>
+              <a:t>27/2/18</a:t>
             </a:fld>
             <a:endParaRPr lang="en-AU"/>
           </a:p>
@@ -1416,7 +2162,7 @@
           <a:p>
             <a:fld id="{4586D328-C7D4-3F4C-8572-DFB3FCD2EEF7}" type="datetimeFigureOut">
               <a:rPr lang="en-AU" smtClean="0"/>
-              <a:t>26/2/18</a:t>
+              <a:t>27/2/18</a:t>
             </a:fld>
             <a:endParaRPr lang="en-AU"/>
           </a:p>
@@ -1831,7 +2577,7 @@
           <a:p>
             <a:fld id="{4586D328-C7D4-3F4C-8572-DFB3FCD2EEF7}" type="datetimeFigureOut">
               <a:rPr lang="en-AU" smtClean="0"/>
-              <a:t>26/2/18</a:t>
+              <a:t>27/2/18</a:t>
             </a:fld>
             <a:endParaRPr lang="en-AU"/>
           </a:p>
@@ -1973,7 +2719,7 @@
           <a:p>
             <a:fld id="{4586D328-C7D4-3F4C-8572-DFB3FCD2EEF7}" type="datetimeFigureOut">
               <a:rPr lang="en-AU" smtClean="0"/>
-              <a:t>26/2/18</a:t>
+              <a:t>27/2/18</a:t>
             </a:fld>
             <a:endParaRPr lang="en-AU"/>
           </a:p>
@@ -2086,7 +2832,7 @@
           <a:p>
             <a:fld id="{4586D328-C7D4-3F4C-8572-DFB3FCD2EEF7}" type="datetimeFigureOut">
               <a:rPr lang="en-AU" smtClean="0"/>
-              <a:t>26/2/18</a:t>
+              <a:t>27/2/18</a:t>
             </a:fld>
             <a:endParaRPr lang="en-AU"/>
           </a:p>
@@ -2399,7 +3145,7 @@
           <a:p>
             <a:fld id="{4586D328-C7D4-3F4C-8572-DFB3FCD2EEF7}" type="datetimeFigureOut">
               <a:rPr lang="en-AU" smtClean="0"/>
-              <a:t>26/2/18</a:t>
+              <a:t>27/2/18</a:t>
             </a:fld>
             <a:endParaRPr lang="en-AU"/>
           </a:p>
@@ -2688,7 +3434,7 @@
           <a:p>
             <a:fld id="{4586D328-C7D4-3F4C-8572-DFB3FCD2EEF7}" type="datetimeFigureOut">
               <a:rPr lang="en-AU" smtClean="0"/>
-              <a:t>26/2/18</a:t>
+              <a:t>27/2/18</a:t>
             </a:fld>
             <a:endParaRPr lang="en-AU"/>
           </a:p>
@@ -2931,7 +3677,7 @@
           <a:p>
             <a:fld id="{4586D328-C7D4-3F4C-8572-DFB3FCD2EEF7}" type="datetimeFigureOut">
               <a:rPr lang="en-AU" smtClean="0"/>
-              <a:t>26/2/18</a:t>
+              <a:t>27/2/18</a:t>
             </a:fld>
             <a:endParaRPr lang="en-AU"/>
           </a:p>
@@ -3348,41 +4094,5931 @@
           <a:chExt cx="0" cy="0"/>
         </a:xfrm>
       </p:grpSpPr>
-      <p:pic>
-        <p:nvPicPr>
-          <p:cNvPr id="5" name="Picture 4">
+      <p:graphicFrame>
+        <p:nvGraphicFramePr>
+          <p:cNvPr id="8" name="Table 7">
             <a:extLst>
               <a:ext uri="{FF2B5EF4-FFF2-40B4-BE49-F238E27FC236}">
-                <a16:creationId xmlns:a16="http://schemas.microsoft.com/office/drawing/2014/main" id="{0A6ACCF8-96F2-6E41-A6D4-725DC61C9511}"/>
+                <a16:creationId xmlns:a16="http://schemas.microsoft.com/office/drawing/2014/main" id="{5DCE92C0-52A4-9F47-A99C-92072EF06BFF}"/>
               </a:ext>
             </a:extLst>
           </p:cNvPr>
-          <p:cNvPicPr>
-            <a:picLocks noChangeAspect="1"/>
-          </p:cNvPicPr>
+          <p:cNvGraphicFramePr>
+            <a:graphicFrameLocks noGrp="1"/>
+          </p:cNvGraphicFramePr>
+          <p:nvPr>
+            <p:extLst>
+              <p:ext uri="{D42A27DB-BD31-4B8C-83A1-F6EECF244321}">
+                <p14:modId xmlns:p14="http://schemas.microsoft.com/office/powerpoint/2010/main" val="3452764237"/>
+              </p:ext>
+            </p:extLst>
+          </p:nvPr>
+        </p:nvGraphicFramePr>
+        <p:xfrm>
+          <a:off x="1551878" y="1190223"/>
+          <a:ext cx="9275955" cy="1802820"/>
+        </p:xfrm>
+        <a:graphic>
+          <a:graphicData uri="http://schemas.openxmlformats.org/drawingml/2006/table">
+            <a:tbl>
+              <a:tblPr/>
+              <a:tblGrid>
+                <a:gridCol w="2680913">
+                  <a:extLst>
+                    <a:ext uri="{9D8B030D-6E8A-4147-A177-3AD203B41FA5}">
+                      <a16:colId xmlns:a16="http://schemas.microsoft.com/office/drawing/2014/main" val="118459189"/>
+                    </a:ext>
+                  </a:extLst>
+                </a:gridCol>
+                <a:gridCol w="268091">
+                  <a:extLst>
+                    <a:ext uri="{9D8B030D-6E8A-4147-A177-3AD203B41FA5}">
+                      <a16:colId xmlns:a16="http://schemas.microsoft.com/office/drawing/2014/main" val="2601070226"/>
+                    </a:ext>
+                  </a:extLst>
+                </a:gridCol>
+                <a:gridCol w="1394074">
+                  <a:extLst>
+                    <a:ext uri="{9D8B030D-6E8A-4147-A177-3AD203B41FA5}">
+                      <a16:colId xmlns:a16="http://schemas.microsoft.com/office/drawing/2014/main" val="3889318687"/>
+                    </a:ext>
+                  </a:extLst>
+                </a:gridCol>
+                <a:gridCol w="1394074">
+                  <a:extLst>
+                    <a:ext uri="{9D8B030D-6E8A-4147-A177-3AD203B41FA5}">
+                      <a16:colId xmlns:a16="http://schemas.microsoft.com/office/drawing/2014/main" val="2256216306"/>
+                    </a:ext>
+                  </a:extLst>
+                </a:gridCol>
+                <a:gridCol w="1394074">
+                  <a:extLst>
+                    <a:ext uri="{9D8B030D-6E8A-4147-A177-3AD203B41FA5}">
+                      <a16:colId xmlns:a16="http://schemas.microsoft.com/office/drawing/2014/main" val="96724809"/>
+                    </a:ext>
+                  </a:extLst>
+                </a:gridCol>
+                <a:gridCol w="268091">
+                  <a:extLst>
+                    <a:ext uri="{9D8B030D-6E8A-4147-A177-3AD203B41FA5}">
+                      <a16:colId xmlns:a16="http://schemas.microsoft.com/office/drawing/2014/main" val="2504317699"/>
+                    </a:ext>
+                  </a:extLst>
+                </a:gridCol>
+                <a:gridCol w="804273">
+                  <a:extLst>
+                    <a:ext uri="{9D8B030D-6E8A-4147-A177-3AD203B41FA5}">
+                      <a16:colId xmlns:a16="http://schemas.microsoft.com/office/drawing/2014/main" val="1920796613"/>
+                    </a:ext>
+                  </a:extLst>
+                </a:gridCol>
+                <a:gridCol w="1072365">
+                  <a:extLst>
+                    <a:ext uri="{9D8B030D-6E8A-4147-A177-3AD203B41FA5}">
+                      <a16:colId xmlns:a16="http://schemas.microsoft.com/office/drawing/2014/main" val="3188346321"/>
+                    </a:ext>
+                  </a:extLst>
+                </a:gridCol>
+              </a:tblGrid>
+              <a:tr h="288000">
+                <a:tc>
+                  <a:txBody>
+                    <a:bodyPr/>
+                    <a:lstStyle/>
+                    <a:p>
+                      <a:pPr>
+                        <a:lnSpc>
+                          <a:spcPct val="115000"/>
+                        </a:lnSpc>
+                        <a:spcAft>
+                          <a:spcPts val="0"/>
+                        </a:spcAft>
+                      </a:pPr>
+                      <a:r>
+                        <a:rPr lang="en-GB" sz="1400" dirty="0">
+                          <a:solidFill>
+                            <a:srgbClr val="000000"/>
+                          </a:solidFill>
+                          <a:effectLst/>
+                          <a:latin typeface="Arial" panose="020B0604020202020204" pitchFamily="34" charset="0"/>
+                          <a:ea typeface="Calibri" panose="020F0502020204030204" pitchFamily="34" charset="0"/>
+                          <a:cs typeface="Arial" panose="020B0604020202020204" pitchFamily="34" charset="0"/>
+                        </a:rPr>
+                        <a:t>N = 40</a:t>
+                      </a:r>
+                      <a:endParaRPr lang="en-AU" sz="1600" dirty="0">
+                        <a:solidFill>
+                          <a:srgbClr val="000000"/>
+                        </a:solidFill>
+                        <a:effectLst/>
+                        <a:latin typeface="Arial" panose="020B0604020202020204" pitchFamily="34" charset="0"/>
+                        <a:ea typeface="Calibri" panose="020F0502020204030204" pitchFamily="34" charset="0"/>
+                        <a:cs typeface="Arial" panose="020B0604020202020204" pitchFamily="34" charset="0"/>
+                      </a:endParaRPr>
+                    </a:p>
+                  </a:txBody>
+                  <a:tcPr marL="68580" marR="68580" marT="0" marB="0">
+                    <a:lnL>
+                      <a:noFill/>
+                    </a:lnL>
+                    <a:lnR>
+                      <a:noFill/>
+                    </a:lnR>
+                    <a:lnT w="12700" cap="flat" cmpd="sng" algn="ctr">
+                      <a:solidFill>
+                        <a:srgbClr val="000000"/>
+                      </a:solidFill>
+                      <a:prstDash val="solid"/>
+                      <a:round/>
+                      <a:headEnd type="none" w="med" len="med"/>
+                      <a:tailEnd type="none" w="med" len="med"/>
+                    </a:lnT>
+                    <a:lnB>
+                      <a:noFill/>
+                    </a:lnB>
+                  </a:tcPr>
+                </a:tc>
+                <a:tc>
+                  <a:txBody>
+                    <a:bodyPr/>
+                    <a:lstStyle/>
+                    <a:p>
+                      <a:pPr>
+                        <a:lnSpc>
+                          <a:spcPct val="115000"/>
+                        </a:lnSpc>
+                        <a:spcAft>
+                          <a:spcPts val="0"/>
+                        </a:spcAft>
+                      </a:pPr>
+                      <a:r>
+                        <a:rPr lang="en-GB" sz="1400" dirty="0">
+                          <a:solidFill>
+                            <a:srgbClr val="000000"/>
+                          </a:solidFill>
+                          <a:effectLst/>
+                          <a:latin typeface="Arial" panose="020B0604020202020204" pitchFamily="34" charset="0"/>
+                          <a:ea typeface="Calibri" panose="020F0502020204030204" pitchFamily="34" charset="0"/>
+                          <a:cs typeface="Arial" panose="020B0604020202020204" pitchFamily="34" charset="0"/>
+                        </a:rPr>
+                        <a:t> </a:t>
+                      </a:r>
+                      <a:endParaRPr lang="en-AU" sz="1600" dirty="0">
+                        <a:solidFill>
+                          <a:srgbClr val="000000"/>
+                        </a:solidFill>
+                        <a:effectLst/>
+                        <a:latin typeface="Arial" panose="020B0604020202020204" pitchFamily="34" charset="0"/>
+                        <a:ea typeface="Calibri" panose="020F0502020204030204" pitchFamily="34" charset="0"/>
+                        <a:cs typeface="Arial" panose="020B0604020202020204" pitchFamily="34" charset="0"/>
+                      </a:endParaRPr>
+                    </a:p>
+                  </a:txBody>
+                  <a:tcPr marL="68580" marR="68580" marT="0" marB="0">
+                    <a:lnL>
+                      <a:noFill/>
+                    </a:lnL>
+                    <a:lnR>
+                      <a:noFill/>
+                    </a:lnR>
+                    <a:lnT w="12700" cap="flat" cmpd="sng" algn="ctr">
+                      <a:solidFill>
+                        <a:srgbClr val="000000"/>
+                      </a:solidFill>
+                      <a:prstDash val="solid"/>
+                      <a:round/>
+                      <a:headEnd type="none" w="med" len="med"/>
+                      <a:tailEnd type="none" w="med" len="med"/>
+                    </a:lnT>
+                    <a:lnB>
+                      <a:noFill/>
+                    </a:lnB>
+                  </a:tcPr>
+                </a:tc>
+                <a:tc gridSpan="3">
+                  <a:txBody>
+                    <a:bodyPr/>
+                    <a:lstStyle/>
+                    <a:p>
+                      <a:pPr algn="ctr">
+                        <a:lnSpc>
+                          <a:spcPct val="115000"/>
+                        </a:lnSpc>
+                        <a:spcAft>
+                          <a:spcPts val="0"/>
+                        </a:spcAft>
+                      </a:pPr>
+                      <a:r>
+                        <a:rPr lang="en-GB" sz="1400" dirty="0">
+                          <a:solidFill>
+                            <a:srgbClr val="000000"/>
+                          </a:solidFill>
+                          <a:effectLst/>
+                          <a:latin typeface="Arial" panose="020B0604020202020204" pitchFamily="34" charset="0"/>
+                          <a:ea typeface="Calibri" panose="020F0502020204030204" pitchFamily="34" charset="0"/>
+                          <a:cs typeface="Arial" panose="020B0604020202020204" pitchFamily="34" charset="0"/>
+                        </a:rPr>
+                        <a:t>Carried load</a:t>
+                      </a:r>
+                      <a:endParaRPr lang="en-AU" sz="1600" dirty="0">
+                        <a:solidFill>
+                          <a:srgbClr val="000000"/>
+                        </a:solidFill>
+                        <a:effectLst/>
+                        <a:latin typeface="Arial" panose="020B0604020202020204" pitchFamily="34" charset="0"/>
+                        <a:ea typeface="Calibri" panose="020F0502020204030204" pitchFamily="34" charset="0"/>
+                        <a:cs typeface="Arial" panose="020B0604020202020204" pitchFamily="34" charset="0"/>
+                      </a:endParaRPr>
+                    </a:p>
+                  </a:txBody>
+                  <a:tcPr marL="68580" marR="68580" marT="0" marB="0">
+                    <a:lnL>
+                      <a:noFill/>
+                    </a:lnL>
+                    <a:lnR>
+                      <a:noFill/>
+                    </a:lnR>
+                    <a:lnT w="12700" cap="flat" cmpd="sng" algn="ctr">
+                      <a:solidFill>
+                        <a:srgbClr val="000000"/>
+                      </a:solidFill>
+                      <a:prstDash val="solid"/>
+                      <a:round/>
+                      <a:headEnd type="none" w="med" len="med"/>
+                      <a:tailEnd type="none" w="med" len="med"/>
+                    </a:lnT>
+                    <a:lnB w="12700" cap="flat" cmpd="sng" algn="ctr">
+                      <a:solidFill>
+                        <a:srgbClr val="000000"/>
+                      </a:solidFill>
+                      <a:prstDash val="solid"/>
+                      <a:round/>
+                      <a:headEnd type="none" w="med" len="med"/>
+                      <a:tailEnd type="none" w="med" len="med"/>
+                    </a:lnB>
+                  </a:tcPr>
+                </a:tc>
+                <a:tc hMerge="1">
+                  <a:txBody>
+                    <a:bodyPr/>
+                    <a:lstStyle/>
+                    <a:p>
+                      <a:endParaRPr lang="en-AU"/>
+                    </a:p>
+                  </a:txBody>
+                  <a:tcPr/>
+                </a:tc>
+                <a:tc hMerge="1">
+                  <a:txBody>
+                    <a:bodyPr/>
+                    <a:lstStyle/>
+                    <a:p>
+                      <a:endParaRPr lang="en-AU"/>
+                    </a:p>
+                  </a:txBody>
+                  <a:tcPr/>
+                </a:tc>
+                <a:tc>
+                  <a:txBody>
+                    <a:bodyPr/>
+                    <a:lstStyle/>
+                    <a:p>
+                      <a:pPr algn="ctr">
+                        <a:lnSpc>
+                          <a:spcPct val="115000"/>
+                        </a:lnSpc>
+                        <a:spcAft>
+                          <a:spcPts val="0"/>
+                        </a:spcAft>
+                      </a:pPr>
+                      <a:r>
+                        <a:rPr lang="en-GB" sz="1400" dirty="0">
+                          <a:solidFill>
+                            <a:srgbClr val="000000"/>
+                          </a:solidFill>
+                          <a:effectLst/>
+                          <a:latin typeface="Arial" panose="020B0604020202020204" pitchFamily="34" charset="0"/>
+                          <a:ea typeface="Calibri" panose="020F0502020204030204" pitchFamily="34" charset="0"/>
+                          <a:cs typeface="Arial" panose="020B0604020202020204" pitchFamily="34" charset="0"/>
+                        </a:rPr>
+                        <a:t> </a:t>
+                      </a:r>
+                      <a:endParaRPr lang="en-AU" sz="1600" dirty="0">
+                        <a:solidFill>
+                          <a:srgbClr val="000000"/>
+                        </a:solidFill>
+                        <a:effectLst/>
+                        <a:latin typeface="Arial" panose="020B0604020202020204" pitchFamily="34" charset="0"/>
+                        <a:ea typeface="Calibri" panose="020F0502020204030204" pitchFamily="34" charset="0"/>
+                        <a:cs typeface="Arial" panose="020B0604020202020204" pitchFamily="34" charset="0"/>
+                      </a:endParaRPr>
+                    </a:p>
+                  </a:txBody>
+                  <a:tcPr marL="68580" marR="68580" marT="0" marB="0">
+                    <a:lnL>
+                      <a:noFill/>
+                    </a:lnL>
+                    <a:lnR>
+                      <a:noFill/>
+                    </a:lnR>
+                    <a:lnT w="12700" cap="flat" cmpd="sng" algn="ctr">
+                      <a:solidFill>
+                        <a:srgbClr val="000000"/>
+                      </a:solidFill>
+                      <a:prstDash val="solid"/>
+                      <a:round/>
+                      <a:headEnd type="none" w="med" len="med"/>
+                      <a:tailEnd type="none" w="med" len="med"/>
+                    </a:lnT>
+                    <a:lnB>
+                      <a:noFill/>
+                    </a:lnB>
+                  </a:tcPr>
+                </a:tc>
+                <a:tc gridSpan="2">
+                  <a:txBody>
+                    <a:bodyPr/>
+                    <a:lstStyle/>
+                    <a:p>
+                      <a:pPr algn="ctr">
+                        <a:lnSpc>
+                          <a:spcPct val="115000"/>
+                        </a:lnSpc>
+                        <a:spcAft>
+                          <a:spcPts val="0"/>
+                        </a:spcAft>
+                      </a:pPr>
+                      <a:r>
+                        <a:rPr lang="en-GB" sz="1400" dirty="0">
+                          <a:solidFill>
+                            <a:srgbClr val="000000"/>
+                          </a:solidFill>
+                          <a:effectLst/>
+                          <a:latin typeface="Arial" panose="020B0604020202020204" pitchFamily="34" charset="0"/>
+                          <a:ea typeface="Calibri" panose="020F0502020204030204" pitchFamily="34" charset="0"/>
+                          <a:cs typeface="Arial" panose="020B0604020202020204" pitchFamily="34" charset="0"/>
+                        </a:rPr>
+                        <a:t> </a:t>
+                      </a:r>
+                      <a:endParaRPr lang="en-AU" sz="1600" dirty="0">
+                        <a:solidFill>
+                          <a:srgbClr val="000000"/>
+                        </a:solidFill>
+                        <a:effectLst/>
+                        <a:latin typeface="Arial" panose="020B0604020202020204" pitchFamily="34" charset="0"/>
+                        <a:ea typeface="Calibri" panose="020F0502020204030204" pitchFamily="34" charset="0"/>
+                        <a:cs typeface="Arial" panose="020B0604020202020204" pitchFamily="34" charset="0"/>
+                      </a:endParaRPr>
+                    </a:p>
+                  </a:txBody>
+                  <a:tcPr marL="68580" marR="68580" marT="0" marB="0">
+                    <a:lnL>
+                      <a:noFill/>
+                    </a:lnL>
+                    <a:lnR>
+                      <a:noFill/>
+                    </a:lnR>
+                    <a:lnT w="12700" cap="flat" cmpd="sng" algn="ctr">
+                      <a:solidFill>
+                        <a:srgbClr val="000000"/>
+                      </a:solidFill>
+                      <a:prstDash val="solid"/>
+                      <a:round/>
+                      <a:headEnd type="none" w="med" len="med"/>
+                      <a:tailEnd type="none" w="med" len="med"/>
+                    </a:lnT>
+                    <a:lnB>
+                      <a:noFill/>
+                    </a:lnB>
+                  </a:tcPr>
+                </a:tc>
+                <a:tc hMerge="1">
+                  <a:txBody>
+                    <a:bodyPr/>
+                    <a:lstStyle/>
+                    <a:p>
+                      <a:endParaRPr lang="en-AU"/>
+                    </a:p>
+                  </a:txBody>
+                  <a:tcPr/>
+                </a:tc>
+                <a:extLst>
+                  <a:ext uri="{0D108BD9-81ED-4DB2-BD59-A6C34878D82A}">
+                    <a16:rowId xmlns:a16="http://schemas.microsoft.com/office/drawing/2014/main" val="2753638620"/>
+                  </a:ext>
+                </a:extLst>
+              </a:tr>
+              <a:tr h="288000">
+                <a:tc>
+                  <a:txBody>
+                    <a:bodyPr/>
+                    <a:lstStyle/>
+                    <a:p>
+                      <a:pPr>
+                        <a:lnSpc>
+                          <a:spcPct val="115000"/>
+                        </a:lnSpc>
+                        <a:spcAft>
+                          <a:spcPts val="0"/>
+                        </a:spcAft>
+                      </a:pPr>
+                      <a:r>
+                        <a:rPr lang="en-GB" sz="1400">
+                          <a:solidFill>
+                            <a:srgbClr val="000000"/>
+                          </a:solidFill>
+                          <a:effectLst/>
+                          <a:latin typeface="Arial" panose="020B0604020202020204" pitchFamily="34" charset="0"/>
+                          <a:ea typeface="Calibri" panose="020F0502020204030204" pitchFamily="34" charset="0"/>
+                          <a:cs typeface="Arial" panose="020B0604020202020204" pitchFamily="34" charset="0"/>
+                        </a:rPr>
+                        <a:t> </a:t>
+                      </a:r>
+                      <a:endParaRPr lang="en-AU" sz="1600">
+                        <a:solidFill>
+                          <a:srgbClr val="000000"/>
+                        </a:solidFill>
+                        <a:effectLst/>
+                        <a:latin typeface="Arial" panose="020B0604020202020204" pitchFamily="34" charset="0"/>
+                        <a:ea typeface="Calibri" panose="020F0502020204030204" pitchFamily="34" charset="0"/>
+                        <a:cs typeface="Arial" panose="020B0604020202020204" pitchFamily="34" charset="0"/>
+                      </a:endParaRPr>
+                    </a:p>
+                  </a:txBody>
+                  <a:tcPr marL="68580" marR="68580" marT="0" marB="0">
+                    <a:lnL>
+                      <a:noFill/>
+                    </a:lnL>
+                    <a:lnR>
+                      <a:noFill/>
+                    </a:lnR>
+                    <a:lnT>
+                      <a:noFill/>
+                    </a:lnT>
+                    <a:lnB w="12700" cap="flat" cmpd="sng" algn="ctr">
+                      <a:solidFill>
+                        <a:srgbClr val="000000"/>
+                      </a:solidFill>
+                      <a:prstDash val="solid"/>
+                      <a:round/>
+                      <a:headEnd type="none" w="med" len="med"/>
+                      <a:tailEnd type="none" w="med" len="med"/>
+                    </a:lnB>
+                  </a:tcPr>
+                </a:tc>
+                <a:tc>
+                  <a:txBody>
+                    <a:bodyPr/>
+                    <a:lstStyle/>
+                    <a:p>
+                      <a:pPr>
+                        <a:lnSpc>
+                          <a:spcPct val="115000"/>
+                        </a:lnSpc>
+                        <a:spcAft>
+                          <a:spcPts val="0"/>
+                        </a:spcAft>
+                      </a:pPr>
+                      <a:r>
+                        <a:rPr lang="en-GB" sz="1400" dirty="0">
+                          <a:solidFill>
+                            <a:srgbClr val="000000"/>
+                          </a:solidFill>
+                          <a:effectLst/>
+                          <a:latin typeface="Arial" panose="020B0604020202020204" pitchFamily="34" charset="0"/>
+                          <a:ea typeface="Calibri" panose="020F0502020204030204" pitchFamily="34" charset="0"/>
+                          <a:cs typeface="Arial" panose="020B0604020202020204" pitchFamily="34" charset="0"/>
+                        </a:rPr>
+                        <a:t> </a:t>
+                      </a:r>
+                      <a:endParaRPr lang="en-AU" sz="1600" dirty="0">
+                        <a:solidFill>
+                          <a:srgbClr val="000000"/>
+                        </a:solidFill>
+                        <a:effectLst/>
+                        <a:latin typeface="Arial" panose="020B0604020202020204" pitchFamily="34" charset="0"/>
+                        <a:ea typeface="Calibri" panose="020F0502020204030204" pitchFamily="34" charset="0"/>
+                        <a:cs typeface="Arial" panose="020B0604020202020204" pitchFamily="34" charset="0"/>
+                      </a:endParaRPr>
+                    </a:p>
+                  </a:txBody>
+                  <a:tcPr marL="68580" marR="68580" marT="0" marB="0">
+                    <a:lnL>
+                      <a:noFill/>
+                    </a:lnL>
+                    <a:lnR>
+                      <a:noFill/>
+                    </a:lnR>
+                    <a:lnT>
+                      <a:noFill/>
+                    </a:lnT>
+                    <a:lnB>
+                      <a:noFill/>
+                    </a:lnB>
+                  </a:tcPr>
+                </a:tc>
+                <a:tc>
+                  <a:txBody>
+                    <a:bodyPr/>
+                    <a:lstStyle/>
+                    <a:p>
+                      <a:pPr algn="ctr">
+                        <a:lnSpc>
+                          <a:spcPct val="115000"/>
+                        </a:lnSpc>
+                        <a:spcAft>
+                          <a:spcPts val="0"/>
+                        </a:spcAft>
+                      </a:pPr>
+                      <a:r>
+                        <a:rPr lang="en-GB" sz="1400" dirty="0">
+                          <a:solidFill>
+                            <a:srgbClr val="000000"/>
+                          </a:solidFill>
+                          <a:effectLst/>
+                          <a:latin typeface="Arial" panose="020B0604020202020204" pitchFamily="34" charset="0"/>
+                          <a:ea typeface="Calibri" panose="020F0502020204030204" pitchFamily="34" charset="0"/>
+                          <a:cs typeface="Arial" panose="020B0604020202020204" pitchFamily="34" charset="0"/>
+                        </a:rPr>
+                        <a:t>No load</a:t>
+                      </a:r>
+                      <a:endParaRPr lang="en-AU" sz="1600" dirty="0">
+                        <a:solidFill>
+                          <a:srgbClr val="000000"/>
+                        </a:solidFill>
+                        <a:effectLst/>
+                        <a:latin typeface="Arial" panose="020B0604020202020204" pitchFamily="34" charset="0"/>
+                        <a:ea typeface="Calibri" panose="020F0502020204030204" pitchFamily="34" charset="0"/>
+                        <a:cs typeface="Arial" panose="020B0604020202020204" pitchFamily="34" charset="0"/>
+                      </a:endParaRPr>
+                    </a:p>
+                  </a:txBody>
+                  <a:tcPr marL="68580" marR="68580" marT="0" marB="0">
+                    <a:lnL>
+                      <a:noFill/>
+                    </a:lnL>
+                    <a:lnR>
+                      <a:noFill/>
+                    </a:lnR>
+                    <a:lnT w="12700" cap="flat" cmpd="sng" algn="ctr">
+                      <a:solidFill>
+                        <a:srgbClr val="000000"/>
+                      </a:solidFill>
+                      <a:prstDash val="solid"/>
+                      <a:round/>
+                      <a:headEnd type="none" w="med" len="med"/>
+                      <a:tailEnd type="none" w="med" len="med"/>
+                    </a:lnT>
+                    <a:lnB w="12700" cap="flat" cmpd="sng" algn="ctr">
+                      <a:solidFill>
+                        <a:srgbClr val="000000"/>
+                      </a:solidFill>
+                      <a:prstDash val="solid"/>
+                      <a:round/>
+                      <a:headEnd type="none" w="med" len="med"/>
+                      <a:tailEnd type="none" w="med" len="med"/>
+                    </a:lnB>
+                  </a:tcPr>
+                </a:tc>
+                <a:tc>
+                  <a:txBody>
+                    <a:bodyPr/>
+                    <a:lstStyle/>
+                    <a:p>
+                      <a:pPr algn="ctr">
+                        <a:lnSpc>
+                          <a:spcPct val="115000"/>
+                        </a:lnSpc>
+                        <a:spcAft>
+                          <a:spcPts val="0"/>
+                        </a:spcAft>
+                      </a:pPr>
+                      <a:r>
+                        <a:rPr lang="en-GB" sz="1400">
+                          <a:solidFill>
+                            <a:srgbClr val="000000"/>
+                          </a:solidFill>
+                          <a:effectLst/>
+                          <a:latin typeface="Arial" panose="020B0604020202020204" pitchFamily="34" charset="0"/>
+                          <a:ea typeface="Calibri" panose="020F0502020204030204" pitchFamily="34" charset="0"/>
+                          <a:cs typeface="Arial" panose="020B0604020202020204" pitchFamily="34" charset="0"/>
+                        </a:rPr>
+                        <a:t>15 kg</a:t>
+                      </a:r>
+                      <a:endParaRPr lang="en-AU" sz="1600">
+                        <a:solidFill>
+                          <a:srgbClr val="000000"/>
+                        </a:solidFill>
+                        <a:effectLst/>
+                        <a:latin typeface="Arial" panose="020B0604020202020204" pitchFamily="34" charset="0"/>
+                        <a:ea typeface="Calibri" panose="020F0502020204030204" pitchFamily="34" charset="0"/>
+                        <a:cs typeface="Arial" panose="020B0604020202020204" pitchFamily="34" charset="0"/>
+                      </a:endParaRPr>
+                    </a:p>
+                  </a:txBody>
+                  <a:tcPr marL="68580" marR="68580" marT="0" marB="0">
+                    <a:lnL>
+                      <a:noFill/>
+                    </a:lnL>
+                    <a:lnR>
+                      <a:noFill/>
+                    </a:lnR>
+                    <a:lnT w="12700" cap="flat" cmpd="sng" algn="ctr">
+                      <a:solidFill>
+                        <a:srgbClr val="000000"/>
+                      </a:solidFill>
+                      <a:prstDash val="solid"/>
+                      <a:round/>
+                      <a:headEnd type="none" w="med" len="med"/>
+                      <a:tailEnd type="none" w="med" len="med"/>
+                    </a:lnT>
+                    <a:lnB w="12700" cap="flat" cmpd="sng" algn="ctr">
+                      <a:solidFill>
+                        <a:srgbClr val="000000"/>
+                      </a:solidFill>
+                      <a:prstDash val="solid"/>
+                      <a:round/>
+                      <a:headEnd type="none" w="med" len="med"/>
+                      <a:tailEnd type="none" w="med" len="med"/>
+                    </a:lnB>
+                  </a:tcPr>
+                </a:tc>
+                <a:tc>
+                  <a:txBody>
+                    <a:bodyPr/>
+                    <a:lstStyle/>
+                    <a:p>
+                      <a:pPr algn="ctr">
+                        <a:lnSpc>
+                          <a:spcPct val="115000"/>
+                        </a:lnSpc>
+                        <a:spcAft>
+                          <a:spcPts val="0"/>
+                        </a:spcAft>
+                      </a:pPr>
+                      <a:r>
+                        <a:rPr lang="en-GB" sz="1400" dirty="0">
+                          <a:solidFill>
+                            <a:srgbClr val="000000"/>
+                          </a:solidFill>
+                          <a:effectLst/>
+                          <a:latin typeface="Arial" panose="020B0604020202020204" pitchFamily="34" charset="0"/>
+                          <a:ea typeface="Calibri" panose="020F0502020204030204" pitchFamily="34" charset="0"/>
+                          <a:cs typeface="Arial" panose="020B0604020202020204" pitchFamily="34" charset="0"/>
+                        </a:rPr>
+                        <a:t>30 kg</a:t>
+                      </a:r>
+                      <a:endParaRPr lang="en-AU" sz="1600" dirty="0">
+                        <a:solidFill>
+                          <a:srgbClr val="000000"/>
+                        </a:solidFill>
+                        <a:effectLst/>
+                        <a:latin typeface="Arial" panose="020B0604020202020204" pitchFamily="34" charset="0"/>
+                        <a:ea typeface="Calibri" panose="020F0502020204030204" pitchFamily="34" charset="0"/>
+                        <a:cs typeface="Arial" panose="020B0604020202020204" pitchFamily="34" charset="0"/>
+                      </a:endParaRPr>
+                    </a:p>
+                  </a:txBody>
+                  <a:tcPr marL="68580" marR="68580" marT="0" marB="0">
+                    <a:lnL>
+                      <a:noFill/>
+                    </a:lnL>
+                    <a:lnR>
+                      <a:noFill/>
+                    </a:lnR>
+                    <a:lnT w="12700" cap="flat" cmpd="sng" algn="ctr">
+                      <a:solidFill>
+                        <a:srgbClr val="000000"/>
+                      </a:solidFill>
+                      <a:prstDash val="solid"/>
+                      <a:round/>
+                      <a:headEnd type="none" w="med" len="med"/>
+                      <a:tailEnd type="none" w="med" len="med"/>
+                    </a:lnT>
+                    <a:lnB w="12700" cap="flat" cmpd="sng" algn="ctr">
+                      <a:solidFill>
+                        <a:srgbClr val="000000"/>
+                      </a:solidFill>
+                      <a:prstDash val="solid"/>
+                      <a:round/>
+                      <a:headEnd type="none" w="med" len="med"/>
+                      <a:tailEnd type="none" w="med" len="med"/>
+                    </a:lnB>
+                  </a:tcPr>
+                </a:tc>
+                <a:tc>
+                  <a:txBody>
+                    <a:bodyPr/>
+                    <a:lstStyle/>
+                    <a:p>
+                      <a:pPr algn="r">
+                        <a:lnSpc>
+                          <a:spcPct val="115000"/>
+                        </a:lnSpc>
+                        <a:spcAft>
+                          <a:spcPts val="0"/>
+                        </a:spcAft>
+                      </a:pPr>
+                      <a:r>
+                        <a:rPr lang="en-GB" sz="1400" dirty="0">
+                          <a:solidFill>
+                            <a:srgbClr val="000000"/>
+                          </a:solidFill>
+                          <a:effectLst/>
+                          <a:latin typeface="Arial" panose="020B0604020202020204" pitchFamily="34" charset="0"/>
+                          <a:ea typeface="Calibri" panose="020F0502020204030204" pitchFamily="34" charset="0"/>
+                          <a:cs typeface="Arial" panose="020B0604020202020204" pitchFamily="34" charset="0"/>
+                        </a:rPr>
+                        <a:t> </a:t>
+                      </a:r>
+                      <a:endParaRPr lang="en-AU" sz="1600" dirty="0">
+                        <a:solidFill>
+                          <a:srgbClr val="000000"/>
+                        </a:solidFill>
+                        <a:effectLst/>
+                        <a:latin typeface="Arial" panose="020B0604020202020204" pitchFamily="34" charset="0"/>
+                        <a:ea typeface="Calibri" panose="020F0502020204030204" pitchFamily="34" charset="0"/>
+                        <a:cs typeface="Arial" panose="020B0604020202020204" pitchFamily="34" charset="0"/>
+                      </a:endParaRPr>
+                    </a:p>
+                  </a:txBody>
+                  <a:tcPr marL="68580" marR="68580" marT="0" marB="0">
+                    <a:lnL>
+                      <a:noFill/>
+                    </a:lnL>
+                    <a:lnR>
+                      <a:noFill/>
+                    </a:lnR>
+                    <a:lnT>
+                      <a:noFill/>
+                    </a:lnT>
+                    <a:lnB>
+                      <a:noFill/>
+                    </a:lnB>
+                  </a:tcPr>
+                </a:tc>
+                <a:tc>
+                  <a:txBody>
+                    <a:bodyPr/>
+                    <a:lstStyle/>
+                    <a:p>
+                      <a:pPr algn="ctr">
+                        <a:lnSpc>
+                          <a:spcPct val="115000"/>
+                        </a:lnSpc>
+                        <a:spcAft>
+                          <a:spcPts val="0"/>
+                        </a:spcAft>
+                      </a:pPr>
+                      <a:r>
+                        <a:rPr lang="en-GB" sz="1400" dirty="0">
+                          <a:solidFill>
+                            <a:srgbClr val="000000"/>
+                          </a:solidFill>
+                          <a:effectLst/>
+                          <a:latin typeface="Arial" panose="020B0604020202020204" pitchFamily="34" charset="0"/>
+                          <a:ea typeface="Calibri" panose="020F0502020204030204" pitchFamily="34" charset="0"/>
+                          <a:cs typeface="Arial" panose="020B0604020202020204" pitchFamily="34" charset="0"/>
+                        </a:rPr>
+                        <a:t>F</a:t>
+                      </a:r>
+                      <a:endParaRPr lang="en-AU" sz="1600" dirty="0">
+                        <a:solidFill>
+                          <a:srgbClr val="000000"/>
+                        </a:solidFill>
+                        <a:effectLst/>
+                        <a:latin typeface="Arial" panose="020B0604020202020204" pitchFamily="34" charset="0"/>
+                        <a:ea typeface="Calibri" panose="020F0502020204030204" pitchFamily="34" charset="0"/>
+                        <a:cs typeface="Arial" panose="020B0604020202020204" pitchFamily="34" charset="0"/>
+                      </a:endParaRPr>
+                    </a:p>
+                  </a:txBody>
+                  <a:tcPr marL="68580" marR="68580" marT="0" marB="0">
+                    <a:lnL>
+                      <a:noFill/>
+                    </a:lnL>
+                    <a:lnR>
+                      <a:noFill/>
+                    </a:lnR>
+                    <a:lnT>
+                      <a:noFill/>
+                    </a:lnT>
+                    <a:lnB w="12700" cap="flat" cmpd="sng" algn="ctr">
+                      <a:solidFill>
+                        <a:srgbClr val="000000"/>
+                      </a:solidFill>
+                      <a:prstDash val="solid"/>
+                      <a:round/>
+                      <a:headEnd type="none" w="med" len="med"/>
+                      <a:tailEnd type="none" w="med" len="med"/>
+                    </a:lnB>
+                  </a:tcPr>
+                </a:tc>
+                <a:tc>
+                  <a:txBody>
+                    <a:bodyPr/>
+                    <a:lstStyle/>
+                    <a:p>
+                      <a:pPr algn="ctr">
+                        <a:lnSpc>
+                          <a:spcPct val="115000"/>
+                        </a:lnSpc>
+                        <a:spcAft>
+                          <a:spcPts val="0"/>
+                        </a:spcAft>
+                      </a:pPr>
+                      <a:r>
+                        <a:rPr lang="en-GB" sz="1400" dirty="0">
+                          <a:solidFill>
+                            <a:srgbClr val="000000"/>
+                          </a:solidFill>
+                          <a:effectLst/>
+                          <a:latin typeface="Arial" panose="020B0604020202020204" pitchFamily="34" charset="0"/>
+                          <a:ea typeface="Calibri" panose="020F0502020204030204" pitchFamily="34" charset="0"/>
+                          <a:cs typeface="Arial" panose="020B0604020202020204" pitchFamily="34" charset="0"/>
+                        </a:rPr>
+                        <a:t>p-value</a:t>
+                      </a:r>
+                      <a:endParaRPr lang="en-AU" sz="1600" dirty="0">
+                        <a:solidFill>
+                          <a:srgbClr val="000000"/>
+                        </a:solidFill>
+                        <a:effectLst/>
+                        <a:latin typeface="Arial" panose="020B0604020202020204" pitchFamily="34" charset="0"/>
+                        <a:ea typeface="Calibri" panose="020F0502020204030204" pitchFamily="34" charset="0"/>
+                        <a:cs typeface="Arial" panose="020B0604020202020204" pitchFamily="34" charset="0"/>
+                      </a:endParaRPr>
+                    </a:p>
+                  </a:txBody>
+                  <a:tcPr marL="68580" marR="68580" marT="0" marB="0">
+                    <a:lnL>
+                      <a:noFill/>
+                    </a:lnL>
+                    <a:lnR>
+                      <a:noFill/>
+                    </a:lnR>
+                    <a:lnT>
+                      <a:noFill/>
+                    </a:lnT>
+                    <a:lnB w="12700" cap="flat" cmpd="sng" algn="ctr">
+                      <a:solidFill>
+                        <a:srgbClr val="000000"/>
+                      </a:solidFill>
+                      <a:prstDash val="solid"/>
+                      <a:round/>
+                      <a:headEnd type="none" w="med" len="med"/>
+                      <a:tailEnd type="none" w="med" len="med"/>
+                    </a:lnB>
+                  </a:tcPr>
+                </a:tc>
+                <a:extLst>
+                  <a:ext uri="{0D108BD9-81ED-4DB2-BD59-A6C34878D82A}">
+                    <a16:rowId xmlns:a16="http://schemas.microsoft.com/office/drawing/2014/main" val="1332454606"/>
+                  </a:ext>
+                </a:extLst>
+              </a:tr>
+              <a:tr h="0">
+                <a:tc>
+                  <a:txBody>
+                    <a:bodyPr/>
+                    <a:lstStyle/>
+                    <a:p>
+                      <a:pPr>
+                        <a:lnSpc>
+                          <a:spcPct val="115000"/>
+                        </a:lnSpc>
+                        <a:spcAft>
+                          <a:spcPts val="0"/>
+                        </a:spcAft>
+                      </a:pPr>
+                      <a:r>
+                        <a:rPr lang="en-GB" sz="1400" dirty="0">
+                          <a:solidFill>
+                            <a:srgbClr val="000000"/>
+                          </a:solidFill>
+                          <a:effectLst/>
+                          <a:latin typeface="Arial" panose="020B0604020202020204" pitchFamily="34" charset="0"/>
+                          <a:ea typeface="Calibri" panose="020F0502020204030204" pitchFamily="34" charset="0"/>
+                          <a:cs typeface="Arial" panose="020B0604020202020204" pitchFamily="34" charset="0"/>
+                        </a:rPr>
+                        <a:t>Medial KJCF first peak (BW)</a:t>
+                      </a:r>
+                      <a:endParaRPr lang="en-AU" sz="1400" dirty="0">
+                        <a:solidFill>
+                          <a:srgbClr val="000000"/>
+                        </a:solidFill>
+                        <a:effectLst/>
+                        <a:latin typeface="Arial" panose="020B0604020202020204" pitchFamily="34" charset="0"/>
+                        <a:ea typeface="Calibri" panose="020F0502020204030204" pitchFamily="34" charset="0"/>
+                        <a:cs typeface="Arial" panose="020B0604020202020204" pitchFamily="34" charset="0"/>
+                      </a:endParaRPr>
+                    </a:p>
+                  </a:txBody>
+                  <a:tcPr marL="68580" marR="68580" marT="0" marB="0">
+                    <a:lnL>
+                      <a:noFill/>
+                    </a:lnL>
+                    <a:lnR>
+                      <a:noFill/>
+                    </a:lnR>
+                    <a:lnT w="12700" cap="flat" cmpd="sng" algn="ctr">
+                      <a:solidFill>
+                        <a:srgbClr val="000000"/>
+                      </a:solidFill>
+                      <a:prstDash val="solid"/>
+                      <a:round/>
+                      <a:headEnd type="none" w="med" len="med"/>
+                      <a:tailEnd type="none" w="med" len="med"/>
+                    </a:lnT>
+                    <a:lnB>
+                      <a:noFill/>
+                    </a:lnB>
+                    <a:solidFill>
+                      <a:srgbClr val="00C0C4"/>
+                    </a:solidFill>
+                  </a:tcPr>
+                </a:tc>
+                <a:tc>
+                  <a:txBody>
+                    <a:bodyPr/>
+                    <a:lstStyle/>
+                    <a:p>
+                      <a:pPr>
+                        <a:lnSpc>
+                          <a:spcPct val="115000"/>
+                        </a:lnSpc>
+                        <a:spcAft>
+                          <a:spcPts val="0"/>
+                        </a:spcAft>
+                      </a:pPr>
+                      <a:r>
+                        <a:rPr lang="en-GB" sz="1400" dirty="0">
+                          <a:solidFill>
+                            <a:srgbClr val="000000"/>
+                          </a:solidFill>
+                          <a:effectLst/>
+                          <a:latin typeface="Arial" panose="020B0604020202020204" pitchFamily="34" charset="0"/>
+                          <a:ea typeface="Calibri" panose="020F0502020204030204" pitchFamily="34" charset="0"/>
+                          <a:cs typeface="Arial" panose="020B0604020202020204" pitchFamily="34" charset="0"/>
+                        </a:rPr>
+                        <a:t> </a:t>
+                      </a:r>
+                      <a:endParaRPr lang="en-AU" sz="1600" dirty="0">
+                        <a:solidFill>
+                          <a:srgbClr val="000000"/>
+                        </a:solidFill>
+                        <a:effectLst/>
+                        <a:latin typeface="Arial" panose="020B0604020202020204" pitchFamily="34" charset="0"/>
+                        <a:ea typeface="Calibri" panose="020F0502020204030204" pitchFamily="34" charset="0"/>
+                        <a:cs typeface="Arial" panose="020B0604020202020204" pitchFamily="34" charset="0"/>
+                      </a:endParaRPr>
+                    </a:p>
+                  </a:txBody>
+                  <a:tcPr marL="68580" marR="68580" marT="0" marB="0">
+                    <a:lnL>
+                      <a:noFill/>
+                    </a:lnL>
+                    <a:lnR>
+                      <a:noFill/>
+                    </a:lnR>
+                    <a:lnT>
+                      <a:noFill/>
+                    </a:lnT>
+                    <a:lnB>
+                      <a:noFill/>
+                    </a:lnB>
+                    <a:solidFill>
+                      <a:srgbClr val="00C0C4"/>
+                    </a:solidFill>
+                  </a:tcPr>
+                </a:tc>
+                <a:tc>
+                  <a:txBody>
+                    <a:bodyPr/>
+                    <a:lstStyle/>
+                    <a:p>
+                      <a:pPr algn="ctr">
+                        <a:lnSpc>
+                          <a:spcPct val="115000"/>
+                        </a:lnSpc>
+                        <a:spcAft>
+                          <a:spcPts val="0"/>
+                        </a:spcAft>
+                      </a:pPr>
+                      <a:r>
+                        <a:rPr lang="en-GB" sz="1400">
+                          <a:solidFill>
+                            <a:srgbClr val="000000"/>
+                          </a:solidFill>
+                          <a:effectLst/>
+                          <a:latin typeface="Arial" panose="020B0604020202020204" pitchFamily="34" charset="0"/>
+                          <a:ea typeface="Calibri" panose="020F0502020204030204" pitchFamily="34" charset="0"/>
+                          <a:cs typeface="Arial" panose="020B0604020202020204" pitchFamily="34" charset="0"/>
+                        </a:rPr>
+                        <a:t>3.07 ± 0.69</a:t>
+                      </a:r>
+                      <a:endParaRPr lang="en-AU" sz="1600">
+                        <a:solidFill>
+                          <a:srgbClr val="000000"/>
+                        </a:solidFill>
+                        <a:effectLst/>
+                        <a:latin typeface="Arial" panose="020B0604020202020204" pitchFamily="34" charset="0"/>
+                        <a:ea typeface="Calibri" panose="020F0502020204030204" pitchFamily="34" charset="0"/>
+                        <a:cs typeface="Arial" panose="020B0604020202020204" pitchFamily="34" charset="0"/>
+                      </a:endParaRPr>
+                    </a:p>
+                  </a:txBody>
+                  <a:tcPr marL="68580" marR="68580" marT="0" marB="0">
+                    <a:lnL>
+                      <a:noFill/>
+                    </a:lnL>
+                    <a:lnR>
+                      <a:noFill/>
+                    </a:lnR>
+                    <a:lnT w="12700" cap="flat" cmpd="sng" algn="ctr">
+                      <a:solidFill>
+                        <a:srgbClr val="000000"/>
+                      </a:solidFill>
+                      <a:prstDash val="solid"/>
+                      <a:round/>
+                      <a:headEnd type="none" w="med" len="med"/>
+                      <a:tailEnd type="none" w="med" len="med"/>
+                    </a:lnT>
+                    <a:lnB>
+                      <a:noFill/>
+                    </a:lnB>
+                    <a:solidFill>
+                      <a:srgbClr val="00C0C4"/>
+                    </a:solidFill>
+                  </a:tcPr>
+                </a:tc>
+                <a:tc>
+                  <a:txBody>
+                    <a:bodyPr/>
+                    <a:lstStyle/>
+                    <a:p>
+                      <a:pPr algn="ctr">
+                        <a:lnSpc>
+                          <a:spcPct val="115000"/>
+                        </a:lnSpc>
+                        <a:spcAft>
+                          <a:spcPts val="0"/>
+                        </a:spcAft>
+                      </a:pPr>
+                      <a:r>
+                        <a:rPr lang="en-GB" sz="1400" dirty="0">
+                          <a:solidFill>
+                            <a:srgbClr val="000000"/>
+                          </a:solidFill>
+                          <a:effectLst/>
+                          <a:latin typeface="Arial" panose="020B0604020202020204" pitchFamily="34" charset="0"/>
+                          <a:ea typeface="Calibri" panose="020F0502020204030204" pitchFamily="34" charset="0"/>
+                          <a:cs typeface="Arial" panose="020B0604020202020204" pitchFamily="34" charset="0"/>
+                        </a:rPr>
+                        <a:t>3.38 ± 0.83*</a:t>
+                      </a:r>
+                      <a:endParaRPr lang="en-AU" sz="1600" dirty="0">
+                        <a:solidFill>
+                          <a:srgbClr val="000000"/>
+                        </a:solidFill>
+                        <a:effectLst/>
+                        <a:latin typeface="Arial" panose="020B0604020202020204" pitchFamily="34" charset="0"/>
+                        <a:ea typeface="Calibri" panose="020F0502020204030204" pitchFamily="34" charset="0"/>
+                        <a:cs typeface="Arial" panose="020B0604020202020204" pitchFamily="34" charset="0"/>
+                      </a:endParaRPr>
+                    </a:p>
+                  </a:txBody>
+                  <a:tcPr marL="68580" marR="68580" marT="0" marB="0">
+                    <a:lnL>
+                      <a:noFill/>
+                    </a:lnL>
+                    <a:lnR>
+                      <a:noFill/>
+                    </a:lnR>
+                    <a:lnT w="12700" cap="flat" cmpd="sng" algn="ctr">
+                      <a:solidFill>
+                        <a:srgbClr val="000000"/>
+                      </a:solidFill>
+                      <a:prstDash val="solid"/>
+                      <a:round/>
+                      <a:headEnd type="none" w="med" len="med"/>
+                      <a:tailEnd type="none" w="med" len="med"/>
+                    </a:lnT>
+                    <a:lnB>
+                      <a:noFill/>
+                    </a:lnB>
+                    <a:solidFill>
+                      <a:srgbClr val="00C0C4"/>
+                    </a:solidFill>
+                  </a:tcPr>
+                </a:tc>
+                <a:tc>
+                  <a:txBody>
+                    <a:bodyPr/>
+                    <a:lstStyle/>
+                    <a:p>
+                      <a:pPr algn="ctr">
+                        <a:lnSpc>
+                          <a:spcPct val="115000"/>
+                        </a:lnSpc>
+                        <a:spcAft>
+                          <a:spcPts val="0"/>
+                        </a:spcAft>
+                      </a:pPr>
+                      <a:r>
+                        <a:rPr lang="en-GB" sz="1400" dirty="0">
+                          <a:solidFill>
+                            <a:srgbClr val="000000"/>
+                          </a:solidFill>
+                          <a:effectLst/>
+                          <a:latin typeface="Arial" panose="020B0604020202020204" pitchFamily="34" charset="0"/>
+                          <a:ea typeface="Calibri" panose="020F0502020204030204" pitchFamily="34" charset="0"/>
+                          <a:cs typeface="Arial" panose="020B0604020202020204" pitchFamily="34" charset="0"/>
+                        </a:rPr>
+                        <a:t>3.68 ± 0.80*</a:t>
+                      </a:r>
+                      <a:endParaRPr lang="en-AU" sz="1600" dirty="0">
+                        <a:solidFill>
+                          <a:srgbClr val="000000"/>
+                        </a:solidFill>
+                        <a:effectLst/>
+                        <a:latin typeface="Arial" panose="020B0604020202020204" pitchFamily="34" charset="0"/>
+                        <a:ea typeface="Calibri" panose="020F0502020204030204" pitchFamily="34" charset="0"/>
+                        <a:cs typeface="Arial" panose="020B0604020202020204" pitchFamily="34" charset="0"/>
+                      </a:endParaRPr>
+                    </a:p>
+                  </a:txBody>
+                  <a:tcPr marL="68580" marR="68580" marT="0" marB="0">
+                    <a:lnL>
+                      <a:noFill/>
+                    </a:lnL>
+                    <a:lnR>
+                      <a:noFill/>
+                    </a:lnR>
+                    <a:lnT w="12700" cap="flat" cmpd="sng" algn="ctr">
+                      <a:solidFill>
+                        <a:srgbClr val="000000"/>
+                      </a:solidFill>
+                      <a:prstDash val="solid"/>
+                      <a:round/>
+                      <a:headEnd type="none" w="med" len="med"/>
+                      <a:tailEnd type="none" w="med" len="med"/>
+                    </a:lnT>
+                    <a:lnB>
+                      <a:noFill/>
+                    </a:lnB>
+                    <a:solidFill>
+                      <a:srgbClr val="00C0C4"/>
+                    </a:solidFill>
+                  </a:tcPr>
+                </a:tc>
+                <a:tc>
+                  <a:txBody>
+                    <a:bodyPr/>
+                    <a:lstStyle/>
+                    <a:p>
+                      <a:pPr algn="r">
+                        <a:lnSpc>
+                          <a:spcPct val="115000"/>
+                        </a:lnSpc>
+                        <a:spcAft>
+                          <a:spcPts val="0"/>
+                        </a:spcAft>
+                      </a:pPr>
+                      <a:r>
+                        <a:rPr lang="en-GB" sz="1400" dirty="0">
+                          <a:solidFill>
+                            <a:srgbClr val="000000"/>
+                          </a:solidFill>
+                          <a:effectLst/>
+                          <a:latin typeface="Arial" panose="020B0604020202020204" pitchFamily="34" charset="0"/>
+                          <a:ea typeface="Calibri" panose="020F0502020204030204" pitchFamily="34" charset="0"/>
+                          <a:cs typeface="Arial" panose="020B0604020202020204" pitchFamily="34" charset="0"/>
+                        </a:rPr>
+                        <a:t> </a:t>
+                      </a:r>
+                      <a:endParaRPr lang="en-AU" sz="1600" dirty="0">
+                        <a:solidFill>
+                          <a:srgbClr val="000000"/>
+                        </a:solidFill>
+                        <a:effectLst/>
+                        <a:latin typeface="Arial" panose="020B0604020202020204" pitchFamily="34" charset="0"/>
+                        <a:ea typeface="Calibri" panose="020F0502020204030204" pitchFamily="34" charset="0"/>
+                        <a:cs typeface="Arial" panose="020B0604020202020204" pitchFamily="34" charset="0"/>
+                      </a:endParaRPr>
+                    </a:p>
+                  </a:txBody>
+                  <a:tcPr marL="68580" marR="68580" marT="0" marB="0">
+                    <a:lnL>
+                      <a:noFill/>
+                    </a:lnL>
+                    <a:lnR>
+                      <a:noFill/>
+                    </a:lnR>
+                    <a:lnT>
+                      <a:noFill/>
+                    </a:lnT>
+                    <a:lnB>
+                      <a:noFill/>
+                    </a:lnB>
+                  </a:tcPr>
+                </a:tc>
+                <a:tc>
+                  <a:txBody>
+                    <a:bodyPr/>
+                    <a:lstStyle/>
+                    <a:p>
+                      <a:pPr algn="ctr">
+                        <a:lnSpc>
+                          <a:spcPct val="115000"/>
+                        </a:lnSpc>
+                        <a:spcAft>
+                          <a:spcPts val="0"/>
+                        </a:spcAft>
+                      </a:pPr>
+                      <a:r>
+                        <a:rPr lang="en-GB" sz="1400" dirty="0">
+                          <a:solidFill>
+                            <a:srgbClr val="000000"/>
+                          </a:solidFill>
+                          <a:effectLst/>
+                          <a:latin typeface="Arial" panose="020B0604020202020204" pitchFamily="34" charset="0"/>
+                          <a:ea typeface="Calibri" panose="020F0502020204030204" pitchFamily="34" charset="0"/>
+                          <a:cs typeface="Arial" panose="020B0604020202020204" pitchFamily="34" charset="0"/>
+                        </a:rPr>
+                        <a:t>6.55</a:t>
+                      </a:r>
+                      <a:endParaRPr lang="en-AU" sz="1600" dirty="0">
+                        <a:solidFill>
+                          <a:srgbClr val="000000"/>
+                        </a:solidFill>
+                        <a:effectLst/>
+                        <a:latin typeface="Arial" panose="020B0604020202020204" pitchFamily="34" charset="0"/>
+                        <a:ea typeface="Calibri" panose="020F0502020204030204" pitchFamily="34" charset="0"/>
+                        <a:cs typeface="Arial" panose="020B0604020202020204" pitchFamily="34" charset="0"/>
+                      </a:endParaRPr>
+                    </a:p>
+                  </a:txBody>
+                  <a:tcPr marL="68580" marR="68580" marT="0" marB="0">
+                    <a:lnL>
+                      <a:noFill/>
+                    </a:lnL>
+                    <a:lnR>
+                      <a:noFill/>
+                    </a:lnR>
+                    <a:lnT w="12700" cap="flat" cmpd="sng" algn="ctr">
+                      <a:solidFill>
+                        <a:srgbClr val="000000"/>
+                      </a:solidFill>
+                      <a:prstDash val="solid"/>
+                      <a:round/>
+                      <a:headEnd type="none" w="med" len="med"/>
+                      <a:tailEnd type="none" w="med" len="med"/>
+                    </a:lnT>
+                    <a:lnB>
+                      <a:noFill/>
+                    </a:lnB>
+                  </a:tcPr>
+                </a:tc>
+                <a:tc>
+                  <a:txBody>
+                    <a:bodyPr/>
+                    <a:lstStyle/>
+                    <a:p>
+                      <a:pPr algn="ctr">
+                        <a:lnSpc>
+                          <a:spcPct val="115000"/>
+                        </a:lnSpc>
+                        <a:spcAft>
+                          <a:spcPts val="0"/>
+                        </a:spcAft>
+                      </a:pPr>
+                      <a:r>
+                        <a:rPr lang="en-GB" sz="1400" dirty="0">
+                          <a:solidFill>
+                            <a:srgbClr val="000000"/>
+                          </a:solidFill>
+                          <a:effectLst/>
+                          <a:latin typeface="Arial" panose="020B0604020202020204" pitchFamily="34" charset="0"/>
+                          <a:ea typeface="Calibri" panose="020F0502020204030204" pitchFamily="34" charset="0"/>
+                          <a:cs typeface="Arial" panose="020B0604020202020204" pitchFamily="34" charset="0"/>
+                        </a:rPr>
+                        <a:t>0.002</a:t>
+                      </a:r>
+                      <a:endParaRPr lang="en-AU" sz="1600" dirty="0">
+                        <a:solidFill>
+                          <a:srgbClr val="000000"/>
+                        </a:solidFill>
+                        <a:effectLst/>
+                        <a:latin typeface="Arial" panose="020B0604020202020204" pitchFamily="34" charset="0"/>
+                        <a:ea typeface="Calibri" panose="020F0502020204030204" pitchFamily="34" charset="0"/>
+                        <a:cs typeface="Arial" panose="020B0604020202020204" pitchFamily="34" charset="0"/>
+                      </a:endParaRPr>
+                    </a:p>
+                  </a:txBody>
+                  <a:tcPr marL="68580" marR="68580" marT="0" marB="0">
+                    <a:lnL>
+                      <a:noFill/>
+                    </a:lnL>
+                    <a:lnR>
+                      <a:noFill/>
+                    </a:lnR>
+                    <a:lnT w="12700" cap="flat" cmpd="sng" algn="ctr">
+                      <a:solidFill>
+                        <a:srgbClr val="000000"/>
+                      </a:solidFill>
+                      <a:prstDash val="solid"/>
+                      <a:round/>
+                      <a:headEnd type="none" w="med" len="med"/>
+                      <a:tailEnd type="none" w="med" len="med"/>
+                    </a:lnT>
+                    <a:lnB>
+                      <a:noFill/>
+                    </a:lnB>
+                  </a:tcPr>
+                </a:tc>
+                <a:extLst>
+                  <a:ext uri="{0D108BD9-81ED-4DB2-BD59-A6C34878D82A}">
+                    <a16:rowId xmlns:a16="http://schemas.microsoft.com/office/drawing/2014/main" val="1886230572"/>
+                  </a:ext>
+                </a:extLst>
+              </a:tr>
+              <a:tr h="0">
+                <a:tc>
+                  <a:txBody>
+                    <a:bodyPr/>
+                    <a:lstStyle/>
+                    <a:p>
+                      <a:pPr>
+                        <a:lnSpc>
+                          <a:spcPct val="115000"/>
+                        </a:lnSpc>
+                        <a:spcAft>
+                          <a:spcPts val="0"/>
+                        </a:spcAft>
+                      </a:pPr>
+                      <a:r>
+                        <a:rPr lang="en-GB" sz="1400" dirty="0">
+                          <a:solidFill>
+                            <a:srgbClr val="000000"/>
+                          </a:solidFill>
+                          <a:effectLst/>
+                          <a:latin typeface="Arial" panose="020B0604020202020204" pitchFamily="34" charset="0"/>
+                          <a:ea typeface="Calibri" panose="020F0502020204030204" pitchFamily="34" charset="0"/>
+                          <a:cs typeface="Arial" panose="020B0604020202020204" pitchFamily="34" charset="0"/>
+                        </a:rPr>
+                        <a:t>Medial KJCF second peak (BW)</a:t>
+                      </a:r>
+                      <a:endParaRPr lang="en-AU" sz="1400" dirty="0">
+                        <a:solidFill>
+                          <a:srgbClr val="000000"/>
+                        </a:solidFill>
+                        <a:effectLst/>
+                        <a:latin typeface="Arial" panose="020B0604020202020204" pitchFamily="34" charset="0"/>
+                        <a:ea typeface="Calibri" panose="020F0502020204030204" pitchFamily="34" charset="0"/>
+                        <a:cs typeface="Arial" panose="020B0604020202020204" pitchFamily="34" charset="0"/>
+                      </a:endParaRPr>
+                    </a:p>
+                  </a:txBody>
+                  <a:tcPr marL="68580" marR="68580" marT="0" marB="0">
+                    <a:lnL>
+                      <a:noFill/>
+                    </a:lnL>
+                    <a:lnR>
+                      <a:noFill/>
+                    </a:lnR>
+                    <a:lnT>
+                      <a:noFill/>
+                    </a:lnT>
+                    <a:lnB>
+                      <a:noFill/>
+                    </a:lnB>
+                  </a:tcPr>
+                </a:tc>
+                <a:tc>
+                  <a:txBody>
+                    <a:bodyPr/>
+                    <a:lstStyle/>
+                    <a:p>
+                      <a:pPr>
+                        <a:lnSpc>
+                          <a:spcPct val="115000"/>
+                        </a:lnSpc>
+                        <a:spcAft>
+                          <a:spcPts val="0"/>
+                        </a:spcAft>
+                      </a:pPr>
+                      <a:r>
+                        <a:rPr lang="en-GB" sz="1400" dirty="0">
+                          <a:solidFill>
+                            <a:srgbClr val="000000"/>
+                          </a:solidFill>
+                          <a:effectLst/>
+                          <a:latin typeface="Arial" panose="020B0604020202020204" pitchFamily="34" charset="0"/>
+                          <a:ea typeface="Calibri" panose="020F0502020204030204" pitchFamily="34" charset="0"/>
+                          <a:cs typeface="Arial" panose="020B0604020202020204" pitchFamily="34" charset="0"/>
+                        </a:rPr>
+                        <a:t> </a:t>
+                      </a:r>
+                      <a:endParaRPr lang="en-AU" sz="1600" dirty="0">
+                        <a:solidFill>
+                          <a:srgbClr val="000000"/>
+                        </a:solidFill>
+                        <a:effectLst/>
+                        <a:latin typeface="Arial" panose="020B0604020202020204" pitchFamily="34" charset="0"/>
+                        <a:ea typeface="Calibri" panose="020F0502020204030204" pitchFamily="34" charset="0"/>
+                        <a:cs typeface="Arial" panose="020B0604020202020204" pitchFamily="34" charset="0"/>
+                      </a:endParaRPr>
+                    </a:p>
+                  </a:txBody>
+                  <a:tcPr marL="68580" marR="68580" marT="0" marB="0">
+                    <a:lnL>
+                      <a:noFill/>
+                    </a:lnL>
+                    <a:lnR>
+                      <a:noFill/>
+                    </a:lnR>
+                    <a:lnT>
+                      <a:noFill/>
+                    </a:lnT>
+                    <a:lnB>
+                      <a:noFill/>
+                    </a:lnB>
+                  </a:tcPr>
+                </a:tc>
+                <a:tc>
+                  <a:txBody>
+                    <a:bodyPr/>
+                    <a:lstStyle/>
+                    <a:p>
+                      <a:pPr algn="ctr">
+                        <a:lnSpc>
+                          <a:spcPct val="115000"/>
+                        </a:lnSpc>
+                        <a:spcAft>
+                          <a:spcPts val="0"/>
+                        </a:spcAft>
+                      </a:pPr>
+                      <a:r>
+                        <a:rPr lang="en-GB" sz="1400">
+                          <a:solidFill>
+                            <a:srgbClr val="000000"/>
+                          </a:solidFill>
+                          <a:effectLst/>
+                          <a:latin typeface="Arial" panose="020B0604020202020204" pitchFamily="34" charset="0"/>
+                          <a:ea typeface="Calibri" panose="020F0502020204030204" pitchFamily="34" charset="0"/>
+                          <a:cs typeface="Arial" panose="020B0604020202020204" pitchFamily="34" charset="0"/>
+                        </a:rPr>
+                        <a:t>2.37 ± 1.11</a:t>
+                      </a:r>
+                      <a:endParaRPr lang="en-AU" sz="1600">
+                        <a:solidFill>
+                          <a:srgbClr val="000000"/>
+                        </a:solidFill>
+                        <a:effectLst/>
+                        <a:latin typeface="Arial" panose="020B0604020202020204" pitchFamily="34" charset="0"/>
+                        <a:ea typeface="Calibri" panose="020F0502020204030204" pitchFamily="34" charset="0"/>
+                        <a:cs typeface="Arial" panose="020B0604020202020204" pitchFamily="34" charset="0"/>
+                      </a:endParaRPr>
+                    </a:p>
+                  </a:txBody>
+                  <a:tcPr marL="68580" marR="68580" marT="0" marB="0">
+                    <a:lnL>
+                      <a:noFill/>
+                    </a:lnL>
+                    <a:lnR>
+                      <a:noFill/>
+                    </a:lnR>
+                    <a:lnT>
+                      <a:noFill/>
+                    </a:lnT>
+                    <a:lnB>
+                      <a:noFill/>
+                    </a:lnB>
+                  </a:tcPr>
+                </a:tc>
+                <a:tc>
+                  <a:txBody>
+                    <a:bodyPr/>
+                    <a:lstStyle/>
+                    <a:p>
+                      <a:pPr algn="ctr">
+                        <a:lnSpc>
+                          <a:spcPct val="115000"/>
+                        </a:lnSpc>
+                        <a:spcAft>
+                          <a:spcPts val="0"/>
+                        </a:spcAft>
+                      </a:pPr>
+                      <a:r>
+                        <a:rPr lang="en-GB" sz="1400" dirty="0">
+                          <a:solidFill>
+                            <a:srgbClr val="000000"/>
+                          </a:solidFill>
+                          <a:effectLst/>
+                          <a:latin typeface="Arial" panose="020B0604020202020204" pitchFamily="34" charset="0"/>
+                          <a:ea typeface="Calibri" panose="020F0502020204030204" pitchFamily="34" charset="0"/>
+                          <a:cs typeface="Arial" panose="020B0604020202020204" pitchFamily="34" charset="0"/>
+                        </a:rPr>
+                        <a:t>2.36 ± 1.08</a:t>
+                      </a:r>
+                      <a:endParaRPr lang="en-AU" sz="1600" dirty="0">
+                        <a:solidFill>
+                          <a:srgbClr val="000000"/>
+                        </a:solidFill>
+                        <a:effectLst/>
+                        <a:latin typeface="Arial" panose="020B0604020202020204" pitchFamily="34" charset="0"/>
+                        <a:ea typeface="Calibri" panose="020F0502020204030204" pitchFamily="34" charset="0"/>
+                        <a:cs typeface="Arial" panose="020B0604020202020204" pitchFamily="34" charset="0"/>
+                      </a:endParaRPr>
+                    </a:p>
+                  </a:txBody>
+                  <a:tcPr marL="68580" marR="68580" marT="0" marB="0">
+                    <a:lnL>
+                      <a:noFill/>
+                    </a:lnL>
+                    <a:lnR>
+                      <a:noFill/>
+                    </a:lnR>
+                    <a:lnT>
+                      <a:noFill/>
+                    </a:lnT>
+                    <a:lnB>
+                      <a:noFill/>
+                    </a:lnB>
+                  </a:tcPr>
+                </a:tc>
+                <a:tc>
+                  <a:txBody>
+                    <a:bodyPr/>
+                    <a:lstStyle/>
+                    <a:p>
+                      <a:pPr algn="ctr">
+                        <a:lnSpc>
+                          <a:spcPct val="115000"/>
+                        </a:lnSpc>
+                        <a:spcAft>
+                          <a:spcPts val="0"/>
+                        </a:spcAft>
+                      </a:pPr>
+                      <a:r>
+                        <a:rPr lang="en-GB" sz="1400" dirty="0">
+                          <a:solidFill>
+                            <a:srgbClr val="000000"/>
+                          </a:solidFill>
+                          <a:effectLst/>
+                          <a:latin typeface="Arial" panose="020B0604020202020204" pitchFamily="34" charset="0"/>
+                          <a:ea typeface="Calibri" panose="020F0502020204030204" pitchFamily="34" charset="0"/>
+                          <a:cs typeface="Arial" panose="020B0604020202020204" pitchFamily="34" charset="0"/>
+                        </a:rPr>
+                        <a:t>2.37 ± 0.96</a:t>
+                      </a:r>
+                      <a:endParaRPr lang="en-AU" sz="1600" dirty="0">
+                        <a:solidFill>
+                          <a:srgbClr val="000000"/>
+                        </a:solidFill>
+                        <a:effectLst/>
+                        <a:latin typeface="Arial" panose="020B0604020202020204" pitchFamily="34" charset="0"/>
+                        <a:ea typeface="Calibri" panose="020F0502020204030204" pitchFamily="34" charset="0"/>
+                        <a:cs typeface="Arial" panose="020B0604020202020204" pitchFamily="34" charset="0"/>
+                      </a:endParaRPr>
+                    </a:p>
+                  </a:txBody>
+                  <a:tcPr marL="68580" marR="68580" marT="0" marB="0">
+                    <a:lnL>
+                      <a:noFill/>
+                    </a:lnL>
+                    <a:lnR>
+                      <a:noFill/>
+                    </a:lnR>
+                    <a:lnT>
+                      <a:noFill/>
+                    </a:lnT>
+                    <a:lnB>
+                      <a:noFill/>
+                    </a:lnB>
+                  </a:tcPr>
+                </a:tc>
+                <a:tc>
+                  <a:txBody>
+                    <a:bodyPr/>
+                    <a:lstStyle/>
+                    <a:p>
+                      <a:pPr algn="r">
+                        <a:lnSpc>
+                          <a:spcPct val="115000"/>
+                        </a:lnSpc>
+                        <a:spcAft>
+                          <a:spcPts val="0"/>
+                        </a:spcAft>
+                      </a:pPr>
+                      <a:r>
+                        <a:rPr lang="en-GB" sz="1400" dirty="0">
+                          <a:solidFill>
+                            <a:srgbClr val="000000"/>
+                          </a:solidFill>
+                          <a:effectLst/>
+                          <a:latin typeface="Arial" panose="020B0604020202020204" pitchFamily="34" charset="0"/>
+                          <a:ea typeface="Calibri" panose="020F0502020204030204" pitchFamily="34" charset="0"/>
+                          <a:cs typeface="Arial" panose="020B0604020202020204" pitchFamily="34" charset="0"/>
+                        </a:rPr>
+                        <a:t> </a:t>
+                      </a:r>
+                      <a:endParaRPr lang="en-AU" sz="1600" dirty="0">
+                        <a:solidFill>
+                          <a:srgbClr val="000000"/>
+                        </a:solidFill>
+                        <a:effectLst/>
+                        <a:latin typeface="Arial" panose="020B0604020202020204" pitchFamily="34" charset="0"/>
+                        <a:ea typeface="Calibri" panose="020F0502020204030204" pitchFamily="34" charset="0"/>
+                        <a:cs typeface="Arial" panose="020B0604020202020204" pitchFamily="34" charset="0"/>
+                      </a:endParaRPr>
+                    </a:p>
+                  </a:txBody>
+                  <a:tcPr marL="68580" marR="68580" marT="0" marB="0">
+                    <a:lnL>
+                      <a:noFill/>
+                    </a:lnL>
+                    <a:lnR>
+                      <a:noFill/>
+                    </a:lnR>
+                    <a:lnT>
+                      <a:noFill/>
+                    </a:lnT>
+                    <a:lnB>
+                      <a:noFill/>
+                    </a:lnB>
+                  </a:tcPr>
+                </a:tc>
+                <a:tc>
+                  <a:txBody>
+                    <a:bodyPr/>
+                    <a:lstStyle/>
+                    <a:p>
+                      <a:pPr algn="ctr">
+                        <a:lnSpc>
+                          <a:spcPct val="115000"/>
+                        </a:lnSpc>
+                        <a:spcAft>
+                          <a:spcPts val="0"/>
+                        </a:spcAft>
+                      </a:pPr>
+                      <a:r>
+                        <a:rPr lang="en-GB" sz="1400" dirty="0">
+                          <a:solidFill>
+                            <a:srgbClr val="000000"/>
+                          </a:solidFill>
+                          <a:effectLst/>
+                          <a:latin typeface="Arial" panose="020B0604020202020204" pitchFamily="34" charset="0"/>
+                          <a:ea typeface="Calibri" panose="020F0502020204030204" pitchFamily="34" charset="0"/>
+                          <a:cs typeface="Arial" panose="020B0604020202020204" pitchFamily="34" charset="0"/>
+                        </a:rPr>
+                        <a:t>0.00</a:t>
+                      </a:r>
+                      <a:endParaRPr lang="en-AU" sz="1600" dirty="0">
+                        <a:solidFill>
+                          <a:srgbClr val="000000"/>
+                        </a:solidFill>
+                        <a:effectLst/>
+                        <a:latin typeface="Arial" panose="020B0604020202020204" pitchFamily="34" charset="0"/>
+                        <a:ea typeface="Calibri" panose="020F0502020204030204" pitchFamily="34" charset="0"/>
+                        <a:cs typeface="Arial" panose="020B0604020202020204" pitchFamily="34" charset="0"/>
+                      </a:endParaRPr>
+                    </a:p>
+                  </a:txBody>
+                  <a:tcPr marL="68580" marR="68580" marT="0" marB="0">
+                    <a:lnL>
+                      <a:noFill/>
+                    </a:lnL>
+                    <a:lnR>
+                      <a:noFill/>
+                    </a:lnR>
+                    <a:lnT>
+                      <a:noFill/>
+                    </a:lnT>
+                    <a:lnB>
+                      <a:noFill/>
+                    </a:lnB>
+                  </a:tcPr>
+                </a:tc>
+                <a:tc>
+                  <a:txBody>
+                    <a:bodyPr/>
+                    <a:lstStyle/>
+                    <a:p>
+                      <a:pPr algn="ctr">
+                        <a:lnSpc>
+                          <a:spcPct val="115000"/>
+                        </a:lnSpc>
+                        <a:spcAft>
+                          <a:spcPts val="0"/>
+                        </a:spcAft>
+                      </a:pPr>
+                      <a:r>
+                        <a:rPr lang="en-GB" sz="1400" dirty="0">
+                          <a:solidFill>
+                            <a:srgbClr val="000000"/>
+                          </a:solidFill>
+                          <a:effectLst/>
+                          <a:latin typeface="Arial" panose="020B0604020202020204" pitchFamily="34" charset="0"/>
+                          <a:ea typeface="Calibri" panose="020F0502020204030204" pitchFamily="34" charset="0"/>
+                          <a:cs typeface="Arial" panose="020B0604020202020204" pitchFamily="34" charset="0"/>
+                        </a:rPr>
+                        <a:t>0.999</a:t>
+                      </a:r>
+                      <a:endParaRPr lang="en-AU" sz="1600" dirty="0">
+                        <a:solidFill>
+                          <a:srgbClr val="000000"/>
+                        </a:solidFill>
+                        <a:effectLst/>
+                        <a:latin typeface="Arial" panose="020B0604020202020204" pitchFamily="34" charset="0"/>
+                        <a:ea typeface="Calibri" panose="020F0502020204030204" pitchFamily="34" charset="0"/>
+                        <a:cs typeface="Arial" panose="020B0604020202020204" pitchFamily="34" charset="0"/>
+                      </a:endParaRPr>
+                    </a:p>
+                  </a:txBody>
+                  <a:tcPr marL="68580" marR="68580" marT="0" marB="0">
+                    <a:lnL>
+                      <a:noFill/>
+                    </a:lnL>
+                    <a:lnR>
+                      <a:noFill/>
+                    </a:lnR>
+                    <a:lnT>
+                      <a:noFill/>
+                    </a:lnT>
+                    <a:lnB>
+                      <a:noFill/>
+                    </a:lnB>
+                  </a:tcPr>
+                </a:tc>
+                <a:extLst>
+                  <a:ext uri="{0D108BD9-81ED-4DB2-BD59-A6C34878D82A}">
+                    <a16:rowId xmlns:a16="http://schemas.microsoft.com/office/drawing/2014/main" val="2236918629"/>
+                  </a:ext>
+                </a:extLst>
+              </a:tr>
+              <a:tr h="0">
+                <a:tc>
+                  <a:txBody>
+                    <a:bodyPr/>
+                    <a:lstStyle/>
+                    <a:p>
+                      <a:pPr>
+                        <a:lnSpc>
+                          <a:spcPct val="115000"/>
+                        </a:lnSpc>
+                        <a:spcAft>
+                          <a:spcPts val="0"/>
+                        </a:spcAft>
+                      </a:pPr>
+                      <a:r>
+                        <a:rPr lang="en-GB" sz="1400" dirty="0">
+                          <a:solidFill>
+                            <a:srgbClr val="000000"/>
+                          </a:solidFill>
+                          <a:effectLst/>
+                          <a:latin typeface="Arial" panose="020B0604020202020204" pitchFamily="34" charset="0"/>
+                          <a:ea typeface="Calibri" panose="020F0502020204030204" pitchFamily="34" charset="0"/>
+                          <a:cs typeface="Arial" panose="020B0604020202020204" pitchFamily="34" charset="0"/>
+                        </a:rPr>
+                        <a:t>Lateral KJCF peak (BW)</a:t>
+                      </a:r>
+                      <a:endParaRPr lang="en-AU" sz="1400" dirty="0">
+                        <a:solidFill>
+                          <a:srgbClr val="000000"/>
+                        </a:solidFill>
+                        <a:effectLst/>
+                        <a:latin typeface="Arial" panose="020B0604020202020204" pitchFamily="34" charset="0"/>
+                        <a:ea typeface="Calibri" panose="020F0502020204030204" pitchFamily="34" charset="0"/>
+                        <a:cs typeface="Arial" panose="020B0604020202020204" pitchFamily="34" charset="0"/>
+                      </a:endParaRPr>
+                    </a:p>
+                  </a:txBody>
+                  <a:tcPr marL="68580" marR="68580" marT="0" marB="0">
+                    <a:lnL>
+                      <a:noFill/>
+                    </a:lnL>
+                    <a:lnR>
+                      <a:noFill/>
+                    </a:lnR>
+                    <a:lnT>
+                      <a:noFill/>
+                    </a:lnT>
+                    <a:lnB>
+                      <a:noFill/>
+                    </a:lnB>
+                    <a:solidFill>
+                      <a:srgbClr val="00C0C4"/>
+                    </a:solidFill>
+                  </a:tcPr>
+                </a:tc>
+                <a:tc>
+                  <a:txBody>
+                    <a:bodyPr/>
+                    <a:lstStyle/>
+                    <a:p>
+                      <a:pPr>
+                        <a:lnSpc>
+                          <a:spcPct val="115000"/>
+                        </a:lnSpc>
+                        <a:spcAft>
+                          <a:spcPts val="0"/>
+                        </a:spcAft>
+                      </a:pPr>
+                      <a:r>
+                        <a:rPr lang="en-GB" sz="1400" dirty="0">
+                          <a:solidFill>
+                            <a:srgbClr val="000000"/>
+                          </a:solidFill>
+                          <a:effectLst/>
+                          <a:latin typeface="Arial" panose="020B0604020202020204" pitchFamily="34" charset="0"/>
+                          <a:ea typeface="Calibri" panose="020F0502020204030204" pitchFamily="34" charset="0"/>
+                          <a:cs typeface="Arial" panose="020B0604020202020204" pitchFamily="34" charset="0"/>
+                        </a:rPr>
+                        <a:t> </a:t>
+                      </a:r>
+                      <a:endParaRPr lang="en-AU" sz="1600" dirty="0">
+                        <a:solidFill>
+                          <a:srgbClr val="000000"/>
+                        </a:solidFill>
+                        <a:effectLst/>
+                        <a:latin typeface="Arial" panose="020B0604020202020204" pitchFamily="34" charset="0"/>
+                        <a:ea typeface="Calibri" panose="020F0502020204030204" pitchFamily="34" charset="0"/>
+                        <a:cs typeface="Arial" panose="020B0604020202020204" pitchFamily="34" charset="0"/>
+                      </a:endParaRPr>
+                    </a:p>
+                  </a:txBody>
+                  <a:tcPr marL="68580" marR="68580" marT="0" marB="0">
+                    <a:lnL>
+                      <a:noFill/>
+                    </a:lnL>
+                    <a:lnR>
+                      <a:noFill/>
+                    </a:lnR>
+                    <a:lnT>
+                      <a:noFill/>
+                    </a:lnT>
+                    <a:lnB>
+                      <a:noFill/>
+                    </a:lnB>
+                    <a:solidFill>
+                      <a:srgbClr val="00C0C4"/>
+                    </a:solidFill>
+                  </a:tcPr>
+                </a:tc>
+                <a:tc>
+                  <a:txBody>
+                    <a:bodyPr/>
+                    <a:lstStyle/>
+                    <a:p>
+                      <a:pPr algn="ctr">
+                        <a:lnSpc>
+                          <a:spcPct val="115000"/>
+                        </a:lnSpc>
+                        <a:spcAft>
+                          <a:spcPts val="0"/>
+                        </a:spcAft>
+                      </a:pPr>
+                      <a:r>
+                        <a:rPr lang="en-GB" sz="1400">
+                          <a:solidFill>
+                            <a:srgbClr val="000000"/>
+                          </a:solidFill>
+                          <a:effectLst/>
+                          <a:latin typeface="Arial" panose="020B0604020202020204" pitchFamily="34" charset="0"/>
+                          <a:ea typeface="Calibri" panose="020F0502020204030204" pitchFamily="34" charset="0"/>
+                          <a:cs typeface="Arial" panose="020B0604020202020204" pitchFamily="34" charset="0"/>
+                        </a:rPr>
+                        <a:t>2.22 ± 0.94</a:t>
+                      </a:r>
+                      <a:endParaRPr lang="en-AU" sz="1600">
+                        <a:solidFill>
+                          <a:srgbClr val="000000"/>
+                        </a:solidFill>
+                        <a:effectLst/>
+                        <a:latin typeface="Arial" panose="020B0604020202020204" pitchFamily="34" charset="0"/>
+                        <a:ea typeface="Calibri" panose="020F0502020204030204" pitchFamily="34" charset="0"/>
+                        <a:cs typeface="Arial" panose="020B0604020202020204" pitchFamily="34" charset="0"/>
+                      </a:endParaRPr>
+                    </a:p>
+                  </a:txBody>
+                  <a:tcPr marL="68580" marR="68580" marT="0" marB="0">
+                    <a:lnL>
+                      <a:noFill/>
+                    </a:lnL>
+                    <a:lnR>
+                      <a:noFill/>
+                    </a:lnR>
+                    <a:lnT>
+                      <a:noFill/>
+                    </a:lnT>
+                    <a:lnB>
+                      <a:noFill/>
+                    </a:lnB>
+                    <a:solidFill>
+                      <a:srgbClr val="00C0C4"/>
+                    </a:solidFill>
+                  </a:tcPr>
+                </a:tc>
+                <a:tc>
+                  <a:txBody>
+                    <a:bodyPr/>
+                    <a:lstStyle/>
+                    <a:p>
+                      <a:pPr algn="ctr">
+                        <a:lnSpc>
+                          <a:spcPct val="115000"/>
+                        </a:lnSpc>
+                        <a:spcAft>
+                          <a:spcPts val="0"/>
+                        </a:spcAft>
+                      </a:pPr>
+                      <a:r>
+                        <a:rPr lang="en-GB" sz="1400" dirty="0">
+                          <a:solidFill>
+                            <a:srgbClr val="000000"/>
+                          </a:solidFill>
+                          <a:effectLst/>
+                          <a:latin typeface="Arial" panose="020B0604020202020204" pitchFamily="34" charset="0"/>
+                          <a:ea typeface="Calibri" panose="020F0502020204030204" pitchFamily="34" charset="0"/>
+                          <a:cs typeface="Arial" panose="020B0604020202020204" pitchFamily="34" charset="0"/>
+                        </a:rPr>
+                        <a:t>2.68 ± 0.89*</a:t>
+                      </a:r>
+                      <a:endParaRPr lang="en-AU" sz="1600" dirty="0">
+                        <a:solidFill>
+                          <a:srgbClr val="000000"/>
+                        </a:solidFill>
+                        <a:effectLst/>
+                        <a:latin typeface="Arial" panose="020B0604020202020204" pitchFamily="34" charset="0"/>
+                        <a:ea typeface="Calibri" panose="020F0502020204030204" pitchFamily="34" charset="0"/>
+                        <a:cs typeface="Arial" panose="020B0604020202020204" pitchFamily="34" charset="0"/>
+                      </a:endParaRPr>
+                    </a:p>
+                  </a:txBody>
+                  <a:tcPr marL="68580" marR="68580" marT="0" marB="0">
+                    <a:lnL>
+                      <a:noFill/>
+                    </a:lnL>
+                    <a:lnR>
+                      <a:noFill/>
+                    </a:lnR>
+                    <a:lnT>
+                      <a:noFill/>
+                    </a:lnT>
+                    <a:lnB>
+                      <a:noFill/>
+                    </a:lnB>
+                    <a:solidFill>
+                      <a:srgbClr val="00C0C4"/>
+                    </a:solidFill>
+                  </a:tcPr>
+                </a:tc>
+                <a:tc>
+                  <a:txBody>
+                    <a:bodyPr/>
+                    <a:lstStyle/>
+                    <a:p>
+                      <a:pPr algn="ctr">
+                        <a:lnSpc>
+                          <a:spcPct val="115000"/>
+                        </a:lnSpc>
+                        <a:spcAft>
+                          <a:spcPts val="0"/>
+                        </a:spcAft>
+                      </a:pPr>
+                      <a:r>
+                        <a:rPr lang="en-GB" sz="1400" dirty="0">
+                          <a:solidFill>
+                            <a:srgbClr val="000000"/>
+                          </a:solidFill>
+                          <a:effectLst/>
+                          <a:latin typeface="Arial" panose="020B0604020202020204" pitchFamily="34" charset="0"/>
+                          <a:ea typeface="Calibri" panose="020F0502020204030204" pitchFamily="34" charset="0"/>
+                          <a:cs typeface="Arial" panose="020B0604020202020204" pitchFamily="34" charset="0"/>
+                        </a:rPr>
+                        <a:t>2.79 ± 0.71*</a:t>
+                      </a:r>
+                      <a:endParaRPr lang="en-AU" sz="1600" dirty="0">
+                        <a:solidFill>
+                          <a:srgbClr val="000000"/>
+                        </a:solidFill>
+                        <a:effectLst/>
+                        <a:latin typeface="Arial" panose="020B0604020202020204" pitchFamily="34" charset="0"/>
+                        <a:ea typeface="Calibri" panose="020F0502020204030204" pitchFamily="34" charset="0"/>
+                        <a:cs typeface="Arial" panose="020B0604020202020204" pitchFamily="34" charset="0"/>
+                      </a:endParaRPr>
+                    </a:p>
+                  </a:txBody>
+                  <a:tcPr marL="68580" marR="68580" marT="0" marB="0">
+                    <a:lnL>
+                      <a:noFill/>
+                    </a:lnL>
+                    <a:lnR>
+                      <a:noFill/>
+                    </a:lnR>
+                    <a:lnT>
+                      <a:noFill/>
+                    </a:lnT>
+                    <a:lnB>
+                      <a:noFill/>
+                    </a:lnB>
+                    <a:solidFill>
+                      <a:srgbClr val="00C0C4"/>
+                    </a:solidFill>
+                  </a:tcPr>
+                </a:tc>
+                <a:tc>
+                  <a:txBody>
+                    <a:bodyPr/>
+                    <a:lstStyle/>
+                    <a:p>
+                      <a:pPr algn="r">
+                        <a:lnSpc>
+                          <a:spcPct val="115000"/>
+                        </a:lnSpc>
+                        <a:spcAft>
+                          <a:spcPts val="0"/>
+                        </a:spcAft>
+                      </a:pPr>
+                      <a:r>
+                        <a:rPr lang="en-GB" sz="1400" dirty="0">
+                          <a:solidFill>
+                            <a:srgbClr val="000000"/>
+                          </a:solidFill>
+                          <a:effectLst/>
+                          <a:latin typeface="Arial" panose="020B0604020202020204" pitchFamily="34" charset="0"/>
+                          <a:ea typeface="Calibri" panose="020F0502020204030204" pitchFamily="34" charset="0"/>
+                          <a:cs typeface="Arial" panose="020B0604020202020204" pitchFamily="34" charset="0"/>
+                        </a:rPr>
+                        <a:t> </a:t>
+                      </a:r>
+                      <a:endParaRPr lang="en-AU" sz="1600" dirty="0">
+                        <a:solidFill>
+                          <a:srgbClr val="000000"/>
+                        </a:solidFill>
+                        <a:effectLst/>
+                        <a:latin typeface="Arial" panose="020B0604020202020204" pitchFamily="34" charset="0"/>
+                        <a:ea typeface="Calibri" panose="020F0502020204030204" pitchFamily="34" charset="0"/>
+                        <a:cs typeface="Arial" panose="020B0604020202020204" pitchFamily="34" charset="0"/>
+                      </a:endParaRPr>
+                    </a:p>
+                  </a:txBody>
+                  <a:tcPr marL="68580" marR="68580" marT="0" marB="0">
+                    <a:lnL>
+                      <a:noFill/>
+                    </a:lnL>
+                    <a:lnR>
+                      <a:noFill/>
+                    </a:lnR>
+                    <a:lnT>
+                      <a:noFill/>
+                    </a:lnT>
+                    <a:lnB>
+                      <a:noFill/>
+                    </a:lnB>
+                  </a:tcPr>
+                </a:tc>
+                <a:tc>
+                  <a:txBody>
+                    <a:bodyPr/>
+                    <a:lstStyle/>
+                    <a:p>
+                      <a:pPr algn="ctr">
+                        <a:lnSpc>
+                          <a:spcPct val="115000"/>
+                        </a:lnSpc>
+                        <a:spcAft>
+                          <a:spcPts val="0"/>
+                        </a:spcAft>
+                      </a:pPr>
+                      <a:r>
+                        <a:rPr lang="en-GB" sz="1400" dirty="0">
+                          <a:solidFill>
+                            <a:srgbClr val="000000"/>
+                          </a:solidFill>
+                          <a:effectLst/>
+                          <a:latin typeface="Arial" panose="020B0604020202020204" pitchFamily="34" charset="0"/>
+                          <a:ea typeface="Calibri" panose="020F0502020204030204" pitchFamily="34" charset="0"/>
+                          <a:cs typeface="Arial" panose="020B0604020202020204" pitchFamily="34" charset="0"/>
+                        </a:rPr>
+                        <a:t>4.89</a:t>
+                      </a:r>
+                      <a:endParaRPr lang="en-AU" sz="1600" dirty="0">
+                        <a:solidFill>
+                          <a:srgbClr val="000000"/>
+                        </a:solidFill>
+                        <a:effectLst/>
+                        <a:latin typeface="Arial" panose="020B0604020202020204" pitchFamily="34" charset="0"/>
+                        <a:ea typeface="Calibri" panose="020F0502020204030204" pitchFamily="34" charset="0"/>
+                        <a:cs typeface="Arial" panose="020B0604020202020204" pitchFamily="34" charset="0"/>
+                      </a:endParaRPr>
+                    </a:p>
+                  </a:txBody>
+                  <a:tcPr marL="68580" marR="68580" marT="0" marB="0">
+                    <a:lnL>
+                      <a:noFill/>
+                    </a:lnL>
+                    <a:lnR>
+                      <a:noFill/>
+                    </a:lnR>
+                    <a:lnT>
+                      <a:noFill/>
+                    </a:lnT>
+                    <a:lnB>
+                      <a:noFill/>
+                    </a:lnB>
+                  </a:tcPr>
+                </a:tc>
+                <a:tc>
+                  <a:txBody>
+                    <a:bodyPr/>
+                    <a:lstStyle/>
+                    <a:p>
+                      <a:pPr algn="ctr">
+                        <a:lnSpc>
+                          <a:spcPct val="115000"/>
+                        </a:lnSpc>
+                        <a:spcAft>
+                          <a:spcPts val="0"/>
+                        </a:spcAft>
+                      </a:pPr>
+                      <a:r>
+                        <a:rPr lang="en-GB" sz="1400" dirty="0">
+                          <a:solidFill>
+                            <a:srgbClr val="000000"/>
+                          </a:solidFill>
+                          <a:effectLst/>
+                          <a:latin typeface="Arial" panose="020B0604020202020204" pitchFamily="34" charset="0"/>
+                          <a:ea typeface="Calibri" panose="020F0502020204030204" pitchFamily="34" charset="0"/>
+                          <a:cs typeface="Arial" panose="020B0604020202020204" pitchFamily="34" charset="0"/>
+                        </a:rPr>
+                        <a:t>0.009</a:t>
+                      </a:r>
+                      <a:endParaRPr lang="en-AU" sz="1600" dirty="0">
+                        <a:solidFill>
+                          <a:srgbClr val="000000"/>
+                        </a:solidFill>
+                        <a:effectLst/>
+                        <a:latin typeface="Arial" panose="020B0604020202020204" pitchFamily="34" charset="0"/>
+                        <a:ea typeface="Calibri" panose="020F0502020204030204" pitchFamily="34" charset="0"/>
+                        <a:cs typeface="Arial" panose="020B0604020202020204" pitchFamily="34" charset="0"/>
+                      </a:endParaRPr>
+                    </a:p>
+                  </a:txBody>
+                  <a:tcPr marL="68580" marR="68580" marT="0" marB="0">
+                    <a:lnL>
+                      <a:noFill/>
+                    </a:lnL>
+                    <a:lnR>
+                      <a:noFill/>
+                    </a:lnR>
+                    <a:lnT>
+                      <a:noFill/>
+                    </a:lnT>
+                    <a:lnB>
+                      <a:noFill/>
+                    </a:lnB>
+                  </a:tcPr>
+                </a:tc>
+                <a:extLst>
+                  <a:ext uri="{0D108BD9-81ED-4DB2-BD59-A6C34878D82A}">
+                    <a16:rowId xmlns:a16="http://schemas.microsoft.com/office/drawing/2014/main" val="719579724"/>
+                  </a:ext>
+                </a:extLst>
+              </a:tr>
+              <a:tr h="0">
+                <a:tc>
+                  <a:txBody>
+                    <a:bodyPr/>
+                    <a:lstStyle/>
+                    <a:p>
+                      <a:pPr>
+                        <a:lnSpc>
+                          <a:spcPct val="115000"/>
+                        </a:lnSpc>
+                        <a:spcAft>
+                          <a:spcPts val="0"/>
+                        </a:spcAft>
+                      </a:pPr>
+                      <a:r>
+                        <a:rPr lang="en-GB" sz="1400" dirty="0">
+                          <a:solidFill>
+                            <a:srgbClr val="000000"/>
+                          </a:solidFill>
+                          <a:effectLst/>
+                          <a:latin typeface="Arial" panose="020B0604020202020204" pitchFamily="34" charset="0"/>
+                          <a:ea typeface="Calibri" panose="020F0502020204030204" pitchFamily="34" charset="0"/>
+                          <a:cs typeface="Arial" panose="020B0604020202020204" pitchFamily="34" charset="0"/>
+                        </a:rPr>
+                        <a:t>Total KJCF first peak (BW)</a:t>
+                      </a:r>
+                      <a:endParaRPr lang="en-AU" sz="1400" dirty="0">
+                        <a:solidFill>
+                          <a:srgbClr val="000000"/>
+                        </a:solidFill>
+                        <a:effectLst/>
+                        <a:latin typeface="Arial" panose="020B0604020202020204" pitchFamily="34" charset="0"/>
+                        <a:ea typeface="Calibri" panose="020F0502020204030204" pitchFamily="34" charset="0"/>
+                        <a:cs typeface="Arial" panose="020B0604020202020204" pitchFamily="34" charset="0"/>
+                      </a:endParaRPr>
+                    </a:p>
+                  </a:txBody>
+                  <a:tcPr marL="68580" marR="68580" marT="0" marB="0">
+                    <a:lnL>
+                      <a:noFill/>
+                    </a:lnL>
+                    <a:lnR>
+                      <a:noFill/>
+                    </a:lnR>
+                    <a:lnT>
+                      <a:noFill/>
+                    </a:lnT>
+                    <a:lnB>
+                      <a:noFill/>
+                    </a:lnB>
+                  </a:tcPr>
+                </a:tc>
+                <a:tc>
+                  <a:txBody>
+                    <a:bodyPr/>
+                    <a:lstStyle/>
+                    <a:p>
+                      <a:pPr>
+                        <a:lnSpc>
+                          <a:spcPct val="115000"/>
+                        </a:lnSpc>
+                        <a:spcAft>
+                          <a:spcPts val="0"/>
+                        </a:spcAft>
+                      </a:pPr>
+                      <a:r>
+                        <a:rPr lang="en-GB" sz="1400" dirty="0">
+                          <a:solidFill>
+                            <a:srgbClr val="000000"/>
+                          </a:solidFill>
+                          <a:effectLst/>
+                          <a:latin typeface="Arial" panose="020B0604020202020204" pitchFamily="34" charset="0"/>
+                          <a:ea typeface="Calibri" panose="020F0502020204030204" pitchFamily="34" charset="0"/>
+                          <a:cs typeface="Arial" panose="020B0604020202020204" pitchFamily="34" charset="0"/>
+                        </a:rPr>
+                        <a:t> </a:t>
+                      </a:r>
+                      <a:endParaRPr lang="en-AU" sz="1600" dirty="0">
+                        <a:solidFill>
+                          <a:srgbClr val="000000"/>
+                        </a:solidFill>
+                        <a:effectLst/>
+                        <a:latin typeface="Arial" panose="020B0604020202020204" pitchFamily="34" charset="0"/>
+                        <a:ea typeface="Calibri" panose="020F0502020204030204" pitchFamily="34" charset="0"/>
+                        <a:cs typeface="Arial" panose="020B0604020202020204" pitchFamily="34" charset="0"/>
+                      </a:endParaRPr>
+                    </a:p>
+                  </a:txBody>
+                  <a:tcPr marL="68580" marR="68580" marT="0" marB="0">
+                    <a:lnL>
+                      <a:noFill/>
+                    </a:lnL>
+                    <a:lnR>
+                      <a:noFill/>
+                    </a:lnR>
+                    <a:lnT>
+                      <a:noFill/>
+                    </a:lnT>
+                    <a:lnB>
+                      <a:noFill/>
+                    </a:lnB>
+                  </a:tcPr>
+                </a:tc>
+                <a:tc>
+                  <a:txBody>
+                    <a:bodyPr/>
+                    <a:lstStyle/>
+                    <a:p>
+                      <a:pPr algn="ctr">
+                        <a:lnSpc>
+                          <a:spcPct val="115000"/>
+                        </a:lnSpc>
+                        <a:spcAft>
+                          <a:spcPts val="0"/>
+                        </a:spcAft>
+                      </a:pPr>
+                      <a:r>
+                        <a:rPr lang="en-GB" sz="1400">
+                          <a:solidFill>
+                            <a:srgbClr val="000000"/>
+                          </a:solidFill>
+                          <a:effectLst/>
+                          <a:latin typeface="Arial" panose="020B0604020202020204" pitchFamily="34" charset="0"/>
+                          <a:ea typeface="Calibri" panose="020F0502020204030204" pitchFamily="34" charset="0"/>
+                          <a:cs typeface="Arial" panose="020B0604020202020204" pitchFamily="34" charset="0"/>
+                        </a:rPr>
+                        <a:t>3.83 ± 1.02</a:t>
+                      </a:r>
+                      <a:endParaRPr lang="en-AU" sz="1600">
+                        <a:solidFill>
+                          <a:srgbClr val="000000"/>
+                        </a:solidFill>
+                        <a:effectLst/>
+                        <a:latin typeface="Arial" panose="020B0604020202020204" pitchFamily="34" charset="0"/>
+                        <a:ea typeface="Calibri" panose="020F0502020204030204" pitchFamily="34" charset="0"/>
+                        <a:cs typeface="Arial" panose="020B0604020202020204" pitchFamily="34" charset="0"/>
+                      </a:endParaRPr>
+                    </a:p>
+                  </a:txBody>
+                  <a:tcPr marL="68580" marR="68580" marT="0" marB="0">
+                    <a:lnL>
+                      <a:noFill/>
+                    </a:lnL>
+                    <a:lnR>
+                      <a:noFill/>
+                    </a:lnR>
+                    <a:lnT>
+                      <a:noFill/>
+                    </a:lnT>
+                    <a:lnB>
+                      <a:noFill/>
+                    </a:lnB>
+                  </a:tcPr>
+                </a:tc>
+                <a:tc>
+                  <a:txBody>
+                    <a:bodyPr/>
+                    <a:lstStyle/>
+                    <a:p>
+                      <a:pPr algn="ctr">
+                        <a:lnSpc>
+                          <a:spcPct val="115000"/>
+                        </a:lnSpc>
+                        <a:spcAft>
+                          <a:spcPts val="0"/>
+                        </a:spcAft>
+                      </a:pPr>
+                      <a:r>
+                        <a:rPr lang="en-GB" sz="1400" dirty="0">
+                          <a:solidFill>
+                            <a:srgbClr val="000000"/>
+                          </a:solidFill>
+                          <a:effectLst/>
+                          <a:latin typeface="Arial" panose="020B0604020202020204" pitchFamily="34" charset="0"/>
+                          <a:ea typeface="Calibri" panose="020F0502020204030204" pitchFamily="34" charset="0"/>
+                          <a:cs typeface="Arial" panose="020B0604020202020204" pitchFamily="34" charset="0"/>
+                        </a:rPr>
+                        <a:t>4.00 ± 1.13</a:t>
+                      </a:r>
+                      <a:endParaRPr lang="en-AU" sz="1600" dirty="0">
+                        <a:solidFill>
+                          <a:srgbClr val="000000"/>
+                        </a:solidFill>
+                        <a:effectLst/>
+                        <a:latin typeface="Arial" panose="020B0604020202020204" pitchFamily="34" charset="0"/>
+                        <a:ea typeface="Calibri" panose="020F0502020204030204" pitchFamily="34" charset="0"/>
+                        <a:cs typeface="Arial" panose="020B0604020202020204" pitchFamily="34" charset="0"/>
+                      </a:endParaRPr>
+                    </a:p>
+                  </a:txBody>
+                  <a:tcPr marL="68580" marR="68580" marT="0" marB="0">
+                    <a:lnL>
+                      <a:noFill/>
+                    </a:lnL>
+                    <a:lnR>
+                      <a:noFill/>
+                    </a:lnR>
+                    <a:lnT>
+                      <a:noFill/>
+                    </a:lnT>
+                    <a:lnB>
+                      <a:noFill/>
+                    </a:lnB>
+                  </a:tcPr>
+                </a:tc>
+                <a:tc>
+                  <a:txBody>
+                    <a:bodyPr/>
+                    <a:lstStyle/>
+                    <a:p>
+                      <a:pPr algn="ctr">
+                        <a:lnSpc>
+                          <a:spcPct val="115000"/>
+                        </a:lnSpc>
+                        <a:spcAft>
+                          <a:spcPts val="0"/>
+                        </a:spcAft>
+                      </a:pPr>
+                      <a:r>
+                        <a:rPr lang="en-GB" sz="1400" dirty="0">
+                          <a:solidFill>
+                            <a:srgbClr val="000000"/>
+                          </a:solidFill>
+                          <a:effectLst/>
+                          <a:latin typeface="Arial" panose="020B0604020202020204" pitchFamily="34" charset="0"/>
+                          <a:ea typeface="Calibri" panose="020F0502020204030204" pitchFamily="34" charset="0"/>
+                          <a:cs typeface="Arial" panose="020B0604020202020204" pitchFamily="34" charset="0"/>
+                        </a:rPr>
+                        <a:t>4.30 ± 1.03</a:t>
+                      </a:r>
+                      <a:endParaRPr lang="en-AU" sz="1600" dirty="0">
+                        <a:solidFill>
+                          <a:srgbClr val="000000"/>
+                        </a:solidFill>
+                        <a:effectLst/>
+                        <a:latin typeface="Arial" panose="020B0604020202020204" pitchFamily="34" charset="0"/>
+                        <a:ea typeface="Calibri" panose="020F0502020204030204" pitchFamily="34" charset="0"/>
+                        <a:cs typeface="Arial" panose="020B0604020202020204" pitchFamily="34" charset="0"/>
+                      </a:endParaRPr>
+                    </a:p>
+                  </a:txBody>
+                  <a:tcPr marL="68580" marR="68580" marT="0" marB="0">
+                    <a:lnL>
+                      <a:noFill/>
+                    </a:lnL>
+                    <a:lnR>
+                      <a:noFill/>
+                    </a:lnR>
+                    <a:lnT>
+                      <a:noFill/>
+                    </a:lnT>
+                    <a:lnB>
+                      <a:noFill/>
+                    </a:lnB>
+                  </a:tcPr>
+                </a:tc>
+                <a:tc>
+                  <a:txBody>
+                    <a:bodyPr/>
+                    <a:lstStyle/>
+                    <a:p>
+                      <a:pPr algn="r">
+                        <a:lnSpc>
+                          <a:spcPct val="115000"/>
+                        </a:lnSpc>
+                        <a:spcAft>
+                          <a:spcPts val="0"/>
+                        </a:spcAft>
+                      </a:pPr>
+                      <a:r>
+                        <a:rPr lang="en-GB" sz="1400" dirty="0">
+                          <a:solidFill>
+                            <a:srgbClr val="000000"/>
+                          </a:solidFill>
+                          <a:effectLst/>
+                          <a:latin typeface="Arial" panose="020B0604020202020204" pitchFamily="34" charset="0"/>
+                          <a:ea typeface="Calibri" panose="020F0502020204030204" pitchFamily="34" charset="0"/>
+                          <a:cs typeface="Arial" panose="020B0604020202020204" pitchFamily="34" charset="0"/>
+                        </a:rPr>
+                        <a:t> </a:t>
+                      </a:r>
+                      <a:endParaRPr lang="en-AU" sz="1600" dirty="0">
+                        <a:solidFill>
+                          <a:srgbClr val="000000"/>
+                        </a:solidFill>
+                        <a:effectLst/>
+                        <a:latin typeface="Arial" panose="020B0604020202020204" pitchFamily="34" charset="0"/>
+                        <a:ea typeface="Calibri" panose="020F0502020204030204" pitchFamily="34" charset="0"/>
+                        <a:cs typeface="Arial" panose="020B0604020202020204" pitchFamily="34" charset="0"/>
+                      </a:endParaRPr>
+                    </a:p>
+                  </a:txBody>
+                  <a:tcPr marL="68580" marR="68580" marT="0" marB="0">
+                    <a:lnL>
+                      <a:noFill/>
+                    </a:lnL>
+                    <a:lnR>
+                      <a:noFill/>
+                    </a:lnR>
+                    <a:lnT>
+                      <a:noFill/>
+                    </a:lnT>
+                    <a:lnB>
+                      <a:noFill/>
+                    </a:lnB>
+                  </a:tcPr>
+                </a:tc>
+                <a:tc>
+                  <a:txBody>
+                    <a:bodyPr/>
+                    <a:lstStyle/>
+                    <a:p>
+                      <a:pPr algn="ctr">
+                        <a:lnSpc>
+                          <a:spcPct val="115000"/>
+                        </a:lnSpc>
+                        <a:spcAft>
+                          <a:spcPts val="0"/>
+                        </a:spcAft>
+                      </a:pPr>
+                      <a:r>
+                        <a:rPr lang="en-GB" sz="1400" dirty="0">
+                          <a:solidFill>
+                            <a:srgbClr val="000000"/>
+                          </a:solidFill>
+                          <a:effectLst/>
+                          <a:latin typeface="Arial" panose="020B0604020202020204" pitchFamily="34" charset="0"/>
+                          <a:ea typeface="Calibri" panose="020F0502020204030204" pitchFamily="34" charset="0"/>
+                          <a:cs typeface="Arial" panose="020B0604020202020204" pitchFamily="34" charset="0"/>
+                        </a:rPr>
+                        <a:t>2.10</a:t>
+                      </a:r>
+                      <a:endParaRPr lang="en-AU" sz="1600" dirty="0">
+                        <a:solidFill>
+                          <a:srgbClr val="000000"/>
+                        </a:solidFill>
+                        <a:effectLst/>
+                        <a:latin typeface="Arial" panose="020B0604020202020204" pitchFamily="34" charset="0"/>
+                        <a:ea typeface="Calibri" panose="020F0502020204030204" pitchFamily="34" charset="0"/>
+                        <a:cs typeface="Arial" panose="020B0604020202020204" pitchFamily="34" charset="0"/>
+                      </a:endParaRPr>
+                    </a:p>
+                  </a:txBody>
+                  <a:tcPr marL="68580" marR="68580" marT="0" marB="0">
+                    <a:lnL>
+                      <a:noFill/>
+                    </a:lnL>
+                    <a:lnR>
+                      <a:noFill/>
+                    </a:lnR>
+                    <a:lnT>
+                      <a:noFill/>
+                    </a:lnT>
+                    <a:lnB>
+                      <a:noFill/>
+                    </a:lnB>
+                  </a:tcPr>
+                </a:tc>
+                <a:tc>
+                  <a:txBody>
+                    <a:bodyPr/>
+                    <a:lstStyle/>
+                    <a:p>
+                      <a:pPr algn="ctr">
+                        <a:lnSpc>
+                          <a:spcPct val="115000"/>
+                        </a:lnSpc>
+                        <a:spcAft>
+                          <a:spcPts val="0"/>
+                        </a:spcAft>
+                      </a:pPr>
+                      <a:r>
+                        <a:rPr lang="en-GB" sz="1400" dirty="0">
+                          <a:solidFill>
+                            <a:srgbClr val="000000"/>
+                          </a:solidFill>
+                          <a:effectLst/>
+                          <a:latin typeface="Arial" panose="020B0604020202020204" pitchFamily="34" charset="0"/>
+                          <a:ea typeface="Calibri" panose="020F0502020204030204" pitchFamily="34" charset="0"/>
+                          <a:cs typeface="Arial" panose="020B0604020202020204" pitchFamily="34" charset="0"/>
+                        </a:rPr>
+                        <a:t>0.127</a:t>
+                      </a:r>
+                      <a:endParaRPr lang="en-AU" sz="1600" dirty="0">
+                        <a:solidFill>
+                          <a:srgbClr val="000000"/>
+                        </a:solidFill>
+                        <a:effectLst/>
+                        <a:latin typeface="Arial" panose="020B0604020202020204" pitchFamily="34" charset="0"/>
+                        <a:ea typeface="Calibri" panose="020F0502020204030204" pitchFamily="34" charset="0"/>
+                        <a:cs typeface="Arial" panose="020B0604020202020204" pitchFamily="34" charset="0"/>
+                      </a:endParaRPr>
+                    </a:p>
+                  </a:txBody>
+                  <a:tcPr marL="68580" marR="68580" marT="0" marB="0">
+                    <a:lnL>
+                      <a:noFill/>
+                    </a:lnL>
+                    <a:lnR>
+                      <a:noFill/>
+                    </a:lnR>
+                    <a:lnT>
+                      <a:noFill/>
+                    </a:lnT>
+                    <a:lnB>
+                      <a:noFill/>
+                    </a:lnB>
+                  </a:tcPr>
+                </a:tc>
+                <a:extLst>
+                  <a:ext uri="{0D108BD9-81ED-4DB2-BD59-A6C34878D82A}">
+                    <a16:rowId xmlns:a16="http://schemas.microsoft.com/office/drawing/2014/main" val="6274876"/>
+                  </a:ext>
+                </a:extLst>
+              </a:tr>
+              <a:tr h="0">
+                <a:tc>
+                  <a:txBody>
+                    <a:bodyPr/>
+                    <a:lstStyle/>
+                    <a:p>
+                      <a:pPr>
+                        <a:lnSpc>
+                          <a:spcPct val="115000"/>
+                        </a:lnSpc>
+                        <a:spcAft>
+                          <a:spcPts val="0"/>
+                        </a:spcAft>
+                      </a:pPr>
+                      <a:r>
+                        <a:rPr lang="en-GB" sz="1400" dirty="0">
+                          <a:solidFill>
+                            <a:srgbClr val="000000"/>
+                          </a:solidFill>
+                          <a:effectLst/>
+                          <a:latin typeface="Arial" panose="020B0604020202020204" pitchFamily="34" charset="0"/>
+                          <a:ea typeface="Calibri" panose="020F0502020204030204" pitchFamily="34" charset="0"/>
+                          <a:cs typeface="Arial" panose="020B0604020202020204" pitchFamily="34" charset="0"/>
+                        </a:rPr>
+                        <a:t>Total KJCF second peak (BW)</a:t>
+                      </a:r>
+                      <a:endParaRPr lang="en-AU" sz="1400" dirty="0">
+                        <a:solidFill>
+                          <a:srgbClr val="000000"/>
+                        </a:solidFill>
+                        <a:effectLst/>
+                        <a:latin typeface="Arial" panose="020B0604020202020204" pitchFamily="34" charset="0"/>
+                        <a:ea typeface="Calibri" panose="020F0502020204030204" pitchFamily="34" charset="0"/>
+                        <a:cs typeface="Arial" panose="020B0604020202020204" pitchFamily="34" charset="0"/>
+                      </a:endParaRPr>
+                    </a:p>
+                  </a:txBody>
+                  <a:tcPr marL="68580" marR="68580" marT="0" marB="0">
+                    <a:lnL>
+                      <a:noFill/>
+                    </a:lnL>
+                    <a:lnR>
+                      <a:noFill/>
+                    </a:lnR>
+                    <a:lnT>
+                      <a:noFill/>
+                    </a:lnT>
+                    <a:lnB w="12700" cap="flat" cmpd="sng" algn="ctr">
+                      <a:solidFill>
+                        <a:srgbClr val="000000"/>
+                      </a:solidFill>
+                      <a:prstDash val="solid"/>
+                      <a:round/>
+                      <a:headEnd type="none" w="med" len="med"/>
+                      <a:tailEnd type="none" w="med" len="med"/>
+                    </a:lnB>
+                    <a:solidFill>
+                      <a:srgbClr val="00C0C4"/>
+                    </a:solidFill>
+                  </a:tcPr>
+                </a:tc>
+                <a:tc>
+                  <a:txBody>
+                    <a:bodyPr/>
+                    <a:lstStyle/>
+                    <a:p>
+                      <a:pPr>
+                        <a:lnSpc>
+                          <a:spcPct val="115000"/>
+                        </a:lnSpc>
+                        <a:spcAft>
+                          <a:spcPts val="0"/>
+                        </a:spcAft>
+                      </a:pPr>
+                      <a:r>
+                        <a:rPr lang="en-GB" sz="1400" dirty="0">
+                          <a:solidFill>
+                            <a:srgbClr val="000000"/>
+                          </a:solidFill>
+                          <a:effectLst/>
+                          <a:latin typeface="Arial" panose="020B0604020202020204" pitchFamily="34" charset="0"/>
+                          <a:ea typeface="Calibri" panose="020F0502020204030204" pitchFamily="34" charset="0"/>
+                          <a:cs typeface="Arial" panose="020B0604020202020204" pitchFamily="34" charset="0"/>
+                        </a:rPr>
+                        <a:t> </a:t>
+                      </a:r>
+                      <a:endParaRPr lang="en-AU" sz="1600" dirty="0">
+                        <a:solidFill>
+                          <a:srgbClr val="000000"/>
+                        </a:solidFill>
+                        <a:effectLst/>
+                        <a:latin typeface="Arial" panose="020B0604020202020204" pitchFamily="34" charset="0"/>
+                        <a:ea typeface="Calibri" panose="020F0502020204030204" pitchFamily="34" charset="0"/>
+                        <a:cs typeface="Arial" panose="020B0604020202020204" pitchFamily="34" charset="0"/>
+                      </a:endParaRPr>
+                    </a:p>
+                  </a:txBody>
+                  <a:tcPr marL="68580" marR="68580" marT="0" marB="0">
+                    <a:lnL>
+                      <a:noFill/>
+                    </a:lnL>
+                    <a:lnR>
+                      <a:noFill/>
+                    </a:lnR>
+                    <a:lnT>
+                      <a:noFill/>
+                    </a:lnT>
+                    <a:lnB w="12700" cap="flat" cmpd="sng" algn="ctr">
+                      <a:solidFill>
+                        <a:srgbClr val="000000"/>
+                      </a:solidFill>
+                      <a:prstDash val="solid"/>
+                      <a:round/>
+                      <a:headEnd type="none" w="med" len="med"/>
+                      <a:tailEnd type="none" w="med" len="med"/>
+                    </a:lnB>
+                    <a:solidFill>
+                      <a:srgbClr val="00C0C4"/>
+                    </a:solidFill>
+                  </a:tcPr>
+                </a:tc>
+                <a:tc>
+                  <a:txBody>
+                    <a:bodyPr/>
+                    <a:lstStyle/>
+                    <a:p>
+                      <a:pPr algn="ctr">
+                        <a:lnSpc>
+                          <a:spcPct val="115000"/>
+                        </a:lnSpc>
+                        <a:spcAft>
+                          <a:spcPts val="0"/>
+                        </a:spcAft>
+                      </a:pPr>
+                      <a:r>
+                        <a:rPr lang="en-GB" sz="1400">
+                          <a:solidFill>
+                            <a:srgbClr val="000000"/>
+                          </a:solidFill>
+                          <a:effectLst/>
+                          <a:latin typeface="Arial" panose="020B0604020202020204" pitchFamily="34" charset="0"/>
+                          <a:ea typeface="Calibri" panose="020F0502020204030204" pitchFamily="34" charset="0"/>
+                          <a:cs typeface="Arial" panose="020B0604020202020204" pitchFamily="34" charset="0"/>
+                        </a:rPr>
+                        <a:t>4.10 ± 1.45</a:t>
+                      </a:r>
+                      <a:endParaRPr lang="en-AU" sz="1600">
+                        <a:solidFill>
+                          <a:srgbClr val="000000"/>
+                        </a:solidFill>
+                        <a:effectLst/>
+                        <a:latin typeface="Arial" panose="020B0604020202020204" pitchFamily="34" charset="0"/>
+                        <a:ea typeface="Calibri" panose="020F0502020204030204" pitchFamily="34" charset="0"/>
+                        <a:cs typeface="Arial" panose="020B0604020202020204" pitchFamily="34" charset="0"/>
+                      </a:endParaRPr>
+                    </a:p>
+                  </a:txBody>
+                  <a:tcPr marL="68580" marR="68580" marT="0" marB="0">
+                    <a:lnL>
+                      <a:noFill/>
+                    </a:lnL>
+                    <a:lnR>
+                      <a:noFill/>
+                    </a:lnR>
+                    <a:lnT>
+                      <a:noFill/>
+                    </a:lnT>
+                    <a:lnB w="12700" cap="flat" cmpd="sng" algn="ctr">
+                      <a:solidFill>
+                        <a:srgbClr val="000000"/>
+                      </a:solidFill>
+                      <a:prstDash val="solid"/>
+                      <a:round/>
+                      <a:headEnd type="none" w="med" len="med"/>
+                      <a:tailEnd type="none" w="med" len="med"/>
+                    </a:lnB>
+                    <a:solidFill>
+                      <a:srgbClr val="00C0C4"/>
+                    </a:solidFill>
+                  </a:tcPr>
+                </a:tc>
+                <a:tc>
+                  <a:txBody>
+                    <a:bodyPr/>
+                    <a:lstStyle/>
+                    <a:p>
+                      <a:pPr algn="ctr">
+                        <a:lnSpc>
+                          <a:spcPct val="115000"/>
+                        </a:lnSpc>
+                        <a:spcAft>
+                          <a:spcPts val="0"/>
+                        </a:spcAft>
+                      </a:pPr>
+                      <a:r>
+                        <a:rPr lang="en-GB" sz="1400" dirty="0">
+                          <a:solidFill>
+                            <a:srgbClr val="000000"/>
+                          </a:solidFill>
+                          <a:effectLst/>
+                          <a:latin typeface="Arial" panose="020B0604020202020204" pitchFamily="34" charset="0"/>
+                          <a:ea typeface="Calibri" panose="020F0502020204030204" pitchFamily="34" charset="0"/>
+                          <a:cs typeface="Arial" panose="020B0604020202020204" pitchFamily="34" charset="0"/>
+                        </a:rPr>
+                        <a:t>4.66 ± 1.33*</a:t>
+                      </a:r>
+                      <a:endParaRPr lang="en-AU" sz="1600" dirty="0">
+                        <a:solidFill>
+                          <a:srgbClr val="000000"/>
+                        </a:solidFill>
+                        <a:effectLst/>
+                        <a:latin typeface="Arial" panose="020B0604020202020204" pitchFamily="34" charset="0"/>
+                        <a:ea typeface="Calibri" panose="020F0502020204030204" pitchFamily="34" charset="0"/>
+                        <a:cs typeface="Arial" panose="020B0604020202020204" pitchFamily="34" charset="0"/>
+                      </a:endParaRPr>
+                    </a:p>
+                  </a:txBody>
+                  <a:tcPr marL="68580" marR="68580" marT="0" marB="0">
+                    <a:lnL>
+                      <a:noFill/>
+                    </a:lnL>
+                    <a:lnR>
+                      <a:noFill/>
+                    </a:lnR>
+                    <a:lnT>
+                      <a:noFill/>
+                    </a:lnT>
+                    <a:lnB w="12700" cap="flat" cmpd="sng" algn="ctr">
+                      <a:solidFill>
+                        <a:srgbClr val="000000"/>
+                      </a:solidFill>
+                      <a:prstDash val="solid"/>
+                      <a:round/>
+                      <a:headEnd type="none" w="med" len="med"/>
+                      <a:tailEnd type="none" w="med" len="med"/>
+                    </a:lnB>
+                    <a:solidFill>
+                      <a:srgbClr val="00C0C4"/>
+                    </a:solidFill>
+                  </a:tcPr>
+                </a:tc>
+                <a:tc>
+                  <a:txBody>
+                    <a:bodyPr/>
+                    <a:lstStyle/>
+                    <a:p>
+                      <a:pPr algn="ctr">
+                        <a:lnSpc>
+                          <a:spcPct val="115000"/>
+                        </a:lnSpc>
+                        <a:spcAft>
+                          <a:spcPts val="0"/>
+                        </a:spcAft>
+                      </a:pPr>
+                      <a:r>
+                        <a:rPr lang="en-GB" sz="1400" dirty="0">
+                          <a:solidFill>
+                            <a:srgbClr val="000000"/>
+                          </a:solidFill>
+                          <a:effectLst/>
+                          <a:latin typeface="Arial" panose="020B0604020202020204" pitchFamily="34" charset="0"/>
+                          <a:ea typeface="Calibri" panose="020F0502020204030204" pitchFamily="34" charset="0"/>
+                          <a:cs typeface="Arial" panose="020B0604020202020204" pitchFamily="34" charset="0"/>
+                        </a:rPr>
+                        <a:t>5.26 ± 1.42*^</a:t>
+                      </a:r>
+                      <a:endParaRPr lang="en-AU" sz="1600" dirty="0">
+                        <a:solidFill>
+                          <a:srgbClr val="000000"/>
+                        </a:solidFill>
+                        <a:effectLst/>
+                        <a:latin typeface="Arial" panose="020B0604020202020204" pitchFamily="34" charset="0"/>
+                        <a:ea typeface="Calibri" panose="020F0502020204030204" pitchFamily="34" charset="0"/>
+                        <a:cs typeface="Arial" panose="020B0604020202020204" pitchFamily="34" charset="0"/>
+                      </a:endParaRPr>
+                    </a:p>
+                  </a:txBody>
+                  <a:tcPr marL="68580" marR="68580" marT="0" marB="0">
+                    <a:lnL>
+                      <a:noFill/>
+                    </a:lnL>
+                    <a:lnR>
+                      <a:noFill/>
+                    </a:lnR>
+                    <a:lnT>
+                      <a:noFill/>
+                    </a:lnT>
+                    <a:lnB w="12700" cap="flat" cmpd="sng" algn="ctr">
+                      <a:solidFill>
+                        <a:srgbClr val="000000"/>
+                      </a:solidFill>
+                      <a:prstDash val="solid"/>
+                      <a:round/>
+                      <a:headEnd type="none" w="med" len="med"/>
+                      <a:tailEnd type="none" w="med" len="med"/>
+                    </a:lnB>
+                    <a:solidFill>
+                      <a:srgbClr val="00C0C4"/>
+                    </a:solidFill>
+                  </a:tcPr>
+                </a:tc>
+                <a:tc>
+                  <a:txBody>
+                    <a:bodyPr/>
+                    <a:lstStyle/>
+                    <a:p>
+                      <a:pPr algn="r">
+                        <a:lnSpc>
+                          <a:spcPct val="115000"/>
+                        </a:lnSpc>
+                        <a:spcAft>
+                          <a:spcPts val="0"/>
+                        </a:spcAft>
+                      </a:pPr>
+                      <a:r>
+                        <a:rPr lang="en-GB" sz="1400" dirty="0">
+                          <a:solidFill>
+                            <a:srgbClr val="000000"/>
+                          </a:solidFill>
+                          <a:effectLst/>
+                          <a:latin typeface="Arial" panose="020B0604020202020204" pitchFamily="34" charset="0"/>
+                          <a:ea typeface="Calibri" panose="020F0502020204030204" pitchFamily="34" charset="0"/>
+                          <a:cs typeface="Arial" panose="020B0604020202020204" pitchFamily="34" charset="0"/>
+                        </a:rPr>
+                        <a:t> </a:t>
+                      </a:r>
+                      <a:endParaRPr lang="en-AU" sz="1600" dirty="0">
+                        <a:solidFill>
+                          <a:srgbClr val="000000"/>
+                        </a:solidFill>
+                        <a:effectLst/>
+                        <a:latin typeface="Arial" panose="020B0604020202020204" pitchFamily="34" charset="0"/>
+                        <a:ea typeface="Calibri" panose="020F0502020204030204" pitchFamily="34" charset="0"/>
+                        <a:cs typeface="Arial" panose="020B0604020202020204" pitchFamily="34" charset="0"/>
+                      </a:endParaRPr>
+                    </a:p>
+                  </a:txBody>
+                  <a:tcPr marL="68580" marR="68580" marT="0" marB="0">
+                    <a:lnL>
+                      <a:noFill/>
+                    </a:lnL>
+                    <a:lnR>
+                      <a:noFill/>
+                    </a:lnR>
+                    <a:lnT>
+                      <a:noFill/>
+                    </a:lnT>
+                    <a:lnB w="12700" cap="flat" cmpd="sng" algn="ctr">
+                      <a:solidFill>
+                        <a:srgbClr val="000000"/>
+                      </a:solidFill>
+                      <a:prstDash val="solid"/>
+                      <a:round/>
+                      <a:headEnd type="none" w="med" len="med"/>
+                      <a:tailEnd type="none" w="med" len="med"/>
+                    </a:lnB>
+                  </a:tcPr>
+                </a:tc>
+                <a:tc>
+                  <a:txBody>
+                    <a:bodyPr/>
+                    <a:lstStyle/>
+                    <a:p>
+                      <a:pPr algn="ctr">
+                        <a:lnSpc>
+                          <a:spcPct val="115000"/>
+                        </a:lnSpc>
+                        <a:spcAft>
+                          <a:spcPts val="0"/>
+                        </a:spcAft>
+                      </a:pPr>
+                      <a:r>
+                        <a:rPr lang="en-GB" sz="1400" dirty="0">
+                          <a:solidFill>
+                            <a:srgbClr val="000000"/>
+                          </a:solidFill>
+                          <a:effectLst/>
+                          <a:latin typeface="Arial" panose="020B0604020202020204" pitchFamily="34" charset="0"/>
+                          <a:ea typeface="Calibri" panose="020F0502020204030204" pitchFamily="34" charset="0"/>
+                          <a:cs typeface="Arial" panose="020B0604020202020204" pitchFamily="34" charset="0"/>
+                        </a:rPr>
+                        <a:t>6.64</a:t>
+                      </a:r>
+                      <a:endParaRPr lang="en-AU" sz="1600" dirty="0">
+                        <a:solidFill>
+                          <a:srgbClr val="000000"/>
+                        </a:solidFill>
+                        <a:effectLst/>
+                        <a:latin typeface="Arial" panose="020B0604020202020204" pitchFamily="34" charset="0"/>
+                        <a:ea typeface="Calibri" panose="020F0502020204030204" pitchFamily="34" charset="0"/>
+                        <a:cs typeface="Arial" panose="020B0604020202020204" pitchFamily="34" charset="0"/>
+                      </a:endParaRPr>
+                    </a:p>
+                  </a:txBody>
+                  <a:tcPr marL="68580" marR="68580" marT="0" marB="0">
+                    <a:lnL>
+                      <a:noFill/>
+                    </a:lnL>
+                    <a:lnR>
+                      <a:noFill/>
+                    </a:lnR>
+                    <a:lnT>
+                      <a:noFill/>
+                    </a:lnT>
+                    <a:lnB w="12700" cap="flat" cmpd="sng" algn="ctr">
+                      <a:solidFill>
+                        <a:srgbClr val="000000"/>
+                      </a:solidFill>
+                      <a:prstDash val="solid"/>
+                      <a:round/>
+                      <a:headEnd type="none" w="med" len="med"/>
+                      <a:tailEnd type="none" w="med" len="med"/>
+                    </a:lnB>
+                  </a:tcPr>
+                </a:tc>
+                <a:tc>
+                  <a:txBody>
+                    <a:bodyPr/>
+                    <a:lstStyle/>
+                    <a:p>
+                      <a:pPr algn="ctr">
+                        <a:lnSpc>
+                          <a:spcPct val="115000"/>
+                        </a:lnSpc>
+                        <a:spcAft>
+                          <a:spcPts val="0"/>
+                        </a:spcAft>
+                      </a:pPr>
+                      <a:r>
+                        <a:rPr lang="en-GB" sz="1400" dirty="0">
+                          <a:solidFill>
+                            <a:srgbClr val="000000"/>
+                          </a:solidFill>
+                          <a:effectLst/>
+                          <a:latin typeface="Arial" panose="020B0604020202020204" pitchFamily="34" charset="0"/>
+                          <a:ea typeface="Calibri" panose="020F0502020204030204" pitchFamily="34" charset="0"/>
+                          <a:cs typeface="Arial" panose="020B0604020202020204" pitchFamily="34" charset="0"/>
+                        </a:rPr>
+                        <a:t>0.002</a:t>
+                      </a:r>
+                      <a:endParaRPr lang="en-AU" sz="1600" dirty="0">
+                        <a:solidFill>
+                          <a:srgbClr val="000000"/>
+                        </a:solidFill>
+                        <a:effectLst/>
+                        <a:latin typeface="Arial" panose="020B0604020202020204" pitchFamily="34" charset="0"/>
+                        <a:ea typeface="Calibri" panose="020F0502020204030204" pitchFamily="34" charset="0"/>
+                        <a:cs typeface="Arial" panose="020B0604020202020204" pitchFamily="34" charset="0"/>
+                      </a:endParaRPr>
+                    </a:p>
+                  </a:txBody>
+                  <a:tcPr marL="68580" marR="68580" marT="0" marB="0">
+                    <a:lnL>
+                      <a:noFill/>
+                    </a:lnL>
+                    <a:lnR>
+                      <a:noFill/>
+                    </a:lnR>
+                    <a:lnT>
+                      <a:noFill/>
+                    </a:lnT>
+                    <a:lnB w="12700" cap="flat" cmpd="sng" algn="ctr">
+                      <a:solidFill>
+                        <a:srgbClr val="000000"/>
+                      </a:solidFill>
+                      <a:prstDash val="solid"/>
+                      <a:round/>
+                      <a:headEnd type="none" w="med" len="med"/>
+                      <a:tailEnd type="none" w="med" len="med"/>
+                    </a:lnB>
+                  </a:tcPr>
+                </a:tc>
+                <a:extLst>
+                  <a:ext uri="{0D108BD9-81ED-4DB2-BD59-A6C34878D82A}">
+                    <a16:rowId xmlns:a16="http://schemas.microsoft.com/office/drawing/2014/main" val="2934381160"/>
+                  </a:ext>
+                </a:extLst>
+              </a:tr>
+            </a:tbl>
+          </a:graphicData>
+        </a:graphic>
+      </p:graphicFrame>
+      <p:sp>
+        <p:nvSpPr>
+          <p:cNvPr id="9" name="Rectangle 8">
+            <a:extLst>
+              <a:ext uri="{FF2B5EF4-FFF2-40B4-BE49-F238E27FC236}">
+                <a16:creationId xmlns:a16="http://schemas.microsoft.com/office/drawing/2014/main" id="{6D4E058C-5447-F84D-9F40-7275554E21C1}"/>
+              </a:ext>
+            </a:extLst>
+          </p:cNvPr>
+          <p:cNvSpPr/>
           <p:nvPr/>
-        </p:nvPicPr>
-        <p:blipFill rotWithShape="1">
-          <a:blip r:embed="rId2"/>
-          <a:srcRect t="6340" b="4228"/>
-          <a:stretch/>
-        </p:blipFill>
+        </p:nvSpPr>
         <p:spPr>
           <a:xfrm>
-            <a:off x="1004467" y="186003"/>
-            <a:ext cx="3132636" cy="6546662"/>
+            <a:off x="1551879" y="2994584"/>
+            <a:ext cx="8783444" cy="276999"/>
           </a:xfrm>
           <a:prstGeom prst="rect">
             <a:avLst/>
           </a:prstGeom>
         </p:spPr>
-      </p:pic>
+        <p:txBody>
+          <a:bodyPr wrap="square">
+            <a:spAutoFit/>
+          </a:bodyPr>
+          <a:lstStyle/>
+          <a:p>
+            <a:pPr>
+              <a:spcAft>
+                <a:spcPts val="0"/>
+              </a:spcAft>
+            </a:pPr>
+            <a:r>
+              <a:rPr lang="en-GB" sz="1200" dirty="0">
+                <a:solidFill>
+                  <a:srgbClr val="000000"/>
+                </a:solidFill>
+                <a:latin typeface="Arial" panose="020B0604020202020204" pitchFamily="34" charset="0"/>
+                <a:ea typeface="Calibri" panose="020F0502020204030204" pitchFamily="34" charset="0"/>
+                <a:cs typeface="Arial" panose="020B0604020202020204" pitchFamily="34" charset="0"/>
+              </a:rPr>
+              <a:t>* significantly greater than no load condition. ^ significantly greater than 15 kg condition</a:t>
+            </a:r>
+            <a:endParaRPr lang="en-AU" sz="1200" dirty="0">
+              <a:solidFill>
+                <a:srgbClr val="000000"/>
+              </a:solidFill>
+              <a:latin typeface="Arial" panose="020B0604020202020204" pitchFamily="34" charset="0"/>
+              <a:ea typeface="Calibri" panose="020F0502020204030204" pitchFamily="34" charset="0"/>
+              <a:cs typeface="Arial" panose="020B0604020202020204" pitchFamily="34" charset="0"/>
+            </a:endParaRPr>
+          </a:p>
+        </p:txBody>
+      </p:sp>
+      <p:graphicFrame>
+        <p:nvGraphicFramePr>
+          <p:cNvPr id="11" name="Table 10">
+            <a:extLst>
+              <a:ext uri="{FF2B5EF4-FFF2-40B4-BE49-F238E27FC236}">
+                <a16:creationId xmlns:a16="http://schemas.microsoft.com/office/drawing/2014/main" id="{DC83B782-8362-2B46-BDAA-484F94F15FCE}"/>
+              </a:ext>
+            </a:extLst>
+          </p:cNvPr>
+          <p:cNvGraphicFramePr>
+            <a:graphicFrameLocks noGrp="1"/>
+          </p:cNvGraphicFramePr>
+          <p:nvPr>
+            <p:extLst>
+              <p:ext uri="{D42A27DB-BD31-4B8C-83A1-F6EECF244321}">
+                <p14:modId xmlns:p14="http://schemas.microsoft.com/office/powerpoint/2010/main" val="3013651010"/>
+              </p:ext>
+            </p:extLst>
+          </p:nvPr>
+        </p:nvGraphicFramePr>
+        <p:xfrm>
+          <a:off x="1551879" y="3771373"/>
+          <a:ext cx="7692483" cy="1802820"/>
+        </p:xfrm>
+        <a:graphic>
+          <a:graphicData uri="http://schemas.openxmlformats.org/drawingml/2006/table">
+            <a:tbl>
+              <a:tblPr/>
+              <a:tblGrid>
+                <a:gridCol w="2708620">
+                  <a:extLst>
+                    <a:ext uri="{9D8B030D-6E8A-4147-A177-3AD203B41FA5}">
+                      <a16:colId xmlns:a16="http://schemas.microsoft.com/office/drawing/2014/main" val="2842702759"/>
+                    </a:ext>
+                  </a:extLst>
+                </a:gridCol>
+                <a:gridCol w="270862">
+                  <a:extLst>
+                    <a:ext uri="{9D8B030D-6E8A-4147-A177-3AD203B41FA5}">
+                      <a16:colId xmlns:a16="http://schemas.microsoft.com/office/drawing/2014/main" val="844883294"/>
+                    </a:ext>
+                  </a:extLst>
+                </a:gridCol>
+                <a:gridCol w="1354311">
+                  <a:extLst>
+                    <a:ext uri="{9D8B030D-6E8A-4147-A177-3AD203B41FA5}">
+                      <a16:colId xmlns:a16="http://schemas.microsoft.com/office/drawing/2014/main" val="3726124303"/>
+                    </a:ext>
+                  </a:extLst>
+                </a:gridCol>
+                <a:gridCol w="1354311">
+                  <a:extLst>
+                    <a:ext uri="{9D8B030D-6E8A-4147-A177-3AD203B41FA5}">
+                      <a16:colId xmlns:a16="http://schemas.microsoft.com/office/drawing/2014/main" val="3767522374"/>
+                    </a:ext>
+                  </a:extLst>
+                </a:gridCol>
+                <a:gridCol w="270862">
+                  <a:extLst>
+                    <a:ext uri="{9D8B030D-6E8A-4147-A177-3AD203B41FA5}">
+                      <a16:colId xmlns:a16="http://schemas.microsoft.com/office/drawing/2014/main" val="4287056019"/>
+                    </a:ext>
+                  </a:extLst>
+                </a:gridCol>
+                <a:gridCol w="812586">
+                  <a:extLst>
+                    <a:ext uri="{9D8B030D-6E8A-4147-A177-3AD203B41FA5}">
+                      <a16:colId xmlns:a16="http://schemas.microsoft.com/office/drawing/2014/main" val="753181576"/>
+                    </a:ext>
+                  </a:extLst>
+                </a:gridCol>
+                <a:gridCol w="920931">
+                  <a:extLst>
+                    <a:ext uri="{9D8B030D-6E8A-4147-A177-3AD203B41FA5}">
+                      <a16:colId xmlns:a16="http://schemas.microsoft.com/office/drawing/2014/main" val="3587919257"/>
+                    </a:ext>
+                  </a:extLst>
+                </a:gridCol>
+              </a:tblGrid>
+              <a:tr h="288000">
+                <a:tc>
+                  <a:txBody>
+                    <a:bodyPr/>
+                    <a:lstStyle/>
+                    <a:p>
+                      <a:pPr>
+                        <a:lnSpc>
+                          <a:spcPct val="115000"/>
+                        </a:lnSpc>
+                        <a:spcAft>
+                          <a:spcPts val="0"/>
+                        </a:spcAft>
+                      </a:pPr>
+                      <a:r>
+                        <a:rPr lang="en-GB" sz="1400" dirty="0">
+                          <a:solidFill>
+                            <a:srgbClr val="000000"/>
+                          </a:solidFill>
+                          <a:effectLst/>
+                          <a:latin typeface="Arial" panose="020B0604020202020204" pitchFamily="34" charset="0"/>
+                          <a:ea typeface="Calibri" panose="020F0502020204030204" pitchFamily="34" charset="0"/>
+                          <a:cs typeface="Arial" panose="020B0604020202020204" pitchFamily="34" charset="0"/>
+                        </a:rPr>
+                        <a:t>N = 60</a:t>
+                      </a:r>
+                      <a:endParaRPr lang="en-AU" sz="1400" dirty="0">
+                        <a:solidFill>
+                          <a:srgbClr val="000000"/>
+                        </a:solidFill>
+                        <a:effectLst/>
+                        <a:latin typeface="Arial" panose="020B0604020202020204" pitchFamily="34" charset="0"/>
+                        <a:ea typeface="Calibri" panose="020F0502020204030204" pitchFamily="34" charset="0"/>
+                        <a:cs typeface="Arial" panose="020B0604020202020204" pitchFamily="34" charset="0"/>
+                      </a:endParaRPr>
+                    </a:p>
+                  </a:txBody>
+                  <a:tcPr marL="68580" marR="68580" marT="0" marB="0">
+                    <a:lnL>
+                      <a:noFill/>
+                    </a:lnL>
+                    <a:lnR>
+                      <a:noFill/>
+                    </a:lnR>
+                    <a:lnT w="12700" cap="flat" cmpd="sng" algn="ctr">
+                      <a:solidFill>
+                        <a:srgbClr val="000000"/>
+                      </a:solidFill>
+                      <a:prstDash val="solid"/>
+                      <a:round/>
+                      <a:headEnd type="none" w="med" len="med"/>
+                      <a:tailEnd type="none" w="med" len="med"/>
+                    </a:lnT>
+                    <a:lnB>
+                      <a:noFill/>
+                    </a:lnB>
+                  </a:tcPr>
+                </a:tc>
+                <a:tc>
+                  <a:txBody>
+                    <a:bodyPr/>
+                    <a:lstStyle/>
+                    <a:p>
+                      <a:pPr>
+                        <a:lnSpc>
+                          <a:spcPct val="115000"/>
+                        </a:lnSpc>
+                        <a:spcAft>
+                          <a:spcPts val="0"/>
+                        </a:spcAft>
+                      </a:pPr>
+                      <a:r>
+                        <a:rPr lang="en-GB" sz="1400">
+                          <a:solidFill>
+                            <a:srgbClr val="000000"/>
+                          </a:solidFill>
+                          <a:effectLst/>
+                          <a:latin typeface="Arial" panose="020B0604020202020204" pitchFamily="34" charset="0"/>
+                          <a:ea typeface="Calibri" panose="020F0502020204030204" pitchFamily="34" charset="0"/>
+                          <a:cs typeface="Arial" panose="020B0604020202020204" pitchFamily="34" charset="0"/>
+                        </a:rPr>
+                        <a:t> </a:t>
+                      </a:r>
+                      <a:endParaRPr lang="en-AU" sz="1400" dirty="0">
+                        <a:solidFill>
+                          <a:srgbClr val="000000"/>
+                        </a:solidFill>
+                        <a:effectLst/>
+                        <a:latin typeface="Arial" panose="020B0604020202020204" pitchFamily="34" charset="0"/>
+                        <a:ea typeface="Calibri" panose="020F0502020204030204" pitchFamily="34" charset="0"/>
+                        <a:cs typeface="Arial" panose="020B0604020202020204" pitchFamily="34" charset="0"/>
+                      </a:endParaRPr>
+                    </a:p>
+                  </a:txBody>
+                  <a:tcPr marL="68580" marR="68580" marT="0" marB="0">
+                    <a:lnL>
+                      <a:noFill/>
+                    </a:lnL>
+                    <a:lnR>
+                      <a:noFill/>
+                    </a:lnR>
+                    <a:lnT w="12700" cap="flat" cmpd="sng" algn="ctr">
+                      <a:solidFill>
+                        <a:srgbClr val="000000"/>
+                      </a:solidFill>
+                      <a:prstDash val="solid"/>
+                      <a:round/>
+                      <a:headEnd type="none" w="med" len="med"/>
+                      <a:tailEnd type="none" w="med" len="med"/>
+                    </a:lnT>
+                    <a:lnB>
+                      <a:noFill/>
+                    </a:lnB>
+                  </a:tcPr>
+                </a:tc>
+                <a:tc gridSpan="2">
+                  <a:txBody>
+                    <a:bodyPr/>
+                    <a:lstStyle/>
+                    <a:p>
+                      <a:pPr algn="ctr">
+                        <a:lnSpc>
+                          <a:spcPct val="115000"/>
+                        </a:lnSpc>
+                        <a:spcAft>
+                          <a:spcPts val="0"/>
+                        </a:spcAft>
+                      </a:pPr>
+                      <a:r>
+                        <a:rPr lang="en-GB" sz="1400">
+                          <a:solidFill>
+                            <a:srgbClr val="000000"/>
+                          </a:solidFill>
+                          <a:effectLst/>
+                          <a:latin typeface="Arial" panose="020B0604020202020204" pitchFamily="34" charset="0"/>
+                          <a:ea typeface="Calibri" panose="020F0502020204030204" pitchFamily="34" charset="0"/>
+                          <a:cs typeface="Arial" panose="020B0604020202020204" pitchFamily="34" charset="0"/>
+                        </a:rPr>
+                        <a:t>Walking speed</a:t>
+                      </a:r>
+                      <a:endParaRPr lang="en-AU" sz="1400" dirty="0">
+                        <a:solidFill>
+                          <a:srgbClr val="000000"/>
+                        </a:solidFill>
+                        <a:effectLst/>
+                        <a:latin typeface="Arial" panose="020B0604020202020204" pitchFamily="34" charset="0"/>
+                        <a:ea typeface="Calibri" panose="020F0502020204030204" pitchFamily="34" charset="0"/>
+                        <a:cs typeface="Arial" panose="020B0604020202020204" pitchFamily="34" charset="0"/>
+                      </a:endParaRPr>
+                    </a:p>
+                  </a:txBody>
+                  <a:tcPr marL="68580" marR="68580" marT="0" marB="0">
+                    <a:lnL>
+                      <a:noFill/>
+                    </a:lnL>
+                    <a:lnR>
+                      <a:noFill/>
+                    </a:lnR>
+                    <a:lnT w="12700" cap="flat" cmpd="sng" algn="ctr">
+                      <a:solidFill>
+                        <a:srgbClr val="000000"/>
+                      </a:solidFill>
+                      <a:prstDash val="solid"/>
+                      <a:round/>
+                      <a:headEnd type="none" w="med" len="med"/>
+                      <a:tailEnd type="none" w="med" len="med"/>
+                    </a:lnT>
+                    <a:lnB w="12700" cap="flat" cmpd="sng" algn="ctr">
+                      <a:solidFill>
+                        <a:srgbClr val="000000"/>
+                      </a:solidFill>
+                      <a:prstDash val="solid"/>
+                      <a:round/>
+                      <a:headEnd type="none" w="med" len="med"/>
+                      <a:tailEnd type="none" w="med" len="med"/>
+                    </a:lnB>
+                  </a:tcPr>
+                </a:tc>
+                <a:tc hMerge="1">
+                  <a:txBody>
+                    <a:bodyPr/>
+                    <a:lstStyle/>
+                    <a:p>
+                      <a:endParaRPr lang="en-AU"/>
+                    </a:p>
+                  </a:txBody>
+                  <a:tcPr/>
+                </a:tc>
+                <a:tc>
+                  <a:txBody>
+                    <a:bodyPr/>
+                    <a:lstStyle/>
+                    <a:p>
+                      <a:pPr algn="ctr">
+                        <a:lnSpc>
+                          <a:spcPct val="115000"/>
+                        </a:lnSpc>
+                        <a:spcAft>
+                          <a:spcPts val="0"/>
+                        </a:spcAft>
+                      </a:pPr>
+                      <a:r>
+                        <a:rPr lang="en-GB" sz="1400">
+                          <a:solidFill>
+                            <a:srgbClr val="000000"/>
+                          </a:solidFill>
+                          <a:effectLst/>
+                          <a:latin typeface="Arial" panose="020B0604020202020204" pitchFamily="34" charset="0"/>
+                          <a:ea typeface="Calibri" panose="020F0502020204030204" pitchFamily="34" charset="0"/>
+                          <a:cs typeface="Arial" panose="020B0604020202020204" pitchFamily="34" charset="0"/>
+                        </a:rPr>
+                        <a:t> </a:t>
+                      </a:r>
+                      <a:endParaRPr lang="en-AU" sz="1400" dirty="0">
+                        <a:solidFill>
+                          <a:srgbClr val="000000"/>
+                        </a:solidFill>
+                        <a:effectLst/>
+                        <a:latin typeface="Arial" panose="020B0604020202020204" pitchFamily="34" charset="0"/>
+                        <a:ea typeface="Calibri" panose="020F0502020204030204" pitchFamily="34" charset="0"/>
+                        <a:cs typeface="Arial" panose="020B0604020202020204" pitchFamily="34" charset="0"/>
+                      </a:endParaRPr>
+                    </a:p>
+                  </a:txBody>
+                  <a:tcPr marL="68580" marR="68580" marT="0" marB="0">
+                    <a:lnL>
+                      <a:noFill/>
+                    </a:lnL>
+                    <a:lnR>
+                      <a:noFill/>
+                    </a:lnR>
+                    <a:lnT w="12700" cap="flat" cmpd="sng" algn="ctr">
+                      <a:solidFill>
+                        <a:srgbClr val="000000"/>
+                      </a:solidFill>
+                      <a:prstDash val="solid"/>
+                      <a:round/>
+                      <a:headEnd type="none" w="med" len="med"/>
+                      <a:tailEnd type="none" w="med" len="med"/>
+                    </a:lnT>
+                    <a:lnB>
+                      <a:noFill/>
+                    </a:lnB>
+                  </a:tcPr>
+                </a:tc>
+                <a:tc gridSpan="2">
+                  <a:txBody>
+                    <a:bodyPr/>
+                    <a:lstStyle/>
+                    <a:p>
+                      <a:pPr algn="ctr">
+                        <a:lnSpc>
+                          <a:spcPct val="115000"/>
+                        </a:lnSpc>
+                        <a:spcAft>
+                          <a:spcPts val="0"/>
+                        </a:spcAft>
+                      </a:pPr>
+                      <a:r>
+                        <a:rPr lang="en-GB" sz="1400" dirty="0">
+                          <a:solidFill>
+                            <a:srgbClr val="000000"/>
+                          </a:solidFill>
+                          <a:effectLst/>
+                          <a:latin typeface="Arial" panose="020B0604020202020204" pitchFamily="34" charset="0"/>
+                          <a:ea typeface="Calibri" panose="020F0502020204030204" pitchFamily="34" charset="0"/>
+                          <a:cs typeface="Arial" panose="020B0604020202020204" pitchFamily="34" charset="0"/>
+                        </a:rPr>
+                        <a:t> </a:t>
+                      </a:r>
+                      <a:endParaRPr lang="en-AU" sz="1400" dirty="0">
+                        <a:solidFill>
+                          <a:srgbClr val="000000"/>
+                        </a:solidFill>
+                        <a:effectLst/>
+                        <a:latin typeface="Arial" panose="020B0604020202020204" pitchFamily="34" charset="0"/>
+                        <a:ea typeface="Calibri" panose="020F0502020204030204" pitchFamily="34" charset="0"/>
+                        <a:cs typeface="Arial" panose="020B0604020202020204" pitchFamily="34" charset="0"/>
+                      </a:endParaRPr>
+                    </a:p>
+                  </a:txBody>
+                  <a:tcPr marL="68580" marR="68580" marT="0" marB="0">
+                    <a:lnL>
+                      <a:noFill/>
+                    </a:lnL>
+                    <a:lnR>
+                      <a:noFill/>
+                    </a:lnR>
+                    <a:lnT w="12700" cap="flat" cmpd="sng" algn="ctr">
+                      <a:solidFill>
+                        <a:srgbClr val="000000"/>
+                      </a:solidFill>
+                      <a:prstDash val="solid"/>
+                      <a:round/>
+                      <a:headEnd type="none" w="med" len="med"/>
+                      <a:tailEnd type="none" w="med" len="med"/>
+                    </a:lnT>
+                    <a:lnB>
+                      <a:noFill/>
+                    </a:lnB>
+                  </a:tcPr>
+                </a:tc>
+                <a:tc hMerge="1">
+                  <a:txBody>
+                    <a:bodyPr/>
+                    <a:lstStyle/>
+                    <a:p>
+                      <a:endParaRPr lang="en-AU"/>
+                    </a:p>
+                  </a:txBody>
+                  <a:tcPr/>
+                </a:tc>
+                <a:extLst>
+                  <a:ext uri="{0D108BD9-81ED-4DB2-BD59-A6C34878D82A}">
+                    <a16:rowId xmlns:a16="http://schemas.microsoft.com/office/drawing/2014/main" val="1707532422"/>
+                  </a:ext>
+                </a:extLst>
+              </a:tr>
+              <a:tr h="288000">
+                <a:tc>
+                  <a:txBody>
+                    <a:bodyPr/>
+                    <a:lstStyle/>
+                    <a:p>
+                      <a:pPr marL="0" marR="0" lvl="0" indent="0" algn="l" defTabSz="914400" rtl="0" eaLnBrk="1" fontAlgn="auto" latinLnBrk="0" hangingPunct="1">
+                        <a:lnSpc>
+                          <a:spcPct val="115000"/>
+                        </a:lnSpc>
+                        <a:spcBef>
+                          <a:spcPts val="0"/>
+                        </a:spcBef>
+                        <a:spcAft>
+                          <a:spcPts val="0"/>
+                        </a:spcAft>
+                        <a:buClrTx/>
+                        <a:buSzTx/>
+                        <a:buFontTx/>
+                        <a:buNone/>
+                        <a:tabLst/>
+                        <a:defRPr/>
+                      </a:pPr>
+                      <a:r>
+                        <a:rPr lang="en-GB" sz="1400" dirty="0">
+                          <a:solidFill>
+                            <a:srgbClr val="000000"/>
+                          </a:solidFill>
+                          <a:effectLst/>
+                          <a:latin typeface="Arial" panose="020B0604020202020204" pitchFamily="34" charset="0"/>
+                          <a:ea typeface="Calibri" panose="020F0502020204030204" pitchFamily="34" charset="0"/>
+                          <a:cs typeface="Arial" panose="020B0604020202020204" pitchFamily="34" charset="0"/>
+                        </a:rPr>
+                        <a:t> </a:t>
+                      </a:r>
+                      <a:endParaRPr lang="en-AU" sz="1400" dirty="0">
+                        <a:solidFill>
+                          <a:srgbClr val="000000"/>
+                        </a:solidFill>
+                        <a:effectLst/>
+                        <a:latin typeface="Arial" panose="020B0604020202020204" pitchFamily="34" charset="0"/>
+                        <a:ea typeface="Calibri" panose="020F0502020204030204" pitchFamily="34" charset="0"/>
+                        <a:cs typeface="Arial" panose="020B0604020202020204" pitchFamily="34" charset="0"/>
+                      </a:endParaRPr>
+                    </a:p>
+                  </a:txBody>
+                  <a:tcPr marL="68580" marR="68580" marT="0" marB="0">
+                    <a:lnL>
+                      <a:noFill/>
+                    </a:lnL>
+                    <a:lnR>
+                      <a:noFill/>
+                    </a:lnR>
+                    <a:lnT>
+                      <a:noFill/>
+                    </a:lnT>
+                    <a:lnB w="12700" cap="flat" cmpd="sng" algn="ctr">
+                      <a:solidFill>
+                        <a:srgbClr val="000000"/>
+                      </a:solidFill>
+                      <a:prstDash val="solid"/>
+                      <a:round/>
+                      <a:headEnd type="none" w="med" len="med"/>
+                      <a:tailEnd type="none" w="med" len="med"/>
+                    </a:lnB>
+                  </a:tcPr>
+                </a:tc>
+                <a:tc>
+                  <a:txBody>
+                    <a:bodyPr/>
+                    <a:lstStyle/>
+                    <a:p>
+                      <a:pPr>
+                        <a:lnSpc>
+                          <a:spcPct val="115000"/>
+                        </a:lnSpc>
+                        <a:spcAft>
+                          <a:spcPts val="0"/>
+                        </a:spcAft>
+                      </a:pPr>
+                      <a:r>
+                        <a:rPr lang="en-GB" sz="1400">
+                          <a:solidFill>
+                            <a:srgbClr val="000000"/>
+                          </a:solidFill>
+                          <a:effectLst/>
+                          <a:latin typeface="Arial" panose="020B0604020202020204" pitchFamily="34" charset="0"/>
+                          <a:ea typeface="Calibri" panose="020F0502020204030204" pitchFamily="34" charset="0"/>
+                          <a:cs typeface="Arial" panose="020B0604020202020204" pitchFamily="34" charset="0"/>
+                        </a:rPr>
+                        <a:t> </a:t>
+                      </a:r>
+                      <a:endParaRPr lang="en-AU" sz="1400">
+                        <a:solidFill>
+                          <a:srgbClr val="000000"/>
+                        </a:solidFill>
+                        <a:effectLst/>
+                        <a:latin typeface="Arial" panose="020B0604020202020204" pitchFamily="34" charset="0"/>
+                        <a:ea typeface="Calibri" panose="020F0502020204030204" pitchFamily="34" charset="0"/>
+                        <a:cs typeface="Arial" panose="020B0604020202020204" pitchFamily="34" charset="0"/>
+                      </a:endParaRPr>
+                    </a:p>
+                  </a:txBody>
+                  <a:tcPr marL="68580" marR="68580" marT="0" marB="0">
+                    <a:lnL>
+                      <a:noFill/>
+                    </a:lnL>
+                    <a:lnR>
+                      <a:noFill/>
+                    </a:lnR>
+                    <a:lnT>
+                      <a:noFill/>
+                    </a:lnT>
+                    <a:lnB>
+                      <a:noFill/>
+                    </a:lnB>
+                  </a:tcPr>
+                </a:tc>
+                <a:tc>
+                  <a:txBody>
+                    <a:bodyPr/>
+                    <a:lstStyle/>
+                    <a:p>
+                      <a:pPr algn="ctr">
+                        <a:lnSpc>
+                          <a:spcPct val="115000"/>
+                        </a:lnSpc>
+                        <a:spcAft>
+                          <a:spcPts val="0"/>
+                        </a:spcAft>
+                      </a:pPr>
+                      <a:r>
+                        <a:rPr lang="en-GB" sz="1400" dirty="0">
+                          <a:solidFill>
+                            <a:srgbClr val="000000"/>
+                          </a:solidFill>
+                          <a:effectLst/>
+                          <a:latin typeface="Arial" panose="020B0604020202020204" pitchFamily="34" charset="0"/>
+                          <a:ea typeface="Calibri" panose="020F0502020204030204" pitchFamily="34" charset="0"/>
+                          <a:cs typeface="Arial" panose="020B0604020202020204" pitchFamily="34" charset="0"/>
+                        </a:rPr>
+                        <a:t>Moderate</a:t>
+                      </a:r>
+                      <a:endParaRPr lang="en-AU" sz="1400" dirty="0">
+                        <a:solidFill>
+                          <a:srgbClr val="000000"/>
+                        </a:solidFill>
+                        <a:effectLst/>
+                        <a:latin typeface="Arial" panose="020B0604020202020204" pitchFamily="34" charset="0"/>
+                        <a:ea typeface="Calibri" panose="020F0502020204030204" pitchFamily="34" charset="0"/>
+                        <a:cs typeface="Arial" panose="020B0604020202020204" pitchFamily="34" charset="0"/>
+                      </a:endParaRPr>
+                    </a:p>
+                  </a:txBody>
+                  <a:tcPr marL="68580" marR="68580" marT="0" marB="0">
+                    <a:lnL>
+                      <a:noFill/>
+                    </a:lnL>
+                    <a:lnR>
+                      <a:noFill/>
+                    </a:lnR>
+                    <a:lnT w="12700" cap="flat" cmpd="sng" algn="ctr">
+                      <a:solidFill>
+                        <a:srgbClr val="000000"/>
+                      </a:solidFill>
+                      <a:prstDash val="solid"/>
+                      <a:round/>
+                      <a:headEnd type="none" w="med" len="med"/>
+                      <a:tailEnd type="none" w="med" len="med"/>
+                    </a:lnT>
+                    <a:lnB w="12700" cap="flat" cmpd="sng" algn="ctr">
+                      <a:solidFill>
+                        <a:srgbClr val="000000"/>
+                      </a:solidFill>
+                      <a:prstDash val="solid"/>
+                      <a:round/>
+                      <a:headEnd type="none" w="med" len="med"/>
+                      <a:tailEnd type="none" w="med" len="med"/>
+                    </a:lnB>
+                  </a:tcPr>
+                </a:tc>
+                <a:tc>
+                  <a:txBody>
+                    <a:bodyPr/>
+                    <a:lstStyle/>
+                    <a:p>
+                      <a:pPr algn="ctr">
+                        <a:lnSpc>
+                          <a:spcPct val="115000"/>
+                        </a:lnSpc>
+                        <a:spcAft>
+                          <a:spcPts val="0"/>
+                        </a:spcAft>
+                      </a:pPr>
+                      <a:r>
+                        <a:rPr lang="en-GB" sz="1400">
+                          <a:solidFill>
+                            <a:srgbClr val="000000"/>
+                          </a:solidFill>
+                          <a:effectLst/>
+                          <a:latin typeface="Arial" panose="020B0604020202020204" pitchFamily="34" charset="0"/>
+                          <a:ea typeface="Calibri" panose="020F0502020204030204" pitchFamily="34" charset="0"/>
+                          <a:cs typeface="Arial" panose="020B0604020202020204" pitchFamily="34" charset="0"/>
+                        </a:rPr>
+                        <a:t>Fast</a:t>
+                      </a:r>
+                      <a:endParaRPr lang="en-AU" sz="1400">
+                        <a:solidFill>
+                          <a:srgbClr val="000000"/>
+                        </a:solidFill>
+                        <a:effectLst/>
+                        <a:latin typeface="Arial" panose="020B0604020202020204" pitchFamily="34" charset="0"/>
+                        <a:ea typeface="Calibri" panose="020F0502020204030204" pitchFamily="34" charset="0"/>
+                        <a:cs typeface="Arial" panose="020B0604020202020204" pitchFamily="34" charset="0"/>
+                      </a:endParaRPr>
+                    </a:p>
+                  </a:txBody>
+                  <a:tcPr marL="68580" marR="68580" marT="0" marB="0">
+                    <a:lnL>
+                      <a:noFill/>
+                    </a:lnL>
+                    <a:lnR>
+                      <a:noFill/>
+                    </a:lnR>
+                    <a:lnT w="12700" cap="flat" cmpd="sng" algn="ctr">
+                      <a:solidFill>
+                        <a:srgbClr val="000000"/>
+                      </a:solidFill>
+                      <a:prstDash val="solid"/>
+                      <a:round/>
+                      <a:headEnd type="none" w="med" len="med"/>
+                      <a:tailEnd type="none" w="med" len="med"/>
+                    </a:lnT>
+                    <a:lnB w="12700" cap="flat" cmpd="sng" algn="ctr">
+                      <a:solidFill>
+                        <a:srgbClr val="000000"/>
+                      </a:solidFill>
+                      <a:prstDash val="solid"/>
+                      <a:round/>
+                      <a:headEnd type="none" w="med" len="med"/>
+                      <a:tailEnd type="none" w="med" len="med"/>
+                    </a:lnB>
+                  </a:tcPr>
+                </a:tc>
+                <a:tc>
+                  <a:txBody>
+                    <a:bodyPr/>
+                    <a:lstStyle/>
+                    <a:p>
+                      <a:pPr algn="ctr">
+                        <a:lnSpc>
+                          <a:spcPct val="115000"/>
+                        </a:lnSpc>
+                        <a:spcAft>
+                          <a:spcPts val="0"/>
+                        </a:spcAft>
+                      </a:pPr>
+                      <a:r>
+                        <a:rPr lang="en-GB" sz="1400" dirty="0">
+                          <a:solidFill>
+                            <a:srgbClr val="000000"/>
+                          </a:solidFill>
+                          <a:effectLst/>
+                          <a:latin typeface="Arial" panose="020B0604020202020204" pitchFamily="34" charset="0"/>
+                          <a:ea typeface="Calibri" panose="020F0502020204030204" pitchFamily="34" charset="0"/>
+                          <a:cs typeface="Arial" panose="020B0604020202020204" pitchFamily="34" charset="0"/>
+                        </a:rPr>
+                        <a:t> </a:t>
+                      </a:r>
+                      <a:endParaRPr lang="en-AU" sz="1400" dirty="0">
+                        <a:solidFill>
+                          <a:srgbClr val="000000"/>
+                        </a:solidFill>
+                        <a:effectLst/>
+                        <a:latin typeface="Arial" panose="020B0604020202020204" pitchFamily="34" charset="0"/>
+                        <a:ea typeface="Calibri" panose="020F0502020204030204" pitchFamily="34" charset="0"/>
+                        <a:cs typeface="Arial" panose="020B0604020202020204" pitchFamily="34" charset="0"/>
+                      </a:endParaRPr>
+                    </a:p>
+                  </a:txBody>
+                  <a:tcPr marL="68580" marR="68580" marT="0" marB="0">
+                    <a:lnL>
+                      <a:noFill/>
+                    </a:lnL>
+                    <a:lnR>
+                      <a:noFill/>
+                    </a:lnR>
+                    <a:lnT>
+                      <a:noFill/>
+                    </a:lnT>
+                    <a:lnB>
+                      <a:noFill/>
+                    </a:lnB>
+                  </a:tcPr>
+                </a:tc>
+                <a:tc>
+                  <a:txBody>
+                    <a:bodyPr/>
+                    <a:lstStyle/>
+                    <a:p>
+                      <a:pPr algn="ctr">
+                        <a:lnSpc>
+                          <a:spcPct val="115000"/>
+                        </a:lnSpc>
+                        <a:spcAft>
+                          <a:spcPts val="0"/>
+                        </a:spcAft>
+                      </a:pPr>
+                      <a:r>
+                        <a:rPr lang="en-GB" sz="1400" dirty="0">
+                          <a:solidFill>
+                            <a:srgbClr val="000000"/>
+                          </a:solidFill>
+                          <a:effectLst/>
+                          <a:latin typeface="Arial" panose="020B0604020202020204" pitchFamily="34" charset="0"/>
+                          <a:ea typeface="Calibri" panose="020F0502020204030204" pitchFamily="34" charset="0"/>
+                          <a:cs typeface="Arial" panose="020B0604020202020204" pitchFamily="34" charset="0"/>
+                        </a:rPr>
+                        <a:t>F</a:t>
+                      </a:r>
+                      <a:endParaRPr lang="en-AU" sz="1400" dirty="0">
+                        <a:solidFill>
+                          <a:srgbClr val="000000"/>
+                        </a:solidFill>
+                        <a:effectLst/>
+                        <a:latin typeface="Arial" panose="020B0604020202020204" pitchFamily="34" charset="0"/>
+                        <a:ea typeface="Calibri" panose="020F0502020204030204" pitchFamily="34" charset="0"/>
+                        <a:cs typeface="Arial" panose="020B0604020202020204" pitchFamily="34" charset="0"/>
+                      </a:endParaRPr>
+                    </a:p>
+                  </a:txBody>
+                  <a:tcPr marL="68580" marR="68580" marT="0" marB="0">
+                    <a:lnL>
+                      <a:noFill/>
+                    </a:lnL>
+                    <a:lnR>
+                      <a:noFill/>
+                    </a:lnR>
+                    <a:lnT>
+                      <a:noFill/>
+                    </a:lnT>
+                    <a:lnB w="12700" cap="flat" cmpd="sng" algn="ctr">
+                      <a:solidFill>
+                        <a:srgbClr val="000000"/>
+                      </a:solidFill>
+                      <a:prstDash val="solid"/>
+                      <a:round/>
+                      <a:headEnd type="none" w="med" len="med"/>
+                      <a:tailEnd type="none" w="med" len="med"/>
+                    </a:lnB>
+                  </a:tcPr>
+                </a:tc>
+                <a:tc>
+                  <a:txBody>
+                    <a:bodyPr/>
+                    <a:lstStyle/>
+                    <a:p>
+                      <a:pPr algn="ctr">
+                        <a:lnSpc>
+                          <a:spcPct val="115000"/>
+                        </a:lnSpc>
+                        <a:spcAft>
+                          <a:spcPts val="0"/>
+                        </a:spcAft>
+                      </a:pPr>
+                      <a:r>
+                        <a:rPr lang="en-GB" sz="1400" dirty="0">
+                          <a:solidFill>
+                            <a:srgbClr val="000000"/>
+                          </a:solidFill>
+                          <a:effectLst/>
+                          <a:latin typeface="Arial" panose="020B0604020202020204" pitchFamily="34" charset="0"/>
+                          <a:ea typeface="Calibri" panose="020F0502020204030204" pitchFamily="34" charset="0"/>
+                          <a:cs typeface="Arial" panose="020B0604020202020204" pitchFamily="34" charset="0"/>
+                        </a:rPr>
+                        <a:t>p-value</a:t>
+                      </a:r>
+                      <a:endParaRPr lang="en-AU" sz="1400" dirty="0">
+                        <a:solidFill>
+                          <a:srgbClr val="000000"/>
+                        </a:solidFill>
+                        <a:effectLst/>
+                        <a:latin typeface="Arial" panose="020B0604020202020204" pitchFamily="34" charset="0"/>
+                        <a:ea typeface="Calibri" panose="020F0502020204030204" pitchFamily="34" charset="0"/>
+                        <a:cs typeface="Arial" panose="020B0604020202020204" pitchFamily="34" charset="0"/>
+                      </a:endParaRPr>
+                    </a:p>
+                  </a:txBody>
+                  <a:tcPr marL="68580" marR="68580" marT="0" marB="0">
+                    <a:lnL>
+                      <a:noFill/>
+                    </a:lnL>
+                    <a:lnR>
+                      <a:noFill/>
+                    </a:lnR>
+                    <a:lnT>
+                      <a:noFill/>
+                    </a:lnT>
+                    <a:lnB w="12700" cap="flat" cmpd="sng" algn="ctr">
+                      <a:solidFill>
+                        <a:srgbClr val="000000"/>
+                      </a:solidFill>
+                      <a:prstDash val="solid"/>
+                      <a:round/>
+                      <a:headEnd type="none" w="med" len="med"/>
+                      <a:tailEnd type="none" w="med" len="med"/>
+                    </a:lnB>
+                  </a:tcPr>
+                </a:tc>
+                <a:extLst>
+                  <a:ext uri="{0D108BD9-81ED-4DB2-BD59-A6C34878D82A}">
+                    <a16:rowId xmlns:a16="http://schemas.microsoft.com/office/drawing/2014/main" val="574220236"/>
+                  </a:ext>
+                </a:extLst>
+              </a:tr>
+              <a:tr h="192786">
+                <a:tc>
+                  <a:txBody>
+                    <a:bodyPr/>
+                    <a:lstStyle/>
+                    <a:p>
+                      <a:pPr>
+                        <a:lnSpc>
+                          <a:spcPct val="115000"/>
+                        </a:lnSpc>
+                        <a:spcAft>
+                          <a:spcPts val="0"/>
+                        </a:spcAft>
+                      </a:pPr>
+                      <a:r>
+                        <a:rPr lang="en-GB" sz="1400" dirty="0">
+                          <a:solidFill>
+                            <a:srgbClr val="000000"/>
+                          </a:solidFill>
+                          <a:effectLst/>
+                          <a:latin typeface="Arial" panose="020B0604020202020204" pitchFamily="34" charset="0"/>
+                          <a:ea typeface="Calibri" panose="020F0502020204030204" pitchFamily="34" charset="0"/>
+                          <a:cs typeface="Arial" panose="020B0604020202020204" pitchFamily="34" charset="0"/>
+                        </a:rPr>
+                        <a:t>Medial KJCF first peak (BW)</a:t>
+                      </a:r>
+                      <a:endParaRPr lang="en-AU" sz="1400" dirty="0">
+                        <a:solidFill>
+                          <a:srgbClr val="000000"/>
+                        </a:solidFill>
+                        <a:effectLst/>
+                        <a:latin typeface="Arial" panose="020B0604020202020204" pitchFamily="34" charset="0"/>
+                        <a:ea typeface="Calibri" panose="020F0502020204030204" pitchFamily="34" charset="0"/>
+                        <a:cs typeface="Arial" panose="020B0604020202020204" pitchFamily="34" charset="0"/>
+                      </a:endParaRPr>
+                    </a:p>
+                  </a:txBody>
+                  <a:tcPr marL="68580" marR="68580" marT="0" marB="0">
+                    <a:lnL>
+                      <a:noFill/>
+                    </a:lnL>
+                    <a:lnR>
+                      <a:noFill/>
+                    </a:lnR>
+                    <a:lnT w="12700" cap="flat" cmpd="sng" algn="ctr">
+                      <a:solidFill>
+                        <a:srgbClr val="000000"/>
+                      </a:solidFill>
+                      <a:prstDash val="solid"/>
+                      <a:round/>
+                      <a:headEnd type="none" w="med" len="med"/>
+                      <a:tailEnd type="none" w="med" len="med"/>
+                    </a:lnT>
+                    <a:lnB>
+                      <a:noFill/>
+                    </a:lnB>
+                    <a:solidFill>
+                      <a:srgbClr val="F9766D"/>
+                    </a:solidFill>
+                  </a:tcPr>
+                </a:tc>
+                <a:tc>
+                  <a:txBody>
+                    <a:bodyPr/>
+                    <a:lstStyle/>
+                    <a:p>
+                      <a:pPr>
+                        <a:lnSpc>
+                          <a:spcPct val="115000"/>
+                        </a:lnSpc>
+                        <a:spcAft>
+                          <a:spcPts val="0"/>
+                        </a:spcAft>
+                      </a:pPr>
+                      <a:r>
+                        <a:rPr lang="en-GB" sz="1400" dirty="0">
+                          <a:solidFill>
+                            <a:srgbClr val="000000"/>
+                          </a:solidFill>
+                          <a:effectLst/>
+                          <a:latin typeface="Arial" panose="020B0604020202020204" pitchFamily="34" charset="0"/>
+                          <a:ea typeface="Calibri" panose="020F0502020204030204" pitchFamily="34" charset="0"/>
+                          <a:cs typeface="Arial" panose="020B0604020202020204" pitchFamily="34" charset="0"/>
+                        </a:rPr>
+                        <a:t> </a:t>
+                      </a:r>
+                      <a:endParaRPr lang="en-AU" sz="1400" dirty="0">
+                        <a:solidFill>
+                          <a:srgbClr val="000000"/>
+                        </a:solidFill>
+                        <a:effectLst/>
+                        <a:latin typeface="Arial" panose="020B0604020202020204" pitchFamily="34" charset="0"/>
+                        <a:ea typeface="Calibri" panose="020F0502020204030204" pitchFamily="34" charset="0"/>
+                        <a:cs typeface="Arial" panose="020B0604020202020204" pitchFamily="34" charset="0"/>
+                      </a:endParaRPr>
+                    </a:p>
+                  </a:txBody>
+                  <a:tcPr marL="68580" marR="68580" marT="0" marB="0">
+                    <a:lnL>
+                      <a:noFill/>
+                    </a:lnL>
+                    <a:lnR>
+                      <a:noFill/>
+                    </a:lnR>
+                    <a:lnT>
+                      <a:noFill/>
+                    </a:lnT>
+                    <a:lnB>
+                      <a:noFill/>
+                    </a:lnB>
+                    <a:solidFill>
+                      <a:srgbClr val="F9766D"/>
+                    </a:solidFill>
+                  </a:tcPr>
+                </a:tc>
+                <a:tc>
+                  <a:txBody>
+                    <a:bodyPr/>
+                    <a:lstStyle/>
+                    <a:p>
+                      <a:pPr algn="r">
+                        <a:lnSpc>
+                          <a:spcPct val="115000"/>
+                        </a:lnSpc>
+                        <a:spcAft>
+                          <a:spcPts val="0"/>
+                        </a:spcAft>
+                      </a:pPr>
+                      <a:r>
+                        <a:rPr lang="en-GB" sz="1400" dirty="0">
+                          <a:solidFill>
+                            <a:srgbClr val="000000"/>
+                          </a:solidFill>
+                          <a:effectLst/>
+                          <a:latin typeface="Arial" panose="020B0604020202020204" pitchFamily="34" charset="0"/>
+                          <a:ea typeface="Calibri" panose="020F0502020204030204" pitchFamily="34" charset="0"/>
+                          <a:cs typeface="Arial" panose="020B0604020202020204" pitchFamily="34" charset="0"/>
+                        </a:rPr>
+                        <a:t>3.15 ± 0.78</a:t>
+                      </a:r>
+                      <a:endParaRPr lang="en-AU" sz="1400" dirty="0">
+                        <a:solidFill>
+                          <a:srgbClr val="000000"/>
+                        </a:solidFill>
+                        <a:effectLst/>
+                        <a:latin typeface="Arial" panose="020B0604020202020204" pitchFamily="34" charset="0"/>
+                        <a:ea typeface="Calibri" panose="020F0502020204030204" pitchFamily="34" charset="0"/>
+                        <a:cs typeface="Arial" panose="020B0604020202020204" pitchFamily="34" charset="0"/>
+                      </a:endParaRPr>
+                    </a:p>
+                  </a:txBody>
+                  <a:tcPr marL="68580" marR="68580" marT="0" marB="0">
+                    <a:lnL>
+                      <a:noFill/>
+                    </a:lnL>
+                    <a:lnR>
+                      <a:noFill/>
+                    </a:lnR>
+                    <a:lnT w="12700" cap="flat" cmpd="sng" algn="ctr">
+                      <a:solidFill>
+                        <a:srgbClr val="000000"/>
+                      </a:solidFill>
+                      <a:prstDash val="solid"/>
+                      <a:round/>
+                      <a:headEnd type="none" w="med" len="med"/>
+                      <a:tailEnd type="none" w="med" len="med"/>
+                    </a:lnT>
+                    <a:lnB>
+                      <a:noFill/>
+                    </a:lnB>
+                    <a:solidFill>
+                      <a:srgbClr val="F9766D"/>
+                    </a:solidFill>
+                  </a:tcPr>
+                </a:tc>
+                <a:tc>
+                  <a:txBody>
+                    <a:bodyPr/>
+                    <a:lstStyle/>
+                    <a:p>
+                      <a:pPr algn="r">
+                        <a:lnSpc>
+                          <a:spcPct val="115000"/>
+                        </a:lnSpc>
+                        <a:spcAft>
+                          <a:spcPts val="0"/>
+                        </a:spcAft>
+                      </a:pPr>
+                      <a:r>
+                        <a:rPr lang="en-GB" sz="1400" dirty="0">
+                          <a:solidFill>
+                            <a:srgbClr val="000000"/>
+                          </a:solidFill>
+                          <a:effectLst/>
+                          <a:latin typeface="Arial" panose="020B0604020202020204" pitchFamily="34" charset="0"/>
+                          <a:ea typeface="Calibri" panose="020F0502020204030204" pitchFamily="34" charset="0"/>
+                          <a:cs typeface="Arial" panose="020B0604020202020204" pitchFamily="34" charset="0"/>
+                        </a:rPr>
+                        <a:t>3.61 ± 0.78*</a:t>
+                      </a:r>
+                      <a:endParaRPr lang="en-AU" sz="1400" dirty="0">
+                        <a:solidFill>
+                          <a:srgbClr val="000000"/>
+                        </a:solidFill>
+                        <a:effectLst/>
+                        <a:latin typeface="Arial" panose="020B0604020202020204" pitchFamily="34" charset="0"/>
+                        <a:ea typeface="Calibri" panose="020F0502020204030204" pitchFamily="34" charset="0"/>
+                        <a:cs typeface="Arial" panose="020B0604020202020204" pitchFamily="34" charset="0"/>
+                      </a:endParaRPr>
+                    </a:p>
+                  </a:txBody>
+                  <a:tcPr marL="68580" marR="68580" marT="0" marB="0">
+                    <a:lnL>
+                      <a:noFill/>
+                    </a:lnL>
+                    <a:lnR>
+                      <a:noFill/>
+                    </a:lnR>
+                    <a:lnT w="12700" cap="flat" cmpd="sng" algn="ctr">
+                      <a:solidFill>
+                        <a:srgbClr val="000000"/>
+                      </a:solidFill>
+                      <a:prstDash val="solid"/>
+                      <a:round/>
+                      <a:headEnd type="none" w="med" len="med"/>
+                      <a:tailEnd type="none" w="med" len="med"/>
+                    </a:lnT>
+                    <a:lnB>
+                      <a:noFill/>
+                    </a:lnB>
+                    <a:solidFill>
+                      <a:srgbClr val="F9766D"/>
+                    </a:solidFill>
+                  </a:tcPr>
+                </a:tc>
+                <a:tc>
+                  <a:txBody>
+                    <a:bodyPr/>
+                    <a:lstStyle/>
+                    <a:p>
+                      <a:pPr algn="r">
+                        <a:lnSpc>
+                          <a:spcPct val="115000"/>
+                        </a:lnSpc>
+                        <a:spcAft>
+                          <a:spcPts val="0"/>
+                        </a:spcAft>
+                      </a:pPr>
+                      <a:r>
+                        <a:rPr lang="en-GB" sz="1400" dirty="0">
+                          <a:solidFill>
+                            <a:srgbClr val="000000"/>
+                          </a:solidFill>
+                          <a:effectLst/>
+                          <a:latin typeface="Arial" panose="020B0604020202020204" pitchFamily="34" charset="0"/>
+                          <a:ea typeface="Calibri" panose="020F0502020204030204" pitchFamily="34" charset="0"/>
+                          <a:cs typeface="Arial" panose="020B0604020202020204" pitchFamily="34" charset="0"/>
+                        </a:rPr>
+                        <a:t> </a:t>
+                      </a:r>
+                      <a:endParaRPr lang="en-AU" sz="1400" dirty="0">
+                        <a:solidFill>
+                          <a:srgbClr val="000000"/>
+                        </a:solidFill>
+                        <a:effectLst/>
+                        <a:latin typeface="Arial" panose="020B0604020202020204" pitchFamily="34" charset="0"/>
+                        <a:ea typeface="Calibri" panose="020F0502020204030204" pitchFamily="34" charset="0"/>
+                        <a:cs typeface="Arial" panose="020B0604020202020204" pitchFamily="34" charset="0"/>
+                      </a:endParaRPr>
+                    </a:p>
+                  </a:txBody>
+                  <a:tcPr marL="68580" marR="68580" marT="0" marB="0">
+                    <a:lnL>
+                      <a:noFill/>
+                    </a:lnL>
+                    <a:lnR>
+                      <a:noFill/>
+                    </a:lnR>
+                    <a:lnT>
+                      <a:noFill/>
+                    </a:lnT>
+                    <a:lnB>
+                      <a:noFill/>
+                    </a:lnB>
+                  </a:tcPr>
+                </a:tc>
+                <a:tc>
+                  <a:txBody>
+                    <a:bodyPr/>
+                    <a:lstStyle/>
+                    <a:p>
+                      <a:pPr algn="ctr">
+                        <a:lnSpc>
+                          <a:spcPct val="115000"/>
+                        </a:lnSpc>
+                        <a:spcAft>
+                          <a:spcPts val="0"/>
+                        </a:spcAft>
+                      </a:pPr>
+                      <a:r>
+                        <a:rPr lang="en-GB" sz="1400" dirty="0">
+                          <a:solidFill>
+                            <a:srgbClr val="000000"/>
+                          </a:solidFill>
+                          <a:effectLst/>
+                          <a:latin typeface="Arial" panose="020B0604020202020204" pitchFamily="34" charset="0"/>
+                          <a:ea typeface="Calibri" panose="020F0502020204030204" pitchFamily="34" charset="0"/>
+                          <a:cs typeface="Arial" panose="020B0604020202020204" pitchFamily="34" charset="0"/>
+                        </a:rPr>
+                        <a:t>11.26</a:t>
+                      </a:r>
+                      <a:endParaRPr lang="en-AU" sz="1400" dirty="0">
+                        <a:solidFill>
+                          <a:srgbClr val="000000"/>
+                        </a:solidFill>
+                        <a:effectLst/>
+                        <a:latin typeface="Arial" panose="020B0604020202020204" pitchFamily="34" charset="0"/>
+                        <a:ea typeface="Calibri" panose="020F0502020204030204" pitchFamily="34" charset="0"/>
+                        <a:cs typeface="Arial" panose="020B0604020202020204" pitchFamily="34" charset="0"/>
+                      </a:endParaRPr>
+                    </a:p>
+                  </a:txBody>
+                  <a:tcPr marL="68580" marR="68580" marT="0" marB="0">
+                    <a:lnL>
+                      <a:noFill/>
+                    </a:lnL>
+                    <a:lnR>
+                      <a:noFill/>
+                    </a:lnR>
+                    <a:lnT w="12700" cap="flat" cmpd="sng" algn="ctr">
+                      <a:solidFill>
+                        <a:srgbClr val="000000"/>
+                      </a:solidFill>
+                      <a:prstDash val="solid"/>
+                      <a:round/>
+                      <a:headEnd type="none" w="med" len="med"/>
+                      <a:tailEnd type="none" w="med" len="med"/>
+                    </a:lnT>
+                    <a:lnB>
+                      <a:noFill/>
+                    </a:lnB>
+                  </a:tcPr>
+                </a:tc>
+                <a:tc>
+                  <a:txBody>
+                    <a:bodyPr/>
+                    <a:lstStyle/>
+                    <a:p>
+                      <a:pPr algn="ctr">
+                        <a:lnSpc>
+                          <a:spcPct val="115000"/>
+                        </a:lnSpc>
+                        <a:spcAft>
+                          <a:spcPts val="0"/>
+                        </a:spcAft>
+                      </a:pPr>
+                      <a:r>
+                        <a:rPr lang="en-GB" sz="1400" dirty="0">
+                          <a:solidFill>
+                            <a:srgbClr val="000000"/>
+                          </a:solidFill>
+                          <a:effectLst/>
+                          <a:latin typeface="Arial" panose="020B0604020202020204" pitchFamily="34" charset="0"/>
+                          <a:ea typeface="Calibri" panose="020F0502020204030204" pitchFamily="34" charset="0"/>
+                          <a:cs typeface="Arial" panose="020B0604020202020204" pitchFamily="34" charset="0"/>
+                        </a:rPr>
+                        <a:t>0.001</a:t>
+                      </a:r>
+                      <a:endParaRPr lang="en-AU" sz="1400" dirty="0">
+                        <a:solidFill>
+                          <a:srgbClr val="000000"/>
+                        </a:solidFill>
+                        <a:effectLst/>
+                        <a:latin typeface="Arial" panose="020B0604020202020204" pitchFamily="34" charset="0"/>
+                        <a:ea typeface="Calibri" panose="020F0502020204030204" pitchFamily="34" charset="0"/>
+                        <a:cs typeface="Arial" panose="020B0604020202020204" pitchFamily="34" charset="0"/>
+                      </a:endParaRPr>
+                    </a:p>
+                  </a:txBody>
+                  <a:tcPr marL="68580" marR="68580" marT="0" marB="0">
+                    <a:lnL>
+                      <a:noFill/>
+                    </a:lnL>
+                    <a:lnR>
+                      <a:noFill/>
+                    </a:lnR>
+                    <a:lnT w="12700" cap="flat" cmpd="sng" algn="ctr">
+                      <a:solidFill>
+                        <a:srgbClr val="000000"/>
+                      </a:solidFill>
+                      <a:prstDash val="solid"/>
+                      <a:round/>
+                      <a:headEnd type="none" w="med" len="med"/>
+                      <a:tailEnd type="none" w="med" len="med"/>
+                    </a:lnT>
+                    <a:lnB>
+                      <a:noFill/>
+                    </a:lnB>
+                  </a:tcPr>
+                </a:tc>
+                <a:extLst>
+                  <a:ext uri="{0D108BD9-81ED-4DB2-BD59-A6C34878D82A}">
+                    <a16:rowId xmlns:a16="http://schemas.microsoft.com/office/drawing/2014/main" val="2205204052"/>
+                  </a:ext>
+                </a:extLst>
+              </a:tr>
+              <a:tr h="194400">
+                <a:tc>
+                  <a:txBody>
+                    <a:bodyPr/>
+                    <a:lstStyle/>
+                    <a:p>
+                      <a:pPr>
+                        <a:lnSpc>
+                          <a:spcPct val="115000"/>
+                        </a:lnSpc>
+                        <a:spcAft>
+                          <a:spcPts val="0"/>
+                        </a:spcAft>
+                      </a:pPr>
+                      <a:r>
+                        <a:rPr lang="en-GB" sz="1400" dirty="0">
+                          <a:solidFill>
+                            <a:srgbClr val="000000"/>
+                          </a:solidFill>
+                          <a:effectLst/>
+                          <a:latin typeface="Arial" panose="020B0604020202020204" pitchFamily="34" charset="0"/>
+                          <a:ea typeface="Calibri" panose="020F0502020204030204" pitchFamily="34" charset="0"/>
+                          <a:cs typeface="Arial" panose="020B0604020202020204" pitchFamily="34" charset="0"/>
+                        </a:rPr>
+                        <a:t>Medial KJCF second peak (BW)</a:t>
+                      </a:r>
+                      <a:endParaRPr lang="en-AU" sz="1400" dirty="0">
+                        <a:solidFill>
+                          <a:srgbClr val="000000"/>
+                        </a:solidFill>
+                        <a:effectLst/>
+                        <a:latin typeface="Arial" panose="020B0604020202020204" pitchFamily="34" charset="0"/>
+                        <a:ea typeface="Calibri" panose="020F0502020204030204" pitchFamily="34" charset="0"/>
+                        <a:cs typeface="Arial" panose="020B0604020202020204" pitchFamily="34" charset="0"/>
+                      </a:endParaRPr>
+                    </a:p>
+                  </a:txBody>
+                  <a:tcPr marL="68580" marR="68580" marT="0" marB="0">
+                    <a:lnL>
+                      <a:noFill/>
+                    </a:lnL>
+                    <a:lnR>
+                      <a:noFill/>
+                    </a:lnR>
+                    <a:lnT>
+                      <a:noFill/>
+                    </a:lnT>
+                    <a:lnB>
+                      <a:noFill/>
+                    </a:lnB>
+                  </a:tcPr>
+                </a:tc>
+                <a:tc>
+                  <a:txBody>
+                    <a:bodyPr/>
+                    <a:lstStyle/>
+                    <a:p>
+                      <a:pPr>
+                        <a:lnSpc>
+                          <a:spcPct val="115000"/>
+                        </a:lnSpc>
+                        <a:spcAft>
+                          <a:spcPts val="0"/>
+                        </a:spcAft>
+                      </a:pPr>
+                      <a:r>
+                        <a:rPr lang="en-GB" sz="1400" dirty="0">
+                          <a:solidFill>
+                            <a:srgbClr val="000000"/>
+                          </a:solidFill>
+                          <a:effectLst/>
+                          <a:latin typeface="Arial" panose="020B0604020202020204" pitchFamily="34" charset="0"/>
+                          <a:ea typeface="Calibri" panose="020F0502020204030204" pitchFamily="34" charset="0"/>
+                          <a:cs typeface="Arial" panose="020B0604020202020204" pitchFamily="34" charset="0"/>
+                        </a:rPr>
+                        <a:t> </a:t>
+                      </a:r>
+                      <a:endParaRPr lang="en-AU" sz="1400" dirty="0">
+                        <a:solidFill>
+                          <a:srgbClr val="000000"/>
+                        </a:solidFill>
+                        <a:effectLst/>
+                        <a:latin typeface="Arial" panose="020B0604020202020204" pitchFamily="34" charset="0"/>
+                        <a:ea typeface="Calibri" panose="020F0502020204030204" pitchFamily="34" charset="0"/>
+                        <a:cs typeface="Arial" panose="020B0604020202020204" pitchFamily="34" charset="0"/>
+                      </a:endParaRPr>
+                    </a:p>
+                  </a:txBody>
+                  <a:tcPr marL="68580" marR="68580" marT="0" marB="0">
+                    <a:lnL>
+                      <a:noFill/>
+                    </a:lnL>
+                    <a:lnR>
+                      <a:noFill/>
+                    </a:lnR>
+                    <a:lnT>
+                      <a:noFill/>
+                    </a:lnT>
+                    <a:lnB>
+                      <a:noFill/>
+                    </a:lnB>
+                  </a:tcPr>
+                </a:tc>
+                <a:tc>
+                  <a:txBody>
+                    <a:bodyPr/>
+                    <a:lstStyle/>
+                    <a:p>
+                      <a:pPr algn="r">
+                        <a:lnSpc>
+                          <a:spcPct val="115000"/>
+                        </a:lnSpc>
+                        <a:spcAft>
+                          <a:spcPts val="0"/>
+                        </a:spcAft>
+                      </a:pPr>
+                      <a:r>
+                        <a:rPr lang="en-GB" sz="1400" dirty="0">
+                          <a:solidFill>
+                            <a:srgbClr val="000000"/>
+                          </a:solidFill>
+                          <a:effectLst/>
+                          <a:latin typeface="Arial" panose="020B0604020202020204" pitchFamily="34" charset="0"/>
+                          <a:ea typeface="Calibri" panose="020F0502020204030204" pitchFamily="34" charset="0"/>
+                          <a:cs typeface="Arial" panose="020B0604020202020204" pitchFamily="34" charset="0"/>
+                        </a:rPr>
+                        <a:t>2.49 ± 1.03</a:t>
+                      </a:r>
+                      <a:endParaRPr lang="en-AU" sz="1400" dirty="0">
+                        <a:solidFill>
+                          <a:srgbClr val="000000"/>
+                        </a:solidFill>
+                        <a:effectLst/>
+                        <a:latin typeface="Arial" panose="020B0604020202020204" pitchFamily="34" charset="0"/>
+                        <a:ea typeface="Calibri" panose="020F0502020204030204" pitchFamily="34" charset="0"/>
+                        <a:cs typeface="Arial" panose="020B0604020202020204" pitchFamily="34" charset="0"/>
+                      </a:endParaRPr>
+                    </a:p>
+                  </a:txBody>
+                  <a:tcPr marL="68580" marR="68580" marT="0" marB="0">
+                    <a:lnL>
+                      <a:noFill/>
+                    </a:lnL>
+                    <a:lnR>
+                      <a:noFill/>
+                    </a:lnR>
+                    <a:lnT>
+                      <a:noFill/>
+                    </a:lnT>
+                    <a:lnB>
+                      <a:noFill/>
+                    </a:lnB>
+                  </a:tcPr>
+                </a:tc>
+                <a:tc>
+                  <a:txBody>
+                    <a:bodyPr/>
+                    <a:lstStyle/>
+                    <a:p>
+                      <a:pPr algn="r">
+                        <a:lnSpc>
+                          <a:spcPct val="115000"/>
+                        </a:lnSpc>
+                        <a:spcAft>
+                          <a:spcPts val="0"/>
+                        </a:spcAft>
+                      </a:pPr>
+                      <a:r>
+                        <a:rPr lang="en-GB" sz="1400" dirty="0">
+                          <a:solidFill>
+                            <a:srgbClr val="000000"/>
+                          </a:solidFill>
+                          <a:effectLst/>
+                          <a:latin typeface="Arial" panose="020B0604020202020204" pitchFamily="34" charset="0"/>
+                          <a:ea typeface="Calibri" panose="020F0502020204030204" pitchFamily="34" charset="0"/>
+                          <a:cs typeface="Arial" panose="020B0604020202020204" pitchFamily="34" charset="0"/>
+                        </a:rPr>
+                        <a:t>2.24 ± 1.05</a:t>
+                      </a:r>
+                      <a:endParaRPr lang="en-AU" sz="1400" dirty="0">
+                        <a:solidFill>
+                          <a:srgbClr val="000000"/>
+                        </a:solidFill>
+                        <a:effectLst/>
+                        <a:latin typeface="Arial" panose="020B0604020202020204" pitchFamily="34" charset="0"/>
+                        <a:ea typeface="Calibri" panose="020F0502020204030204" pitchFamily="34" charset="0"/>
+                        <a:cs typeface="Arial" panose="020B0604020202020204" pitchFamily="34" charset="0"/>
+                      </a:endParaRPr>
+                    </a:p>
+                  </a:txBody>
+                  <a:tcPr marL="68580" marR="68580" marT="0" marB="0">
+                    <a:lnL>
+                      <a:noFill/>
+                    </a:lnL>
+                    <a:lnR>
+                      <a:noFill/>
+                    </a:lnR>
+                    <a:lnT>
+                      <a:noFill/>
+                    </a:lnT>
+                    <a:lnB>
+                      <a:noFill/>
+                    </a:lnB>
+                  </a:tcPr>
+                </a:tc>
+                <a:tc>
+                  <a:txBody>
+                    <a:bodyPr/>
+                    <a:lstStyle/>
+                    <a:p>
+                      <a:pPr algn="r">
+                        <a:lnSpc>
+                          <a:spcPct val="115000"/>
+                        </a:lnSpc>
+                        <a:spcAft>
+                          <a:spcPts val="0"/>
+                        </a:spcAft>
+                      </a:pPr>
+                      <a:r>
+                        <a:rPr lang="en-GB" sz="1400" dirty="0">
+                          <a:solidFill>
+                            <a:srgbClr val="000000"/>
+                          </a:solidFill>
+                          <a:effectLst/>
+                          <a:latin typeface="Arial" panose="020B0604020202020204" pitchFamily="34" charset="0"/>
+                          <a:ea typeface="Calibri" panose="020F0502020204030204" pitchFamily="34" charset="0"/>
+                          <a:cs typeface="Arial" panose="020B0604020202020204" pitchFamily="34" charset="0"/>
+                        </a:rPr>
+                        <a:t> </a:t>
+                      </a:r>
+                      <a:endParaRPr lang="en-AU" sz="1400" dirty="0">
+                        <a:solidFill>
+                          <a:srgbClr val="000000"/>
+                        </a:solidFill>
+                        <a:effectLst/>
+                        <a:latin typeface="Arial" panose="020B0604020202020204" pitchFamily="34" charset="0"/>
+                        <a:ea typeface="Calibri" panose="020F0502020204030204" pitchFamily="34" charset="0"/>
+                        <a:cs typeface="Arial" panose="020B0604020202020204" pitchFamily="34" charset="0"/>
+                      </a:endParaRPr>
+                    </a:p>
+                  </a:txBody>
+                  <a:tcPr marL="68580" marR="68580" marT="0" marB="0">
+                    <a:lnL>
+                      <a:noFill/>
+                    </a:lnL>
+                    <a:lnR>
+                      <a:noFill/>
+                    </a:lnR>
+                    <a:lnT>
+                      <a:noFill/>
+                    </a:lnT>
+                    <a:lnB>
+                      <a:noFill/>
+                    </a:lnB>
+                  </a:tcPr>
+                </a:tc>
+                <a:tc>
+                  <a:txBody>
+                    <a:bodyPr/>
+                    <a:lstStyle/>
+                    <a:p>
+                      <a:pPr algn="ctr">
+                        <a:lnSpc>
+                          <a:spcPct val="115000"/>
+                        </a:lnSpc>
+                        <a:spcAft>
+                          <a:spcPts val="0"/>
+                        </a:spcAft>
+                      </a:pPr>
+                      <a:r>
+                        <a:rPr lang="en-GB" sz="1400" dirty="0">
+                          <a:solidFill>
+                            <a:srgbClr val="000000"/>
+                          </a:solidFill>
+                          <a:effectLst/>
+                          <a:latin typeface="Arial" panose="020B0604020202020204" pitchFamily="34" charset="0"/>
+                          <a:ea typeface="Calibri" panose="020F0502020204030204" pitchFamily="34" charset="0"/>
+                          <a:cs typeface="Arial" panose="020B0604020202020204" pitchFamily="34" charset="0"/>
+                        </a:rPr>
+                        <a:t>1.72</a:t>
+                      </a:r>
+                      <a:endParaRPr lang="en-AU" sz="1400" dirty="0">
+                        <a:solidFill>
+                          <a:srgbClr val="000000"/>
+                        </a:solidFill>
+                        <a:effectLst/>
+                        <a:latin typeface="Arial" panose="020B0604020202020204" pitchFamily="34" charset="0"/>
+                        <a:ea typeface="Calibri" panose="020F0502020204030204" pitchFamily="34" charset="0"/>
+                        <a:cs typeface="Arial" panose="020B0604020202020204" pitchFamily="34" charset="0"/>
+                      </a:endParaRPr>
+                    </a:p>
+                  </a:txBody>
+                  <a:tcPr marL="68580" marR="68580" marT="0" marB="0">
+                    <a:lnL>
+                      <a:noFill/>
+                    </a:lnL>
+                    <a:lnR>
+                      <a:noFill/>
+                    </a:lnR>
+                    <a:lnT>
+                      <a:noFill/>
+                    </a:lnT>
+                    <a:lnB>
+                      <a:noFill/>
+                    </a:lnB>
+                  </a:tcPr>
+                </a:tc>
+                <a:tc>
+                  <a:txBody>
+                    <a:bodyPr/>
+                    <a:lstStyle/>
+                    <a:p>
+                      <a:pPr algn="ctr">
+                        <a:lnSpc>
+                          <a:spcPct val="115000"/>
+                        </a:lnSpc>
+                        <a:spcAft>
+                          <a:spcPts val="0"/>
+                        </a:spcAft>
+                      </a:pPr>
+                      <a:r>
+                        <a:rPr lang="en-GB" sz="1400" dirty="0">
+                          <a:solidFill>
+                            <a:srgbClr val="000000"/>
+                          </a:solidFill>
+                          <a:effectLst/>
+                          <a:latin typeface="Arial" panose="020B0604020202020204" pitchFamily="34" charset="0"/>
+                          <a:ea typeface="Calibri" panose="020F0502020204030204" pitchFamily="34" charset="0"/>
+                          <a:cs typeface="Arial" panose="020B0604020202020204" pitchFamily="34" charset="0"/>
+                        </a:rPr>
+                        <a:t>0.192</a:t>
+                      </a:r>
+                      <a:endParaRPr lang="en-AU" sz="1400" dirty="0">
+                        <a:solidFill>
+                          <a:srgbClr val="000000"/>
+                        </a:solidFill>
+                        <a:effectLst/>
+                        <a:latin typeface="Arial" panose="020B0604020202020204" pitchFamily="34" charset="0"/>
+                        <a:ea typeface="Calibri" panose="020F0502020204030204" pitchFamily="34" charset="0"/>
+                        <a:cs typeface="Arial" panose="020B0604020202020204" pitchFamily="34" charset="0"/>
+                      </a:endParaRPr>
+                    </a:p>
+                  </a:txBody>
+                  <a:tcPr marL="68580" marR="68580" marT="0" marB="0">
+                    <a:lnL>
+                      <a:noFill/>
+                    </a:lnL>
+                    <a:lnR>
+                      <a:noFill/>
+                    </a:lnR>
+                    <a:lnT>
+                      <a:noFill/>
+                    </a:lnT>
+                    <a:lnB>
+                      <a:noFill/>
+                    </a:lnB>
+                  </a:tcPr>
+                </a:tc>
+                <a:extLst>
+                  <a:ext uri="{0D108BD9-81ED-4DB2-BD59-A6C34878D82A}">
+                    <a16:rowId xmlns:a16="http://schemas.microsoft.com/office/drawing/2014/main" val="1725770089"/>
+                  </a:ext>
+                </a:extLst>
+              </a:tr>
+              <a:tr h="192786">
+                <a:tc>
+                  <a:txBody>
+                    <a:bodyPr/>
+                    <a:lstStyle/>
+                    <a:p>
+                      <a:pPr>
+                        <a:lnSpc>
+                          <a:spcPct val="115000"/>
+                        </a:lnSpc>
+                        <a:spcAft>
+                          <a:spcPts val="0"/>
+                        </a:spcAft>
+                      </a:pPr>
+                      <a:r>
+                        <a:rPr lang="en-GB" sz="1400" dirty="0">
+                          <a:solidFill>
+                            <a:srgbClr val="000000"/>
+                          </a:solidFill>
+                          <a:effectLst/>
+                          <a:latin typeface="Arial" panose="020B0604020202020204" pitchFamily="34" charset="0"/>
+                          <a:ea typeface="Calibri" panose="020F0502020204030204" pitchFamily="34" charset="0"/>
+                          <a:cs typeface="Arial" panose="020B0604020202020204" pitchFamily="34" charset="0"/>
+                        </a:rPr>
+                        <a:t>Lateral KJCF peak (BW)</a:t>
+                      </a:r>
+                      <a:endParaRPr lang="en-AU" sz="1400" dirty="0">
+                        <a:solidFill>
+                          <a:srgbClr val="000000"/>
+                        </a:solidFill>
+                        <a:effectLst/>
+                        <a:latin typeface="Arial" panose="020B0604020202020204" pitchFamily="34" charset="0"/>
+                        <a:ea typeface="Calibri" panose="020F0502020204030204" pitchFamily="34" charset="0"/>
+                        <a:cs typeface="Arial" panose="020B0604020202020204" pitchFamily="34" charset="0"/>
+                      </a:endParaRPr>
+                    </a:p>
+                  </a:txBody>
+                  <a:tcPr marL="68580" marR="68580" marT="0" marB="0">
+                    <a:lnL>
+                      <a:noFill/>
+                    </a:lnL>
+                    <a:lnR>
+                      <a:noFill/>
+                    </a:lnR>
+                    <a:lnT>
+                      <a:noFill/>
+                    </a:lnT>
+                    <a:lnB>
+                      <a:noFill/>
+                    </a:lnB>
+                  </a:tcPr>
+                </a:tc>
+                <a:tc>
+                  <a:txBody>
+                    <a:bodyPr/>
+                    <a:lstStyle/>
+                    <a:p>
+                      <a:pPr>
+                        <a:lnSpc>
+                          <a:spcPct val="115000"/>
+                        </a:lnSpc>
+                        <a:spcAft>
+                          <a:spcPts val="0"/>
+                        </a:spcAft>
+                      </a:pPr>
+                      <a:r>
+                        <a:rPr lang="en-GB" sz="1400" dirty="0">
+                          <a:solidFill>
+                            <a:srgbClr val="000000"/>
+                          </a:solidFill>
+                          <a:effectLst/>
+                          <a:latin typeface="Arial" panose="020B0604020202020204" pitchFamily="34" charset="0"/>
+                          <a:ea typeface="Calibri" panose="020F0502020204030204" pitchFamily="34" charset="0"/>
+                          <a:cs typeface="Arial" panose="020B0604020202020204" pitchFamily="34" charset="0"/>
+                        </a:rPr>
+                        <a:t> </a:t>
+                      </a:r>
+                      <a:endParaRPr lang="en-AU" sz="1400" dirty="0">
+                        <a:solidFill>
+                          <a:srgbClr val="000000"/>
+                        </a:solidFill>
+                        <a:effectLst/>
+                        <a:latin typeface="Arial" panose="020B0604020202020204" pitchFamily="34" charset="0"/>
+                        <a:ea typeface="Calibri" panose="020F0502020204030204" pitchFamily="34" charset="0"/>
+                        <a:cs typeface="Arial" panose="020B0604020202020204" pitchFamily="34" charset="0"/>
+                      </a:endParaRPr>
+                    </a:p>
+                  </a:txBody>
+                  <a:tcPr marL="68580" marR="68580" marT="0" marB="0">
+                    <a:lnL>
+                      <a:noFill/>
+                    </a:lnL>
+                    <a:lnR>
+                      <a:noFill/>
+                    </a:lnR>
+                    <a:lnT>
+                      <a:noFill/>
+                    </a:lnT>
+                    <a:lnB>
+                      <a:noFill/>
+                    </a:lnB>
+                  </a:tcPr>
+                </a:tc>
+                <a:tc>
+                  <a:txBody>
+                    <a:bodyPr/>
+                    <a:lstStyle/>
+                    <a:p>
+                      <a:pPr algn="r">
+                        <a:lnSpc>
+                          <a:spcPct val="115000"/>
+                        </a:lnSpc>
+                        <a:spcAft>
+                          <a:spcPts val="0"/>
+                        </a:spcAft>
+                      </a:pPr>
+                      <a:r>
+                        <a:rPr lang="en-GB" sz="1400">
+                          <a:solidFill>
+                            <a:srgbClr val="000000"/>
+                          </a:solidFill>
+                          <a:effectLst/>
+                          <a:latin typeface="Arial" panose="020B0604020202020204" pitchFamily="34" charset="0"/>
+                          <a:ea typeface="Calibri" panose="020F0502020204030204" pitchFamily="34" charset="0"/>
+                          <a:cs typeface="Arial" panose="020B0604020202020204" pitchFamily="34" charset="0"/>
+                        </a:rPr>
+                        <a:t>2.57 ± 0.92</a:t>
+                      </a:r>
+                      <a:endParaRPr lang="en-AU" sz="1400">
+                        <a:solidFill>
+                          <a:srgbClr val="000000"/>
+                        </a:solidFill>
+                        <a:effectLst/>
+                        <a:latin typeface="Arial" panose="020B0604020202020204" pitchFamily="34" charset="0"/>
+                        <a:ea typeface="Calibri" panose="020F0502020204030204" pitchFamily="34" charset="0"/>
+                        <a:cs typeface="Arial" panose="020B0604020202020204" pitchFamily="34" charset="0"/>
+                      </a:endParaRPr>
+                    </a:p>
+                  </a:txBody>
+                  <a:tcPr marL="68580" marR="68580" marT="0" marB="0">
+                    <a:lnL>
+                      <a:noFill/>
+                    </a:lnL>
+                    <a:lnR>
+                      <a:noFill/>
+                    </a:lnR>
+                    <a:lnT>
+                      <a:noFill/>
+                    </a:lnT>
+                    <a:lnB>
+                      <a:noFill/>
+                    </a:lnB>
+                  </a:tcPr>
+                </a:tc>
+                <a:tc>
+                  <a:txBody>
+                    <a:bodyPr/>
+                    <a:lstStyle/>
+                    <a:p>
+                      <a:pPr algn="r">
+                        <a:lnSpc>
+                          <a:spcPct val="115000"/>
+                        </a:lnSpc>
+                        <a:spcAft>
+                          <a:spcPts val="0"/>
+                        </a:spcAft>
+                      </a:pPr>
+                      <a:r>
+                        <a:rPr lang="en-GB" sz="1400" dirty="0">
+                          <a:solidFill>
+                            <a:srgbClr val="000000"/>
+                          </a:solidFill>
+                          <a:effectLst/>
+                          <a:latin typeface="Arial" panose="020B0604020202020204" pitchFamily="34" charset="0"/>
+                          <a:ea typeface="Calibri" panose="020F0502020204030204" pitchFamily="34" charset="0"/>
+                          <a:cs typeface="Arial" panose="020B0604020202020204" pitchFamily="34" charset="0"/>
+                        </a:rPr>
+                        <a:t>2.56 ± 0.84</a:t>
+                      </a:r>
+                      <a:endParaRPr lang="en-AU" sz="1400" dirty="0">
+                        <a:solidFill>
+                          <a:srgbClr val="000000"/>
+                        </a:solidFill>
+                        <a:effectLst/>
+                        <a:latin typeface="Arial" panose="020B0604020202020204" pitchFamily="34" charset="0"/>
+                        <a:ea typeface="Calibri" panose="020F0502020204030204" pitchFamily="34" charset="0"/>
+                        <a:cs typeface="Arial" panose="020B0604020202020204" pitchFamily="34" charset="0"/>
+                      </a:endParaRPr>
+                    </a:p>
+                  </a:txBody>
+                  <a:tcPr marL="68580" marR="68580" marT="0" marB="0">
+                    <a:lnL>
+                      <a:noFill/>
+                    </a:lnL>
+                    <a:lnR>
+                      <a:noFill/>
+                    </a:lnR>
+                    <a:lnT>
+                      <a:noFill/>
+                    </a:lnT>
+                    <a:lnB>
+                      <a:noFill/>
+                    </a:lnB>
+                  </a:tcPr>
+                </a:tc>
+                <a:tc>
+                  <a:txBody>
+                    <a:bodyPr/>
+                    <a:lstStyle/>
+                    <a:p>
+                      <a:pPr algn="r">
+                        <a:lnSpc>
+                          <a:spcPct val="115000"/>
+                        </a:lnSpc>
+                        <a:spcAft>
+                          <a:spcPts val="0"/>
+                        </a:spcAft>
+                      </a:pPr>
+                      <a:r>
+                        <a:rPr lang="en-GB" sz="1400" dirty="0">
+                          <a:solidFill>
+                            <a:srgbClr val="000000"/>
+                          </a:solidFill>
+                          <a:effectLst/>
+                          <a:latin typeface="Arial" panose="020B0604020202020204" pitchFamily="34" charset="0"/>
+                          <a:ea typeface="Calibri" panose="020F0502020204030204" pitchFamily="34" charset="0"/>
+                          <a:cs typeface="Arial" panose="020B0604020202020204" pitchFamily="34" charset="0"/>
+                        </a:rPr>
+                        <a:t> </a:t>
+                      </a:r>
+                      <a:endParaRPr lang="en-AU" sz="1400" dirty="0">
+                        <a:solidFill>
+                          <a:srgbClr val="000000"/>
+                        </a:solidFill>
+                        <a:effectLst/>
+                        <a:latin typeface="Arial" panose="020B0604020202020204" pitchFamily="34" charset="0"/>
+                        <a:ea typeface="Calibri" panose="020F0502020204030204" pitchFamily="34" charset="0"/>
+                        <a:cs typeface="Arial" panose="020B0604020202020204" pitchFamily="34" charset="0"/>
+                      </a:endParaRPr>
+                    </a:p>
+                  </a:txBody>
+                  <a:tcPr marL="68580" marR="68580" marT="0" marB="0">
+                    <a:lnL>
+                      <a:noFill/>
+                    </a:lnL>
+                    <a:lnR>
+                      <a:noFill/>
+                    </a:lnR>
+                    <a:lnT>
+                      <a:noFill/>
+                    </a:lnT>
+                    <a:lnB>
+                      <a:noFill/>
+                    </a:lnB>
+                  </a:tcPr>
+                </a:tc>
+                <a:tc>
+                  <a:txBody>
+                    <a:bodyPr/>
+                    <a:lstStyle/>
+                    <a:p>
+                      <a:pPr algn="ctr">
+                        <a:lnSpc>
+                          <a:spcPct val="115000"/>
+                        </a:lnSpc>
+                        <a:spcAft>
+                          <a:spcPts val="0"/>
+                        </a:spcAft>
+                      </a:pPr>
+                      <a:r>
+                        <a:rPr lang="en-GB" sz="1400" dirty="0">
+                          <a:solidFill>
+                            <a:srgbClr val="000000"/>
+                          </a:solidFill>
+                          <a:effectLst/>
+                          <a:latin typeface="Arial" panose="020B0604020202020204" pitchFamily="34" charset="0"/>
+                          <a:ea typeface="Calibri" panose="020F0502020204030204" pitchFamily="34" charset="0"/>
+                          <a:cs typeface="Arial" panose="020B0604020202020204" pitchFamily="34" charset="0"/>
+                        </a:rPr>
+                        <a:t>0.01</a:t>
+                      </a:r>
+                      <a:endParaRPr lang="en-AU" sz="1400" dirty="0">
+                        <a:solidFill>
+                          <a:srgbClr val="000000"/>
+                        </a:solidFill>
+                        <a:effectLst/>
+                        <a:latin typeface="Arial" panose="020B0604020202020204" pitchFamily="34" charset="0"/>
+                        <a:ea typeface="Calibri" panose="020F0502020204030204" pitchFamily="34" charset="0"/>
+                        <a:cs typeface="Arial" panose="020B0604020202020204" pitchFamily="34" charset="0"/>
+                      </a:endParaRPr>
+                    </a:p>
+                  </a:txBody>
+                  <a:tcPr marL="68580" marR="68580" marT="0" marB="0">
+                    <a:lnL>
+                      <a:noFill/>
+                    </a:lnL>
+                    <a:lnR>
+                      <a:noFill/>
+                    </a:lnR>
+                    <a:lnT>
+                      <a:noFill/>
+                    </a:lnT>
+                    <a:lnB>
+                      <a:noFill/>
+                    </a:lnB>
+                  </a:tcPr>
+                </a:tc>
+                <a:tc>
+                  <a:txBody>
+                    <a:bodyPr/>
+                    <a:lstStyle/>
+                    <a:p>
+                      <a:pPr algn="ctr">
+                        <a:lnSpc>
+                          <a:spcPct val="115000"/>
+                        </a:lnSpc>
+                        <a:spcAft>
+                          <a:spcPts val="0"/>
+                        </a:spcAft>
+                      </a:pPr>
+                      <a:r>
+                        <a:rPr lang="en-GB" sz="1400" dirty="0">
+                          <a:solidFill>
+                            <a:srgbClr val="000000"/>
+                          </a:solidFill>
+                          <a:effectLst/>
+                          <a:latin typeface="Arial" panose="020B0604020202020204" pitchFamily="34" charset="0"/>
+                          <a:ea typeface="Calibri" panose="020F0502020204030204" pitchFamily="34" charset="0"/>
+                          <a:cs typeface="Arial" panose="020B0604020202020204" pitchFamily="34" charset="0"/>
+                        </a:rPr>
+                        <a:t>0.934</a:t>
+                      </a:r>
+                      <a:endParaRPr lang="en-AU" sz="1400" dirty="0">
+                        <a:solidFill>
+                          <a:srgbClr val="000000"/>
+                        </a:solidFill>
+                        <a:effectLst/>
+                        <a:latin typeface="Arial" panose="020B0604020202020204" pitchFamily="34" charset="0"/>
+                        <a:ea typeface="Calibri" panose="020F0502020204030204" pitchFamily="34" charset="0"/>
+                        <a:cs typeface="Arial" panose="020B0604020202020204" pitchFamily="34" charset="0"/>
+                      </a:endParaRPr>
+                    </a:p>
+                  </a:txBody>
+                  <a:tcPr marL="68580" marR="68580" marT="0" marB="0">
+                    <a:lnL>
+                      <a:noFill/>
+                    </a:lnL>
+                    <a:lnR>
+                      <a:noFill/>
+                    </a:lnR>
+                    <a:lnT>
+                      <a:noFill/>
+                    </a:lnT>
+                    <a:lnB>
+                      <a:noFill/>
+                    </a:lnB>
+                  </a:tcPr>
+                </a:tc>
+                <a:extLst>
+                  <a:ext uri="{0D108BD9-81ED-4DB2-BD59-A6C34878D82A}">
+                    <a16:rowId xmlns:a16="http://schemas.microsoft.com/office/drawing/2014/main" val="2382716901"/>
+                  </a:ext>
+                </a:extLst>
+              </a:tr>
+              <a:tr h="192786">
+                <a:tc>
+                  <a:txBody>
+                    <a:bodyPr/>
+                    <a:lstStyle/>
+                    <a:p>
+                      <a:pPr>
+                        <a:lnSpc>
+                          <a:spcPct val="115000"/>
+                        </a:lnSpc>
+                        <a:spcAft>
+                          <a:spcPts val="0"/>
+                        </a:spcAft>
+                      </a:pPr>
+                      <a:r>
+                        <a:rPr lang="en-GB" sz="1400" dirty="0">
+                          <a:solidFill>
+                            <a:srgbClr val="000000"/>
+                          </a:solidFill>
+                          <a:effectLst/>
+                          <a:latin typeface="Arial" panose="020B0604020202020204" pitchFamily="34" charset="0"/>
+                          <a:ea typeface="Calibri" panose="020F0502020204030204" pitchFamily="34" charset="0"/>
+                          <a:cs typeface="Arial" panose="020B0604020202020204" pitchFamily="34" charset="0"/>
+                        </a:rPr>
+                        <a:t>Total KJCF first peak (BW)</a:t>
+                      </a:r>
+                      <a:endParaRPr lang="en-AU" sz="1400" dirty="0">
+                        <a:solidFill>
+                          <a:srgbClr val="000000"/>
+                        </a:solidFill>
+                        <a:effectLst/>
+                        <a:latin typeface="Arial" panose="020B0604020202020204" pitchFamily="34" charset="0"/>
+                        <a:ea typeface="Calibri" panose="020F0502020204030204" pitchFamily="34" charset="0"/>
+                        <a:cs typeface="Arial" panose="020B0604020202020204" pitchFamily="34" charset="0"/>
+                      </a:endParaRPr>
+                    </a:p>
+                  </a:txBody>
+                  <a:tcPr marL="68580" marR="68580" marT="0" marB="0">
+                    <a:lnL>
+                      <a:noFill/>
+                    </a:lnL>
+                    <a:lnR>
+                      <a:noFill/>
+                    </a:lnR>
+                    <a:lnT>
+                      <a:noFill/>
+                    </a:lnT>
+                    <a:lnB>
+                      <a:noFill/>
+                    </a:lnB>
+                    <a:solidFill>
+                      <a:srgbClr val="F9766D"/>
+                    </a:solidFill>
+                  </a:tcPr>
+                </a:tc>
+                <a:tc>
+                  <a:txBody>
+                    <a:bodyPr/>
+                    <a:lstStyle/>
+                    <a:p>
+                      <a:pPr>
+                        <a:lnSpc>
+                          <a:spcPct val="115000"/>
+                        </a:lnSpc>
+                        <a:spcAft>
+                          <a:spcPts val="0"/>
+                        </a:spcAft>
+                      </a:pPr>
+                      <a:r>
+                        <a:rPr lang="en-GB" sz="1400">
+                          <a:solidFill>
+                            <a:srgbClr val="000000"/>
+                          </a:solidFill>
+                          <a:effectLst/>
+                          <a:latin typeface="Arial" panose="020B0604020202020204" pitchFamily="34" charset="0"/>
+                          <a:ea typeface="Calibri" panose="020F0502020204030204" pitchFamily="34" charset="0"/>
+                          <a:cs typeface="Arial" panose="020B0604020202020204" pitchFamily="34" charset="0"/>
+                        </a:rPr>
+                        <a:t> </a:t>
+                      </a:r>
+                      <a:endParaRPr lang="en-AU" sz="1400">
+                        <a:solidFill>
+                          <a:srgbClr val="000000"/>
+                        </a:solidFill>
+                        <a:effectLst/>
+                        <a:latin typeface="Arial" panose="020B0604020202020204" pitchFamily="34" charset="0"/>
+                        <a:ea typeface="Calibri" panose="020F0502020204030204" pitchFamily="34" charset="0"/>
+                        <a:cs typeface="Arial" panose="020B0604020202020204" pitchFamily="34" charset="0"/>
+                      </a:endParaRPr>
+                    </a:p>
+                  </a:txBody>
+                  <a:tcPr marL="68580" marR="68580" marT="0" marB="0">
+                    <a:lnL>
+                      <a:noFill/>
+                    </a:lnL>
+                    <a:lnR>
+                      <a:noFill/>
+                    </a:lnR>
+                    <a:lnT>
+                      <a:noFill/>
+                    </a:lnT>
+                    <a:lnB>
+                      <a:noFill/>
+                    </a:lnB>
+                    <a:solidFill>
+                      <a:srgbClr val="F9766D"/>
+                    </a:solidFill>
+                  </a:tcPr>
+                </a:tc>
+                <a:tc>
+                  <a:txBody>
+                    <a:bodyPr/>
+                    <a:lstStyle/>
+                    <a:p>
+                      <a:pPr algn="r">
+                        <a:lnSpc>
+                          <a:spcPct val="115000"/>
+                        </a:lnSpc>
+                        <a:spcAft>
+                          <a:spcPts val="0"/>
+                        </a:spcAft>
+                      </a:pPr>
+                      <a:r>
+                        <a:rPr lang="en-GB" sz="1400">
+                          <a:solidFill>
+                            <a:srgbClr val="000000"/>
+                          </a:solidFill>
+                          <a:effectLst/>
+                          <a:latin typeface="Arial" panose="020B0604020202020204" pitchFamily="34" charset="0"/>
+                          <a:ea typeface="Calibri" panose="020F0502020204030204" pitchFamily="34" charset="0"/>
+                          <a:cs typeface="Arial" panose="020B0604020202020204" pitchFamily="34" charset="0"/>
+                        </a:rPr>
+                        <a:t>3.75 ± 0.96</a:t>
+                      </a:r>
+                      <a:endParaRPr lang="en-AU" sz="1400">
+                        <a:solidFill>
+                          <a:srgbClr val="000000"/>
+                        </a:solidFill>
+                        <a:effectLst/>
+                        <a:latin typeface="Arial" panose="020B0604020202020204" pitchFamily="34" charset="0"/>
+                        <a:ea typeface="Calibri" panose="020F0502020204030204" pitchFamily="34" charset="0"/>
+                        <a:cs typeface="Arial" panose="020B0604020202020204" pitchFamily="34" charset="0"/>
+                      </a:endParaRPr>
+                    </a:p>
+                  </a:txBody>
+                  <a:tcPr marL="68580" marR="68580" marT="0" marB="0">
+                    <a:lnL>
+                      <a:noFill/>
+                    </a:lnL>
+                    <a:lnR>
+                      <a:noFill/>
+                    </a:lnR>
+                    <a:lnT>
+                      <a:noFill/>
+                    </a:lnT>
+                    <a:lnB>
+                      <a:noFill/>
+                    </a:lnB>
+                    <a:solidFill>
+                      <a:srgbClr val="F9766D"/>
+                    </a:solidFill>
+                  </a:tcPr>
+                </a:tc>
+                <a:tc>
+                  <a:txBody>
+                    <a:bodyPr/>
+                    <a:lstStyle/>
+                    <a:p>
+                      <a:pPr algn="r">
+                        <a:lnSpc>
+                          <a:spcPct val="115000"/>
+                        </a:lnSpc>
+                        <a:spcAft>
+                          <a:spcPts val="0"/>
+                        </a:spcAft>
+                      </a:pPr>
+                      <a:r>
+                        <a:rPr lang="en-GB" sz="1400" dirty="0">
+                          <a:solidFill>
+                            <a:srgbClr val="000000"/>
+                          </a:solidFill>
+                          <a:effectLst/>
+                          <a:latin typeface="Arial" panose="020B0604020202020204" pitchFamily="34" charset="0"/>
+                          <a:ea typeface="Calibri" panose="020F0502020204030204" pitchFamily="34" charset="0"/>
+                          <a:cs typeface="Arial" panose="020B0604020202020204" pitchFamily="34" charset="0"/>
+                        </a:rPr>
+                        <a:t>4.33 ± 1.10*</a:t>
+                      </a:r>
+                      <a:endParaRPr lang="en-AU" sz="1400" dirty="0">
+                        <a:solidFill>
+                          <a:srgbClr val="000000"/>
+                        </a:solidFill>
+                        <a:effectLst/>
+                        <a:latin typeface="Arial" panose="020B0604020202020204" pitchFamily="34" charset="0"/>
+                        <a:ea typeface="Calibri" panose="020F0502020204030204" pitchFamily="34" charset="0"/>
+                        <a:cs typeface="Arial" panose="020B0604020202020204" pitchFamily="34" charset="0"/>
+                      </a:endParaRPr>
+                    </a:p>
+                  </a:txBody>
+                  <a:tcPr marL="68580" marR="68580" marT="0" marB="0">
+                    <a:lnL>
+                      <a:noFill/>
+                    </a:lnL>
+                    <a:lnR>
+                      <a:noFill/>
+                    </a:lnR>
+                    <a:lnT>
+                      <a:noFill/>
+                    </a:lnT>
+                    <a:lnB>
+                      <a:noFill/>
+                    </a:lnB>
+                    <a:solidFill>
+                      <a:srgbClr val="F9766D"/>
+                    </a:solidFill>
+                  </a:tcPr>
+                </a:tc>
+                <a:tc>
+                  <a:txBody>
+                    <a:bodyPr/>
+                    <a:lstStyle/>
+                    <a:p>
+                      <a:pPr algn="r">
+                        <a:lnSpc>
+                          <a:spcPct val="115000"/>
+                        </a:lnSpc>
+                        <a:spcAft>
+                          <a:spcPts val="0"/>
+                        </a:spcAft>
+                      </a:pPr>
+                      <a:r>
+                        <a:rPr lang="en-GB" sz="1400" dirty="0">
+                          <a:solidFill>
+                            <a:srgbClr val="000000"/>
+                          </a:solidFill>
+                          <a:effectLst/>
+                          <a:latin typeface="Arial" panose="020B0604020202020204" pitchFamily="34" charset="0"/>
+                          <a:ea typeface="Calibri" panose="020F0502020204030204" pitchFamily="34" charset="0"/>
+                          <a:cs typeface="Arial" panose="020B0604020202020204" pitchFamily="34" charset="0"/>
+                        </a:rPr>
+                        <a:t> </a:t>
+                      </a:r>
+                      <a:endParaRPr lang="en-AU" sz="1400" dirty="0">
+                        <a:solidFill>
+                          <a:srgbClr val="000000"/>
+                        </a:solidFill>
+                        <a:effectLst/>
+                        <a:latin typeface="Arial" panose="020B0604020202020204" pitchFamily="34" charset="0"/>
+                        <a:ea typeface="Calibri" panose="020F0502020204030204" pitchFamily="34" charset="0"/>
+                        <a:cs typeface="Arial" panose="020B0604020202020204" pitchFamily="34" charset="0"/>
+                      </a:endParaRPr>
+                    </a:p>
+                  </a:txBody>
+                  <a:tcPr marL="68580" marR="68580" marT="0" marB="0">
+                    <a:lnL>
+                      <a:noFill/>
+                    </a:lnL>
+                    <a:lnR>
+                      <a:noFill/>
+                    </a:lnR>
+                    <a:lnT>
+                      <a:noFill/>
+                    </a:lnT>
+                    <a:lnB>
+                      <a:noFill/>
+                    </a:lnB>
+                  </a:tcPr>
+                </a:tc>
+                <a:tc>
+                  <a:txBody>
+                    <a:bodyPr/>
+                    <a:lstStyle/>
+                    <a:p>
+                      <a:pPr algn="ctr">
+                        <a:lnSpc>
+                          <a:spcPct val="115000"/>
+                        </a:lnSpc>
+                        <a:spcAft>
+                          <a:spcPts val="0"/>
+                        </a:spcAft>
+                      </a:pPr>
+                      <a:r>
+                        <a:rPr lang="en-GB" sz="1400" dirty="0">
+                          <a:solidFill>
+                            <a:srgbClr val="000000"/>
+                          </a:solidFill>
+                          <a:effectLst/>
+                          <a:latin typeface="Arial" panose="020B0604020202020204" pitchFamily="34" charset="0"/>
+                          <a:ea typeface="Calibri" panose="020F0502020204030204" pitchFamily="34" charset="0"/>
+                          <a:cs typeface="Arial" panose="020B0604020202020204" pitchFamily="34" charset="0"/>
+                        </a:rPr>
+                        <a:t>9.59</a:t>
+                      </a:r>
+                      <a:endParaRPr lang="en-AU" sz="1400" dirty="0">
+                        <a:solidFill>
+                          <a:srgbClr val="000000"/>
+                        </a:solidFill>
+                        <a:effectLst/>
+                        <a:latin typeface="Arial" panose="020B0604020202020204" pitchFamily="34" charset="0"/>
+                        <a:ea typeface="Calibri" panose="020F0502020204030204" pitchFamily="34" charset="0"/>
+                        <a:cs typeface="Arial" panose="020B0604020202020204" pitchFamily="34" charset="0"/>
+                      </a:endParaRPr>
+                    </a:p>
+                  </a:txBody>
+                  <a:tcPr marL="68580" marR="68580" marT="0" marB="0">
+                    <a:lnL>
+                      <a:noFill/>
+                    </a:lnL>
+                    <a:lnR>
+                      <a:noFill/>
+                    </a:lnR>
+                    <a:lnT>
+                      <a:noFill/>
+                    </a:lnT>
+                    <a:lnB>
+                      <a:noFill/>
+                    </a:lnB>
+                  </a:tcPr>
+                </a:tc>
+                <a:tc>
+                  <a:txBody>
+                    <a:bodyPr/>
+                    <a:lstStyle/>
+                    <a:p>
+                      <a:pPr algn="ctr">
+                        <a:lnSpc>
+                          <a:spcPct val="115000"/>
+                        </a:lnSpc>
+                        <a:spcAft>
+                          <a:spcPts val="0"/>
+                        </a:spcAft>
+                      </a:pPr>
+                      <a:r>
+                        <a:rPr lang="en-GB" sz="1400" dirty="0">
+                          <a:solidFill>
+                            <a:srgbClr val="000000"/>
+                          </a:solidFill>
+                          <a:effectLst/>
+                          <a:latin typeface="Arial" panose="020B0604020202020204" pitchFamily="34" charset="0"/>
+                          <a:ea typeface="Calibri" panose="020F0502020204030204" pitchFamily="34" charset="0"/>
+                          <a:cs typeface="Arial" panose="020B0604020202020204" pitchFamily="34" charset="0"/>
+                        </a:rPr>
+                        <a:t>0.002</a:t>
+                      </a:r>
+                      <a:endParaRPr lang="en-AU" sz="1400" dirty="0">
+                        <a:solidFill>
+                          <a:srgbClr val="000000"/>
+                        </a:solidFill>
+                        <a:effectLst/>
+                        <a:latin typeface="Arial" panose="020B0604020202020204" pitchFamily="34" charset="0"/>
+                        <a:ea typeface="Calibri" panose="020F0502020204030204" pitchFamily="34" charset="0"/>
+                        <a:cs typeface="Arial" panose="020B0604020202020204" pitchFamily="34" charset="0"/>
+                      </a:endParaRPr>
+                    </a:p>
+                  </a:txBody>
+                  <a:tcPr marL="68580" marR="68580" marT="0" marB="0">
+                    <a:lnL>
+                      <a:noFill/>
+                    </a:lnL>
+                    <a:lnR>
+                      <a:noFill/>
+                    </a:lnR>
+                    <a:lnT>
+                      <a:noFill/>
+                    </a:lnT>
+                    <a:lnB>
+                      <a:noFill/>
+                    </a:lnB>
+                  </a:tcPr>
+                </a:tc>
+                <a:extLst>
+                  <a:ext uri="{0D108BD9-81ED-4DB2-BD59-A6C34878D82A}">
+                    <a16:rowId xmlns:a16="http://schemas.microsoft.com/office/drawing/2014/main" val="173479273"/>
+                  </a:ext>
+                </a:extLst>
+              </a:tr>
+              <a:tr h="194400">
+                <a:tc>
+                  <a:txBody>
+                    <a:bodyPr/>
+                    <a:lstStyle/>
+                    <a:p>
+                      <a:pPr>
+                        <a:lnSpc>
+                          <a:spcPct val="115000"/>
+                        </a:lnSpc>
+                        <a:spcAft>
+                          <a:spcPts val="0"/>
+                        </a:spcAft>
+                      </a:pPr>
+                      <a:r>
+                        <a:rPr lang="en-GB" sz="1400" dirty="0">
+                          <a:solidFill>
+                            <a:srgbClr val="000000"/>
+                          </a:solidFill>
+                          <a:effectLst/>
+                          <a:latin typeface="Arial" panose="020B0604020202020204" pitchFamily="34" charset="0"/>
+                          <a:ea typeface="Calibri" panose="020F0502020204030204" pitchFamily="34" charset="0"/>
+                          <a:cs typeface="Arial" panose="020B0604020202020204" pitchFamily="34" charset="0"/>
+                        </a:rPr>
+                        <a:t>Total KJCF second peak (BW)</a:t>
+                      </a:r>
+                      <a:endParaRPr lang="en-AU" sz="1400" dirty="0">
+                        <a:solidFill>
+                          <a:srgbClr val="000000"/>
+                        </a:solidFill>
+                        <a:effectLst/>
+                        <a:latin typeface="Arial" panose="020B0604020202020204" pitchFamily="34" charset="0"/>
+                        <a:ea typeface="Calibri" panose="020F0502020204030204" pitchFamily="34" charset="0"/>
+                        <a:cs typeface="Arial" panose="020B0604020202020204" pitchFamily="34" charset="0"/>
+                      </a:endParaRPr>
+                    </a:p>
+                  </a:txBody>
+                  <a:tcPr marL="68580" marR="68580" marT="0" marB="0">
+                    <a:lnL>
+                      <a:noFill/>
+                    </a:lnL>
+                    <a:lnR>
+                      <a:noFill/>
+                    </a:lnR>
+                    <a:lnT>
+                      <a:noFill/>
+                    </a:lnT>
+                    <a:lnB w="12700" cap="flat" cmpd="sng" algn="ctr">
+                      <a:solidFill>
+                        <a:schemeClr val="tx1"/>
+                      </a:solidFill>
+                      <a:prstDash val="solid"/>
+                      <a:round/>
+                      <a:headEnd type="none" w="med" len="med"/>
+                      <a:tailEnd type="none" w="med" len="med"/>
+                    </a:lnB>
+                  </a:tcPr>
+                </a:tc>
+                <a:tc>
+                  <a:txBody>
+                    <a:bodyPr/>
+                    <a:lstStyle/>
+                    <a:p>
+                      <a:pPr>
+                        <a:lnSpc>
+                          <a:spcPct val="115000"/>
+                        </a:lnSpc>
+                        <a:spcAft>
+                          <a:spcPts val="0"/>
+                        </a:spcAft>
+                      </a:pPr>
+                      <a:endParaRPr lang="en-AU" sz="1400" dirty="0">
+                        <a:solidFill>
+                          <a:srgbClr val="000000"/>
+                        </a:solidFill>
+                        <a:effectLst/>
+                        <a:latin typeface="Arial" panose="020B0604020202020204" pitchFamily="34" charset="0"/>
+                        <a:ea typeface="Calibri" panose="020F0502020204030204" pitchFamily="34" charset="0"/>
+                        <a:cs typeface="Arial" panose="020B0604020202020204" pitchFamily="34" charset="0"/>
+                      </a:endParaRPr>
+                    </a:p>
+                  </a:txBody>
+                  <a:tcPr marL="68580" marR="68580" marT="0" marB="0">
+                    <a:lnL>
+                      <a:noFill/>
+                    </a:lnL>
+                    <a:lnR>
+                      <a:noFill/>
+                    </a:lnR>
+                    <a:lnT>
+                      <a:noFill/>
+                    </a:lnT>
+                    <a:lnB w="12700" cap="flat" cmpd="sng" algn="ctr">
+                      <a:solidFill>
+                        <a:schemeClr val="tx1"/>
+                      </a:solidFill>
+                      <a:prstDash val="solid"/>
+                      <a:round/>
+                      <a:headEnd type="none" w="med" len="med"/>
+                      <a:tailEnd type="none" w="med" len="med"/>
+                    </a:lnB>
+                  </a:tcPr>
+                </a:tc>
+                <a:tc>
+                  <a:txBody>
+                    <a:bodyPr/>
+                    <a:lstStyle/>
+                    <a:p>
+                      <a:pPr algn="r">
+                        <a:lnSpc>
+                          <a:spcPct val="115000"/>
+                        </a:lnSpc>
+                        <a:spcAft>
+                          <a:spcPts val="0"/>
+                        </a:spcAft>
+                      </a:pPr>
+                      <a:r>
+                        <a:rPr lang="en-GB" sz="1400" dirty="0">
+                          <a:solidFill>
+                            <a:srgbClr val="000000"/>
+                          </a:solidFill>
+                          <a:effectLst/>
+                          <a:latin typeface="Arial" panose="020B0604020202020204" pitchFamily="34" charset="0"/>
+                          <a:ea typeface="Calibri" panose="020F0502020204030204" pitchFamily="34" charset="0"/>
+                          <a:cs typeface="Arial" panose="020B0604020202020204" pitchFamily="34" charset="0"/>
+                        </a:rPr>
+                        <a:t>4.65 ± 1.51</a:t>
+                      </a:r>
+                      <a:endParaRPr lang="en-AU" sz="1400" dirty="0">
+                        <a:solidFill>
+                          <a:srgbClr val="000000"/>
+                        </a:solidFill>
+                        <a:effectLst/>
+                        <a:latin typeface="Arial" panose="020B0604020202020204" pitchFamily="34" charset="0"/>
+                        <a:ea typeface="Calibri" panose="020F0502020204030204" pitchFamily="34" charset="0"/>
+                        <a:cs typeface="Arial" panose="020B0604020202020204" pitchFamily="34" charset="0"/>
+                      </a:endParaRPr>
+                    </a:p>
+                  </a:txBody>
+                  <a:tcPr marL="68580" marR="68580" marT="0" marB="0">
+                    <a:lnL>
+                      <a:noFill/>
+                    </a:lnL>
+                    <a:lnR>
+                      <a:noFill/>
+                    </a:lnR>
+                    <a:lnT>
+                      <a:noFill/>
+                    </a:lnT>
+                    <a:lnB w="12700" cap="flat" cmpd="sng" algn="ctr">
+                      <a:solidFill>
+                        <a:schemeClr val="tx1"/>
+                      </a:solidFill>
+                      <a:prstDash val="solid"/>
+                      <a:round/>
+                      <a:headEnd type="none" w="med" len="med"/>
+                      <a:tailEnd type="none" w="med" len="med"/>
+                    </a:lnB>
+                  </a:tcPr>
+                </a:tc>
+                <a:tc>
+                  <a:txBody>
+                    <a:bodyPr/>
+                    <a:lstStyle/>
+                    <a:p>
+                      <a:pPr algn="r">
+                        <a:lnSpc>
+                          <a:spcPct val="115000"/>
+                        </a:lnSpc>
+                        <a:spcAft>
+                          <a:spcPts val="0"/>
+                        </a:spcAft>
+                      </a:pPr>
+                      <a:r>
+                        <a:rPr lang="en-GB" sz="1400" dirty="0">
+                          <a:solidFill>
+                            <a:srgbClr val="000000"/>
+                          </a:solidFill>
+                          <a:effectLst/>
+                          <a:latin typeface="Arial" panose="020B0604020202020204" pitchFamily="34" charset="0"/>
+                          <a:ea typeface="Calibri" panose="020F0502020204030204" pitchFamily="34" charset="0"/>
+                          <a:cs typeface="Arial" panose="020B0604020202020204" pitchFamily="34" charset="0"/>
+                        </a:rPr>
+                        <a:t>4.69 ± 1.44</a:t>
+                      </a:r>
+                      <a:endParaRPr lang="en-AU" sz="1400" dirty="0">
+                        <a:solidFill>
+                          <a:srgbClr val="000000"/>
+                        </a:solidFill>
+                        <a:effectLst/>
+                        <a:latin typeface="Arial" panose="020B0604020202020204" pitchFamily="34" charset="0"/>
+                        <a:ea typeface="Calibri" panose="020F0502020204030204" pitchFamily="34" charset="0"/>
+                        <a:cs typeface="Arial" panose="020B0604020202020204" pitchFamily="34" charset="0"/>
+                      </a:endParaRPr>
+                    </a:p>
+                  </a:txBody>
+                  <a:tcPr marL="68580" marR="68580" marT="0" marB="0">
+                    <a:lnL>
+                      <a:noFill/>
+                    </a:lnL>
+                    <a:lnR>
+                      <a:noFill/>
+                    </a:lnR>
+                    <a:lnT>
+                      <a:noFill/>
+                    </a:lnT>
+                    <a:lnB w="12700" cap="flat" cmpd="sng" algn="ctr">
+                      <a:solidFill>
+                        <a:schemeClr val="tx1"/>
+                      </a:solidFill>
+                      <a:prstDash val="solid"/>
+                      <a:round/>
+                      <a:headEnd type="none" w="med" len="med"/>
+                      <a:tailEnd type="none" w="med" len="med"/>
+                    </a:lnB>
+                  </a:tcPr>
+                </a:tc>
+                <a:tc>
+                  <a:txBody>
+                    <a:bodyPr/>
+                    <a:lstStyle/>
+                    <a:p>
+                      <a:pPr algn="r">
+                        <a:lnSpc>
+                          <a:spcPct val="115000"/>
+                        </a:lnSpc>
+                        <a:spcAft>
+                          <a:spcPts val="0"/>
+                        </a:spcAft>
+                      </a:pPr>
+                      <a:r>
+                        <a:rPr lang="en-GB" sz="1400" dirty="0">
+                          <a:solidFill>
+                            <a:srgbClr val="000000"/>
+                          </a:solidFill>
+                          <a:effectLst/>
+                          <a:latin typeface="Arial" panose="020B0604020202020204" pitchFamily="34" charset="0"/>
+                          <a:ea typeface="Calibri" panose="020F0502020204030204" pitchFamily="34" charset="0"/>
+                          <a:cs typeface="Arial" panose="020B0604020202020204" pitchFamily="34" charset="0"/>
+                        </a:rPr>
+                        <a:t> </a:t>
+                      </a:r>
+                      <a:endParaRPr lang="en-AU" sz="1400" dirty="0">
+                        <a:solidFill>
+                          <a:srgbClr val="000000"/>
+                        </a:solidFill>
+                        <a:effectLst/>
+                        <a:latin typeface="Arial" panose="020B0604020202020204" pitchFamily="34" charset="0"/>
+                        <a:ea typeface="Calibri" panose="020F0502020204030204" pitchFamily="34" charset="0"/>
+                        <a:cs typeface="Arial" panose="020B0604020202020204" pitchFamily="34" charset="0"/>
+                      </a:endParaRPr>
+                    </a:p>
+                  </a:txBody>
+                  <a:tcPr marL="68580" marR="68580" marT="0" marB="0">
+                    <a:lnL>
+                      <a:noFill/>
+                    </a:lnL>
+                    <a:lnR>
+                      <a:noFill/>
+                    </a:lnR>
+                    <a:lnT>
+                      <a:noFill/>
+                    </a:lnT>
+                    <a:lnB w="12700" cap="flat" cmpd="sng" algn="ctr">
+                      <a:solidFill>
+                        <a:schemeClr val="tx1"/>
+                      </a:solidFill>
+                      <a:prstDash val="solid"/>
+                      <a:round/>
+                      <a:headEnd type="none" w="med" len="med"/>
+                      <a:tailEnd type="none" w="med" len="med"/>
+                    </a:lnB>
+                  </a:tcPr>
+                </a:tc>
+                <a:tc>
+                  <a:txBody>
+                    <a:bodyPr/>
+                    <a:lstStyle/>
+                    <a:p>
+                      <a:pPr algn="ctr">
+                        <a:lnSpc>
+                          <a:spcPct val="115000"/>
+                        </a:lnSpc>
+                        <a:spcAft>
+                          <a:spcPts val="0"/>
+                        </a:spcAft>
+                      </a:pPr>
+                      <a:r>
+                        <a:rPr lang="en-GB" sz="1400" dirty="0">
+                          <a:solidFill>
+                            <a:srgbClr val="000000"/>
+                          </a:solidFill>
+                          <a:effectLst/>
+                          <a:latin typeface="Arial" panose="020B0604020202020204" pitchFamily="34" charset="0"/>
+                          <a:ea typeface="Calibri" panose="020F0502020204030204" pitchFamily="34" charset="0"/>
+                          <a:cs typeface="Arial" panose="020B0604020202020204" pitchFamily="34" charset="0"/>
+                        </a:rPr>
+                        <a:t>0.02</a:t>
+                      </a:r>
+                      <a:endParaRPr lang="en-AU" sz="1400" dirty="0">
+                        <a:solidFill>
+                          <a:srgbClr val="000000"/>
+                        </a:solidFill>
+                        <a:effectLst/>
+                        <a:latin typeface="Arial" panose="020B0604020202020204" pitchFamily="34" charset="0"/>
+                        <a:ea typeface="Calibri" panose="020F0502020204030204" pitchFamily="34" charset="0"/>
+                        <a:cs typeface="Arial" panose="020B0604020202020204" pitchFamily="34" charset="0"/>
+                      </a:endParaRPr>
+                    </a:p>
+                  </a:txBody>
+                  <a:tcPr marL="68580" marR="68580" marT="0" marB="0">
+                    <a:lnL>
+                      <a:noFill/>
+                    </a:lnL>
+                    <a:lnR>
+                      <a:noFill/>
+                    </a:lnR>
+                    <a:lnT>
+                      <a:noFill/>
+                    </a:lnT>
+                    <a:lnB w="12700" cap="flat" cmpd="sng" algn="ctr">
+                      <a:solidFill>
+                        <a:schemeClr val="tx1"/>
+                      </a:solidFill>
+                      <a:prstDash val="solid"/>
+                      <a:round/>
+                      <a:headEnd type="none" w="med" len="med"/>
+                      <a:tailEnd type="none" w="med" len="med"/>
+                    </a:lnB>
+                  </a:tcPr>
+                </a:tc>
+                <a:tc>
+                  <a:txBody>
+                    <a:bodyPr/>
+                    <a:lstStyle/>
+                    <a:p>
+                      <a:pPr algn="ctr">
+                        <a:lnSpc>
+                          <a:spcPct val="115000"/>
+                        </a:lnSpc>
+                        <a:spcAft>
+                          <a:spcPts val="0"/>
+                        </a:spcAft>
+                      </a:pPr>
+                      <a:r>
+                        <a:rPr lang="en-GB" sz="1400" dirty="0">
+                          <a:solidFill>
+                            <a:srgbClr val="000000"/>
+                          </a:solidFill>
+                          <a:effectLst/>
+                          <a:latin typeface="Arial" panose="020B0604020202020204" pitchFamily="34" charset="0"/>
+                          <a:ea typeface="Calibri" panose="020F0502020204030204" pitchFamily="34" charset="0"/>
+                          <a:cs typeface="Arial" panose="020B0604020202020204" pitchFamily="34" charset="0"/>
+                        </a:rPr>
+                        <a:t>0.900</a:t>
+                      </a:r>
+                      <a:endParaRPr lang="en-AU" sz="1400" dirty="0">
+                        <a:solidFill>
+                          <a:srgbClr val="000000"/>
+                        </a:solidFill>
+                        <a:effectLst/>
+                        <a:latin typeface="Arial" panose="020B0604020202020204" pitchFamily="34" charset="0"/>
+                        <a:ea typeface="Calibri" panose="020F0502020204030204" pitchFamily="34" charset="0"/>
+                        <a:cs typeface="Arial" panose="020B0604020202020204" pitchFamily="34" charset="0"/>
+                      </a:endParaRPr>
+                    </a:p>
+                  </a:txBody>
+                  <a:tcPr marL="68580" marR="68580" marT="0" marB="0">
+                    <a:lnL>
+                      <a:noFill/>
+                    </a:lnL>
+                    <a:lnR>
+                      <a:noFill/>
+                    </a:lnR>
+                    <a:lnT>
+                      <a:noFill/>
+                    </a:lnT>
+                    <a:lnB w="12700" cap="flat" cmpd="sng" algn="ctr">
+                      <a:solidFill>
+                        <a:schemeClr val="tx1"/>
+                      </a:solidFill>
+                      <a:prstDash val="solid"/>
+                      <a:round/>
+                      <a:headEnd type="none" w="med" len="med"/>
+                      <a:tailEnd type="none" w="med" len="med"/>
+                    </a:lnB>
+                  </a:tcPr>
+                </a:tc>
+                <a:extLst>
+                  <a:ext uri="{0D108BD9-81ED-4DB2-BD59-A6C34878D82A}">
+                    <a16:rowId xmlns:a16="http://schemas.microsoft.com/office/drawing/2014/main" val="2637956538"/>
+                  </a:ext>
+                </a:extLst>
+              </a:tr>
+            </a:tbl>
+          </a:graphicData>
+        </a:graphic>
+      </p:graphicFrame>
       <p:sp>
         <p:nvSpPr>
-          <p:cNvPr id="9" name="TextBox 8">
+          <p:cNvPr id="12" name="Rectangle 11">
             <a:extLst>
               <a:ext uri="{FF2B5EF4-FFF2-40B4-BE49-F238E27FC236}">
-                <a16:creationId xmlns:a16="http://schemas.microsoft.com/office/drawing/2014/main" id="{8461DD61-F3D8-F941-A51B-62DF4B7E42E3}"/>
+                <a16:creationId xmlns:a16="http://schemas.microsoft.com/office/drawing/2014/main" id="{3F577D1A-FD55-AA46-906A-1205CA14521F}"/>
+              </a:ext>
+            </a:extLst>
+          </p:cNvPr>
+          <p:cNvSpPr/>
+          <p:nvPr/>
+        </p:nvSpPr>
+        <p:spPr>
+          <a:xfrm>
+            <a:off x="1551879" y="5574193"/>
+            <a:ext cx="4105611" cy="276999"/>
+          </a:xfrm>
+          <a:prstGeom prst="rect">
+            <a:avLst/>
+          </a:prstGeom>
+        </p:spPr>
+        <p:txBody>
+          <a:bodyPr wrap="none">
+            <a:spAutoFit/>
+          </a:bodyPr>
+          <a:lstStyle/>
+          <a:p>
+            <a:pPr>
+              <a:spcAft>
+                <a:spcPts val="0"/>
+              </a:spcAft>
+            </a:pPr>
+            <a:r>
+              <a:rPr lang="en-GB" sz="1200" dirty="0">
+                <a:solidFill>
+                  <a:srgbClr val="000000"/>
+                </a:solidFill>
+                <a:latin typeface="Arial" panose="020B0604020202020204" pitchFamily="34" charset="0"/>
+                <a:ea typeface="Calibri" panose="020F0502020204030204" pitchFamily="34" charset="0"/>
+                <a:cs typeface="Arial" panose="020B0604020202020204" pitchFamily="34" charset="0"/>
+              </a:rPr>
+              <a:t>* significantly greater than moderate walking speed value </a:t>
+            </a:r>
+            <a:endParaRPr lang="en-AU" sz="1200" dirty="0">
+              <a:solidFill>
+                <a:srgbClr val="000000"/>
+              </a:solidFill>
+              <a:latin typeface="Arial" panose="020B0604020202020204" pitchFamily="34" charset="0"/>
+              <a:ea typeface="Calibri" panose="020F0502020204030204" pitchFamily="34" charset="0"/>
+              <a:cs typeface="Arial" panose="020B0604020202020204" pitchFamily="34" charset="0"/>
+            </a:endParaRPr>
+          </a:p>
+        </p:txBody>
+      </p:sp>
+      <p:sp>
+        <p:nvSpPr>
+          <p:cNvPr id="13" name="TextBox 12">
+            <a:extLst>
+              <a:ext uri="{FF2B5EF4-FFF2-40B4-BE49-F238E27FC236}">
+                <a16:creationId xmlns:a16="http://schemas.microsoft.com/office/drawing/2014/main" id="{8796DF77-944F-B24E-88EF-582BFBD7588E}"/>
               </a:ext>
             </a:extLst>
           </p:cNvPr>
@@ -3391,8 +10027,8 @@
         </p:nvSpPr>
         <p:spPr>
           <a:xfrm>
-            <a:off x="4675223" y="3166947"/>
-            <a:ext cx="6119158" cy="584775"/>
+            <a:off x="1788467" y="286535"/>
+            <a:ext cx="8602611" cy="584775"/>
           </a:xfrm>
           <a:prstGeom prst="rect">
             <a:avLst/>
@@ -3400,18 +10036,17 @@
           <a:noFill/>
         </p:spPr>
         <p:txBody>
-          <a:bodyPr wrap="square" rtlCol="0">
+          <a:bodyPr wrap="none" rtlCol="0">
             <a:spAutoFit/>
           </a:bodyPr>
           <a:lstStyle/>
           <a:p>
-            <a:pPr algn="ctr"/>
             <a:r>
-              <a:rPr lang="en-AU" sz="1600" dirty="0">
+              <a:rPr lang="en-AU" sz="3200" dirty="0">
                 <a:latin typeface="Arial" panose="020B0604020202020204" pitchFamily="34" charset="0"/>
                 <a:cs typeface="Arial" panose="020B0604020202020204" pitchFamily="34" charset="0"/>
               </a:rPr>
-              <a:t>Comparison of carried loads with data aggregated for walking speed. 15 and 30 kg loads are data from TBAS</a:t>
+              <a:t>Main effects of carried load and walking speed</a:t>
             </a:r>
           </a:p>
         </p:txBody>
@@ -3419,7 +10054,7 @@
     </p:spTree>
     <p:extLst>
       <p:ext uri="{BB962C8B-B14F-4D97-AF65-F5344CB8AC3E}">
-        <p14:creationId xmlns:p14="http://schemas.microsoft.com/office/powerpoint/2010/main" val="3609668294"/>
+        <p14:creationId xmlns:p14="http://schemas.microsoft.com/office/powerpoint/2010/main" val="3002374286"/>
       </p:ext>
     </p:extLst>
   </p:cSld>
@@ -3448,10 +10083,10 @@
       </p:grpSpPr>
       <p:sp>
         <p:nvSpPr>
-          <p:cNvPr id="5" name="TextBox 4">
+          <p:cNvPr id="9" name="TextBox 8">
             <a:extLst>
               <a:ext uri="{FF2B5EF4-FFF2-40B4-BE49-F238E27FC236}">
-                <a16:creationId xmlns:a16="http://schemas.microsoft.com/office/drawing/2014/main" id="{B1C56226-9DAF-4045-8DBA-1D9E8C9A6883}"/>
+                <a16:creationId xmlns:a16="http://schemas.microsoft.com/office/drawing/2014/main" id="{8461DD61-F3D8-F941-A51B-62DF4B7E42E3}"/>
               </a:ext>
             </a:extLst>
           </p:cNvPr>
@@ -3460,8 +10095,8 @@
         </p:nvSpPr>
         <p:spPr>
           <a:xfrm>
-            <a:off x="2509517" y="6009165"/>
-            <a:ext cx="7338869" cy="338554"/>
+            <a:off x="4875944" y="3064276"/>
+            <a:ext cx="6732475" cy="707886"/>
           </a:xfrm>
           <a:prstGeom prst="rect">
             <a:avLst/>
@@ -3469,21 +10104,531 @@
           <a:noFill/>
         </p:spPr>
         <p:txBody>
-          <a:bodyPr wrap="none" rtlCol="0">
+          <a:bodyPr wrap="square" rtlCol="0">
             <a:spAutoFit/>
           </a:bodyPr>
           <a:lstStyle/>
           <a:p>
+            <a:pPr algn="ctr"/>
             <a:r>
-              <a:rPr lang="en-AU" sz="1600" dirty="0">
+              <a:rPr lang="en-AU" sz="2000" dirty="0">
                 <a:latin typeface="Arial" panose="020B0604020202020204" pitchFamily="34" charset="0"/>
                 <a:cs typeface="Arial" panose="020B0604020202020204" pitchFamily="34" charset="0"/>
               </a:rPr>
-              <a:t>Armour type comparisons for 30 kg of carried load and fast walking speed data</a:t>
+              <a:t>Comparison of carried loads with data aggregated for walking speed. 15 and 30 kg loads are data from TBAS</a:t>
             </a:r>
           </a:p>
         </p:txBody>
       </p:sp>
+      <p:grpSp>
+        <p:nvGrpSpPr>
+          <p:cNvPr id="2" name="Group 1">
+            <a:extLst>
+              <a:ext uri="{FF2B5EF4-FFF2-40B4-BE49-F238E27FC236}">
+                <a16:creationId xmlns:a16="http://schemas.microsoft.com/office/drawing/2014/main" id="{23E49E54-1C66-A84B-87FA-F8A5B710E888}"/>
+              </a:ext>
+            </a:extLst>
+          </p:cNvPr>
+          <p:cNvGrpSpPr/>
+          <p:nvPr/>
+        </p:nvGrpSpPr>
+        <p:grpSpPr>
+          <a:xfrm>
+            <a:off x="794062" y="431441"/>
+            <a:ext cx="3309587" cy="5932678"/>
+            <a:chOff x="827516" y="655023"/>
+            <a:chExt cx="3309587" cy="5932678"/>
+          </a:xfrm>
+        </p:grpSpPr>
+        <p:pic>
+          <p:nvPicPr>
+            <p:cNvPr id="13" name="Picture 12">
+              <a:extLst>
+                <a:ext uri="{FF2B5EF4-FFF2-40B4-BE49-F238E27FC236}">
+                  <a16:creationId xmlns:a16="http://schemas.microsoft.com/office/drawing/2014/main" id="{1B8AB4E2-8832-E042-9BA6-C9365BD7F3CB}"/>
+                </a:ext>
+              </a:extLst>
+            </p:cNvPr>
+            <p:cNvPicPr>
+              <a:picLocks noChangeAspect="1"/>
+            </p:cNvPicPr>
+            <p:nvPr/>
+          </p:nvPicPr>
+          <p:blipFill rotWithShape="1">
+            <a:blip r:embed="rId3"/>
+            <a:srcRect l="9584" t="37922" b="38466"/>
+            <a:stretch/>
+          </p:blipFill>
+          <p:spPr>
+            <a:xfrm>
+              <a:off x="1304693" y="2562676"/>
+              <a:ext cx="2832410" cy="1728439"/>
+            </a:xfrm>
+            <a:prstGeom prst="rect">
+              <a:avLst/>
+            </a:prstGeom>
+          </p:spPr>
+        </p:pic>
+        <p:pic>
+          <p:nvPicPr>
+            <p:cNvPr id="14" name="Picture 13">
+              <a:extLst>
+                <a:ext uri="{FF2B5EF4-FFF2-40B4-BE49-F238E27FC236}">
+                  <a16:creationId xmlns:a16="http://schemas.microsoft.com/office/drawing/2014/main" id="{764B8CFF-90C4-664D-A31B-E5B4F7AA89A3}"/>
+                </a:ext>
+              </a:extLst>
+            </p:cNvPr>
+            <p:cNvPicPr>
+              <a:picLocks noChangeAspect="1"/>
+            </p:cNvPicPr>
+            <p:nvPr/>
+          </p:nvPicPr>
+          <p:blipFill rotWithShape="1">
+            <a:blip r:embed="rId3"/>
+            <a:srcRect l="9584" t="9950" b="65350"/>
+            <a:stretch/>
+          </p:blipFill>
+          <p:spPr>
+            <a:xfrm>
+              <a:off x="1304693" y="768358"/>
+              <a:ext cx="2832410" cy="1808081"/>
+            </a:xfrm>
+            <a:prstGeom prst="rect">
+              <a:avLst/>
+            </a:prstGeom>
+          </p:spPr>
+        </p:pic>
+        <p:pic>
+          <p:nvPicPr>
+            <p:cNvPr id="5" name="Picture 4">
+              <a:extLst>
+                <a:ext uri="{FF2B5EF4-FFF2-40B4-BE49-F238E27FC236}">
+                  <a16:creationId xmlns:a16="http://schemas.microsoft.com/office/drawing/2014/main" id="{0A6ACCF8-96F2-6E41-A6D4-725DC61C9511}"/>
+                </a:ext>
+              </a:extLst>
+            </p:cNvPr>
+            <p:cNvPicPr>
+              <a:picLocks noChangeAspect="1"/>
+            </p:cNvPicPr>
+            <p:nvPr/>
+          </p:nvPicPr>
+          <p:blipFill rotWithShape="1">
+            <a:blip r:embed="rId3"/>
+            <a:srcRect l="9584" t="65037" b="4228"/>
+            <a:stretch/>
+          </p:blipFill>
+          <p:spPr>
+            <a:xfrm>
+              <a:off x="1304693" y="4337826"/>
+              <a:ext cx="2832410" cy="2249875"/>
+            </a:xfrm>
+            <a:prstGeom prst="rect">
+              <a:avLst/>
+            </a:prstGeom>
+          </p:spPr>
+        </p:pic>
+        <p:sp>
+          <p:nvSpPr>
+            <p:cNvPr id="3" name="Down Arrow 2">
+              <a:extLst>
+                <a:ext uri="{FF2B5EF4-FFF2-40B4-BE49-F238E27FC236}">
+                  <a16:creationId xmlns:a16="http://schemas.microsoft.com/office/drawing/2014/main" id="{6E201A82-3BFF-C646-BA65-DA4364211E1F}"/>
+                </a:ext>
+              </a:extLst>
+            </p:cNvPr>
+            <p:cNvSpPr/>
+            <p:nvPr/>
+          </p:nvSpPr>
+          <p:spPr>
+            <a:xfrm rot="10800000">
+              <a:off x="1735341" y="1215478"/>
+              <a:ext cx="201164" cy="477910"/>
+            </a:xfrm>
+            <a:prstGeom prst="downArrow">
+              <a:avLst/>
+            </a:prstGeom>
+            <a:solidFill>
+              <a:schemeClr val="tx1">
+                <a:alpha val="13000"/>
+              </a:schemeClr>
+            </a:solidFill>
+            <a:ln>
+              <a:noFill/>
+            </a:ln>
+          </p:spPr>
+          <p:style>
+            <a:lnRef idx="2">
+              <a:schemeClr val="accent1">
+                <a:shade val="50000"/>
+              </a:schemeClr>
+            </a:lnRef>
+            <a:fillRef idx="1">
+              <a:schemeClr val="accent1"/>
+            </a:fillRef>
+            <a:effectRef idx="0">
+              <a:schemeClr val="accent1"/>
+            </a:effectRef>
+            <a:fontRef idx="minor">
+              <a:schemeClr val="lt1"/>
+            </a:fontRef>
+          </p:style>
+          <p:txBody>
+            <a:bodyPr rtlCol="0" anchor="ctr"/>
+            <a:lstStyle/>
+            <a:p>
+              <a:pPr algn="ctr"/>
+              <a:endParaRPr lang="en-AU" dirty="0"/>
+            </a:p>
+          </p:txBody>
+        </p:sp>
+        <p:sp>
+          <p:nvSpPr>
+            <p:cNvPr id="6" name="Down Arrow 5">
+              <a:extLst>
+                <a:ext uri="{FF2B5EF4-FFF2-40B4-BE49-F238E27FC236}">
+                  <a16:creationId xmlns:a16="http://schemas.microsoft.com/office/drawing/2014/main" id="{2B6EEDB2-5B19-6740-9EA1-67B38066BC2A}"/>
+                </a:ext>
+              </a:extLst>
+            </p:cNvPr>
+            <p:cNvSpPr/>
+            <p:nvPr/>
+          </p:nvSpPr>
+          <p:spPr>
+            <a:xfrm rot="10800000">
+              <a:off x="2570785" y="3160707"/>
+              <a:ext cx="234175" cy="591015"/>
+            </a:xfrm>
+            <a:prstGeom prst="downArrow">
+              <a:avLst/>
+            </a:prstGeom>
+            <a:solidFill>
+              <a:schemeClr val="tx1">
+                <a:alpha val="13000"/>
+              </a:schemeClr>
+            </a:solidFill>
+            <a:ln>
+              <a:noFill/>
+            </a:ln>
+          </p:spPr>
+          <p:style>
+            <a:lnRef idx="2">
+              <a:schemeClr val="accent1">
+                <a:shade val="50000"/>
+              </a:schemeClr>
+            </a:lnRef>
+            <a:fillRef idx="1">
+              <a:schemeClr val="accent1"/>
+            </a:fillRef>
+            <a:effectRef idx="0">
+              <a:schemeClr val="accent1"/>
+            </a:effectRef>
+            <a:fontRef idx="minor">
+              <a:schemeClr val="lt1"/>
+            </a:fontRef>
+          </p:style>
+          <p:txBody>
+            <a:bodyPr rtlCol="0" anchor="ctr"/>
+            <a:lstStyle/>
+            <a:p>
+              <a:pPr algn="ctr"/>
+              <a:endParaRPr lang="en-AU" dirty="0"/>
+            </a:p>
+          </p:txBody>
+        </p:sp>
+        <p:sp>
+          <p:nvSpPr>
+            <p:cNvPr id="7" name="Down Arrow 6">
+              <a:extLst>
+                <a:ext uri="{FF2B5EF4-FFF2-40B4-BE49-F238E27FC236}">
+                  <a16:creationId xmlns:a16="http://schemas.microsoft.com/office/drawing/2014/main" id="{1A5016CC-5A95-A64E-AC01-F1D19A576818}"/>
+                </a:ext>
+              </a:extLst>
+            </p:cNvPr>
+            <p:cNvSpPr/>
+            <p:nvPr/>
+          </p:nvSpPr>
+          <p:spPr>
+            <a:xfrm rot="10800000">
+              <a:off x="1702329" y="4721173"/>
+              <a:ext cx="234175" cy="591015"/>
+            </a:xfrm>
+            <a:prstGeom prst="downArrow">
+              <a:avLst/>
+            </a:prstGeom>
+            <a:solidFill>
+              <a:schemeClr val="tx1">
+                <a:alpha val="13000"/>
+              </a:schemeClr>
+            </a:solidFill>
+            <a:ln>
+              <a:noFill/>
+            </a:ln>
+          </p:spPr>
+          <p:style>
+            <a:lnRef idx="2">
+              <a:schemeClr val="accent1">
+                <a:shade val="50000"/>
+              </a:schemeClr>
+            </a:lnRef>
+            <a:fillRef idx="1">
+              <a:schemeClr val="accent1"/>
+            </a:fillRef>
+            <a:effectRef idx="0">
+              <a:schemeClr val="accent1"/>
+            </a:effectRef>
+            <a:fontRef idx="minor">
+              <a:schemeClr val="lt1"/>
+            </a:fontRef>
+          </p:style>
+          <p:txBody>
+            <a:bodyPr rtlCol="0" anchor="ctr"/>
+            <a:lstStyle/>
+            <a:p>
+              <a:pPr algn="ctr"/>
+              <a:endParaRPr lang="en-AU" dirty="0"/>
+            </a:p>
+          </p:txBody>
+        </p:sp>
+        <p:sp>
+          <p:nvSpPr>
+            <p:cNvPr id="8" name="Down Arrow 7">
+              <a:extLst>
+                <a:ext uri="{FF2B5EF4-FFF2-40B4-BE49-F238E27FC236}">
+                  <a16:creationId xmlns:a16="http://schemas.microsoft.com/office/drawing/2014/main" id="{246E93BF-944D-EF4B-9FED-8E07B7309B25}"/>
+                </a:ext>
+              </a:extLst>
+            </p:cNvPr>
+            <p:cNvSpPr/>
+            <p:nvPr/>
+          </p:nvSpPr>
+          <p:spPr>
+            <a:xfrm rot="10800000">
+              <a:off x="2546307" y="4520729"/>
+              <a:ext cx="234175" cy="591015"/>
+            </a:xfrm>
+            <a:prstGeom prst="downArrow">
+              <a:avLst/>
+            </a:prstGeom>
+            <a:solidFill>
+              <a:schemeClr val="tx1">
+                <a:alpha val="13000"/>
+              </a:schemeClr>
+            </a:solidFill>
+            <a:ln>
+              <a:noFill/>
+            </a:ln>
+          </p:spPr>
+          <p:style>
+            <a:lnRef idx="2">
+              <a:schemeClr val="accent1">
+                <a:shade val="50000"/>
+              </a:schemeClr>
+            </a:lnRef>
+            <a:fillRef idx="1">
+              <a:schemeClr val="accent1"/>
+            </a:fillRef>
+            <a:effectRef idx="0">
+              <a:schemeClr val="accent1"/>
+            </a:effectRef>
+            <a:fontRef idx="minor">
+              <a:schemeClr val="lt1"/>
+            </a:fontRef>
+          </p:style>
+          <p:txBody>
+            <a:bodyPr rtlCol="0" anchor="ctr"/>
+            <a:lstStyle/>
+            <a:p>
+              <a:pPr algn="ctr"/>
+              <a:endParaRPr lang="en-AU" dirty="0"/>
+            </a:p>
+          </p:txBody>
+        </p:sp>
+        <p:sp>
+          <p:nvSpPr>
+            <p:cNvPr id="10" name="TextBox 9">
+              <a:extLst>
+                <a:ext uri="{FF2B5EF4-FFF2-40B4-BE49-F238E27FC236}">
+                  <a16:creationId xmlns:a16="http://schemas.microsoft.com/office/drawing/2014/main" id="{9D5998AA-85B4-EA4A-BD5E-93454DD4511A}"/>
+                </a:ext>
+              </a:extLst>
+            </p:cNvPr>
+            <p:cNvSpPr txBox="1"/>
+            <p:nvPr/>
+          </p:nvSpPr>
+          <p:spPr>
+            <a:xfrm rot="16200000">
+              <a:off x="191888" y="1290651"/>
+              <a:ext cx="1732922" cy="461665"/>
+            </a:xfrm>
+            <a:prstGeom prst="rect">
+              <a:avLst/>
+            </a:prstGeom>
+            <a:noFill/>
+          </p:spPr>
+          <p:txBody>
+            <a:bodyPr wrap="square" rtlCol="0">
+              <a:spAutoFit/>
+            </a:bodyPr>
+            <a:lstStyle/>
+            <a:p>
+              <a:pPr algn="ctr"/>
+              <a:r>
+                <a:rPr lang="en-AU" sz="1200" dirty="0">
+                  <a:latin typeface="Arial" panose="020B0604020202020204" pitchFamily="34" charset="0"/>
+                  <a:cs typeface="Arial" panose="020B0604020202020204" pitchFamily="34" charset="0"/>
+                </a:rPr>
+                <a:t>Medial tibiofemoral </a:t>
+              </a:r>
+            </a:p>
+            <a:p>
+              <a:pPr algn="ctr"/>
+              <a:r>
+                <a:rPr lang="en-AU" sz="1200" dirty="0">
+                  <a:latin typeface="Arial" panose="020B0604020202020204" pitchFamily="34" charset="0"/>
+                  <a:cs typeface="Arial" panose="020B0604020202020204" pitchFamily="34" charset="0"/>
+                </a:rPr>
+                <a:t>contact force (BW)</a:t>
+              </a:r>
+            </a:p>
+          </p:txBody>
+        </p:sp>
+        <p:sp>
+          <p:nvSpPr>
+            <p:cNvPr id="11" name="TextBox 10">
+              <a:extLst>
+                <a:ext uri="{FF2B5EF4-FFF2-40B4-BE49-F238E27FC236}">
+                  <a16:creationId xmlns:a16="http://schemas.microsoft.com/office/drawing/2014/main" id="{101EB07A-2C35-F043-8BE3-367D98367431}"/>
+                </a:ext>
+              </a:extLst>
+            </p:cNvPr>
+            <p:cNvSpPr txBox="1"/>
+            <p:nvPr/>
+          </p:nvSpPr>
+          <p:spPr>
+            <a:xfrm rot="16200000">
+              <a:off x="191889" y="3057026"/>
+              <a:ext cx="1732922" cy="461665"/>
+            </a:xfrm>
+            <a:prstGeom prst="rect">
+              <a:avLst/>
+            </a:prstGeom>
+            <a:noFill/>
+          </p:spPr>
+          <p:txBody>
+            <a:bodyPr wrap="square" rtlCol="0">
+              <a:spAutoFit/>
+            </a:bodyPr>
+            <a:lstStyle/>
+            <a:p>
+              <a:pPr algn="ctr"/>
+              <a:r>
+                <a:rPr lang="en-AU" sz="1200" dirty="0">
+                  <a:latin typeface="Arial" panose="020B0604020202020204" pitchFamily="34" charset="0"/>
+                  <a:cs typeface="Arial" panose="020B0604020202020204" pitchFamily="34" charset="0"/>
+                </a:rPr>
+                <a:t>Lateral tibiofemoral </a:t>
+              </a:r>
+            </a:p>
+            <a:p>
+              <a:pPr algn="ctr"/>
+              <a:r>
+                <a:rPr lang="en-AU" sz="1200" dirty="0">
+                  <a:latin typeface="Arial" panose="020B0604020202020204" pitchFamily="34" charset="0"/>
+                  <a:cs typeface="Arial" panose="020B0604020202020204" pitchFamily="34" charset="0"/>
+                </a:rPr>
+                <a:t>contact force (BW)</a:t>
+              </a:r>
+            </a:p>
+          </p:txBody>
+        </p:sp>
+        <p:sp>
+          <p:nvSpPr>
+            <p:cNvPr id="12" name="TextBox 11">
+              <a:extLst>
+                <a:ext uri="{FF2B5EF4-FFF2-40B4-BE49-F238E27FC236}">
+                  <a16:creationId xmlns:a16="http://schemas.microsoft.com/office/drawing/2014/main" id="{96E6DB21-5A79-394B-BF8B-AA29496AE390}"/>
+                </a:ext>
+              </a:extLst>
+            </p:cNvPr>
+            <p:cNvSpPr txBox="1"/>
+            <p:nvPr/>
+          </p:nvSpPr>
+          <p:spPr>
+            <a:xfrm rot="16200000">
+              <a:off x="191888" y="4874835"/>
+              <a:ext cx="1732922" cy="461665"/>
+            </a:xfrm>
+            <a:prstGeom prst="rect">
+              <a:avLst/>
+            </a:prstGeom>
+            <a:noFill/>
+          </p:spPr>
+          <p:txBody>
+            <a:bodyPr wrap="square" rtlCol="0">
+              <a:spAutoFit/>
+            </a:bodyPr>
+            <a:lstStyle/>
+            <a:p>
+              <a:pPr algn="ctr"/>
+              <a:r>
+                <a:rPr lang="en-AU" sz="1200" dirty="0">
+                  <a:latin typeface="Arial" panose="020B0604020202020204" pitchFamily="34" charset="0"/>
+                  <a:cs typeface="Arial" panose="020B0604020202020204" pitchFamily="34" charset="0"/>
+                </a:rPr>
+                <a:t>Total tibiofemoral </a:t>
+              </a:r>
+            </a:p>
+            <a:p>
+              <a:pPr algn="ctr"/>
+              <a:r>
+                <a:rPr lang="en-AU" sz="1200" dirty="0">
+                  <a:latin typeface="Arial" panose="020B0604020202020204" pitchFamily="34" charset="0"/>
+                  <a:cs typeface="Arial" panose="020B0604020202020204" pitchFamily="34" charset="0"/>
+                </a:rPr>
+                <a:t>contact force (BW)</a:t>
+              </a:r>
+            </a:p>
+          </p:txBody>
+        </p:sp>
+      </p:grpSp>
+    </p:spTree>
+    <p:extLst>
+      <p:ext uri="{BB962C8B-B14F-4D97-AF65-F5344CB8AC3E}">
+        <p14:creationId xmlns:p14="http://schemas.microsoft.com/office/powerpoint/2010/main" val="3609668294"/>
+      </p:ext>
+    </p:extLst>
+  </p:cSld>
+  <p:clrMapOvr>
+    <a:masterClrMapping/>
+  </p:clrMapOvr>
+</p:sld>
+</file>
+
+<file path=ppt/slides/slide3.xml><?xml version="1.0" encoding="utf-8"?>
+<p:sld xmlns:a="http://schemas.openxmlformats.org/drawingml/2006/main" xmlns:r="http://schemas.openxmlformats.org/officeDocument/2006/relationships" xmlns:p="http://schemas.openxmlformats.org/presentationml/2006/main">
+  <p:cSld>
+    <p:bg>
+      <p:bgPr>
+        <a:solidFill>
+          <a:schemeClr val="bg1"/>
+        </a:solidFill>
+        <a:effectLst/>
+      </p:bgPr>
+    </p:bg>
+    <p:spTree>
+      <p:nvGrpSpPr>
+        <p:cNvPr id="1" name=""/>
+        <p:cNvGrpSpPr/>
+        <p:nvPr/>
+      </p:nvGrpSpPr>
+      <p:grpSpPr>
+        <a:xfrm>
+          <a:off x="0" y="0"/>
+          <a:ext cx="0" cy="0"/>
+          <a:chOff x="0" y="0"/>
+          <a:chExt cx="0" cy="0"/>
+        </a:xfrm>
+      </p:grpSpPr>
       <p:pic>
         <p:nvPicPr>
           <p:cNvPr id="24" name="Picture 23">
@@ -3498,26 +10643,291 @@
           </p:cNvPicPr>
           <p:nvPr/>
         </p:nvPicPr>
+        <p:blipFill rotWithShape="1">
+          <a:blip r:embed="rId3"/>
+          <a:srcRect l="4211"/>
+          <a:stretch/>
+        </p:blipFill>
+        <p:spPr>
+          <a:xfrm>
+            <a:off x="1561171" y="985773"/>
+            <a:ext cx="9021337" cy="5717647"/>
+          </a:xfrm>
+          <a:prstGeom prst="rect">
+            <a:avLst/>
+          </a:prstGeom>
+        </p:spPr>
+      </p:pic>
+      <p:sp>
+        <p:nvSpPr>
+          <p:cNvPr id="4" name="TextBox 3">
+            <a:extLst>
+              <a:ext uri="{FF2B5EF4-FFF2-40B4-BE49-F238E27FC236}">
+                <a16:creationId xmlns:a16="http://schemas.microsoft.com/office/drawing/2014/main" id="{86F46463-12BF-BF46-B5BA-092349BBB7A6}"/>
+              </a:ext>
+            </a:extLst>
+          </p:cNvPr>
+          <p:cNvSpPr txBox="1"/>
+          <p:nvPr/>
+        </p:nvSpPr>
+        <p:spPr>
+          <a:xfrm>
+            <a:off x="1817647" y="154776"/>
+            <a:ext cx="7866880" cy="830997"/>
+          </a:xfrm>
+          <a:prstGeom prst="rect">
+            <a:avLst/>
+          </a:prstGeom>
+          <a:noFill/>
+        </p:spPr>
+        <p:txBody>
+          <a:bodyPr wrap="square" rtlCol="0">
+            <a:spAutoFit/>
+          </a:bodyPr>
+          <a:lstStyle/>
+          <a:p>
+            <a:pPr algn="ctr"/>
+            <a:r>
+              <a:rPr lang="en-AU" sz="2400" dirty="0">
+                <a:latin typeface="Arial" panose="020B0604020202020204" pitchFamily="34" charset="0"/>
+                <a:cs typeface="Arial" panose="020B0604020202020204" pitchFamily="34" charset="0"/>
+              </a:rPr>
+              <a:t>Armour type comparisons for all peak data while participants carried 30 kg and walked at the fast speed</a:t>
+            </a:r>
+          </a:p>
+        </p:txBody>
+      </p:sp>
+      <p:sp>
+        <p:nvSpPr>
+          <p:cNvPr id="2" name="TextBox 1">
+            <a:extLst>
+              <a:ext uri="{FF2B5EF4-FFF2-40B4-BE49-F238E27FC236}">
+                <a16:creationId xmlns:a16="http://schemas.microsoft.com/office/drawing/2014/main" id="{0A535288-1D76-5741-BB69-1E8C6F98F985}"/>
+              </a:ext>
+            </a:extLst>
+          </p:cNvPr>
+          <p:cNvSpPr txBox="1"/>
+          <p:nvPr/>
+        </p:nvSpPr>
+        <p:spPr>
+          <a:xfrm rot="16200000">
+            <a:off x="-152551" y="3104277"/>
+            <a:ext cx="3088889" cy="338554"/>
+          </a:xfrm>
+          <a:prstGeom prst="rect">
+            <a:avLst/>
+          </a:prstGeom>
+          <a:noFill/>
+        </p:spPr>
+        <p:txBody>
+          <a:bodyPr wrap="square" rtlCol="0">
+            <a:spAutoFit/>
+          </a:bodyPr>
+          <a:lstStyle/>
+          <a:p>
+            <a:r>
+              <a:rPr lang="en-AU" sz="1600" dirty="0">
+                <a:latin typeface="Arial" panose="020B0604020202020204" pitchFamily="34" charset="0"/>
+                <a:cs typeface="Arial" panose="020B0604020202020204" pitchFamily="34" charset="0"/>
+              </a:rPr>
+              <a:t>Knee joint contact force (BW)</a:t>
+            </a:r>
+          </a:p>
+        </p:txBody>
+      </p:sp>
+    </p:spTree>
+    <p:extLst>
+      <p:ext uri="{BB962C8B-B14F-4D97-AF65-F5344CB8AC3E}">
+        <p14:creationId xmlns:p14="http://schemas.microsoft.com/office/powerpoint/2010/main" val="2811530330"/>
+      </p:ext>
+    </p:extLst>
+  </p:cSld>
+  <p:clrMapOvr>
+    <a:masterClrMapping/>
+  </p:clrMapOvr>
+</p:sld>
+</file>
+
+<file path=ppt/slides/slide4.xml><?xml version="1.0" encoding="utf-8"?>
+<p:sld xmlns:a="http://schemas.openxmlformats.org/drawingml/2006/main" xmlns:r="http://schemas.openxmlformats.org/officeDocument/2006/relationships" xmlns:p="http://schemas.openxmlformats.org/presentationml/2006/main">
+  <p:cSld>
+    <p:spTree>
+      <p:nvGrpSpPr>
+        <p:cNvPr id="1" name=""/>
+        <p:cNvGrpSpPr/>
+        <p:nvPr/>
+      </p:nvGrpSpPr>
+      <p:grpSpPr>
+        <a:xfrm>
+          <a:off x="0" y="0"/>
+          <a:ext cx="0" cy="0"/>
+          <a:chOff x="0" y="0"/>
+          <a:chExt cx="0" cy="0"/>
+        </a:xfrm>
+      </p:grpSpPr>
+      <p:pic>
+        <p:nvPicPr>
+          <p:cNvPr id="41" name="Picture 40">
+            <a:extLst>
+              <a:ext uri="{FF2B5EF4-FFF2-40B4-BE49-F238E27FC236}">
+                <a16:creationId xmlns:a16="http://schemas.microsoft.com/office/drawing/2014/main" id="{E9315294-CC91-D54D-9225-56BAA2316F70}"/>
+              </a:ext>
+            </a:extLst>
+          </p:cNvPr>
+          <p:cNvPicPr>
+            <a:picLocks noChangeAspect="1"/>
+          </p:cNvPicPr>
+          <p:nvPr/>
+        </p:nvPicPr>
         <p:blipFill>
-          <a:blip r:embed="rId2"/>
+          <a:blip r:embed="rId3"/>
           <a:stretch>
             <a:fillRect/>
           </a:stretch>
         </p:blipFill>
         <p:spPr>
           <a:xfrm>
-            <a:off x="1142226" y="89829"/>
-            <a:ext cx="9417979" cy="5717647"/>
+            <a:off x="1750629" y="842084"/>
+            <a:ext cx="8314903" cy="6049145"/>
           </a:xfrm>
           <a:prstGeom prst="rect">
             <a:avLst/>
           </a:prstGeom>
         </p:spPr>
       </p:pic>
+      <p:sp>
+        <p:nvSpPr>
+          <p:cNvPr id="43" name="TextBox 42">
+            <a:extLst>
+              <a:ext uri="{FF2B5EF4-FFF2-40B4-BE49-F238E27FC236}">
+                <a16:creationId xmlns:a16="http://schemas.microsoft.com/office/drawing/2014/main" id="{F1CADC9B-16DF-9E42-BF2D-52F6FC38F1EA}"/>
+              </a:ext>
+            </a:extLst>
+          </p:cNvPr>
+          <p:cNvSpPr txBox="1"/>
+          <p:nvPr/>
+        </p:nvSpPr>
+        <p:spPr>
+          <a:xfrm>
+            <a:off x="2633274" y="117699"/>
+            <a:ext cx="7269010" cy="646331"/>
+          </a:xfrm>
+          <a:prstGeom prst="rect">
+            <a:avLst/>
+          </a:prstGeom>
+          <a:noFill/>
+        </p:spPr>
+        <p:txBody>
+          <a:bodyPr wrap="square" rtlCol="0">
+            <a:spAutoFit/>
+          </a:bodyPr>
+          <a:lstStyle/>
+          <a:p>
+            <a:pPr algn="ctr"/>
+            <a:r>
+              <a:rPr lang="en-AU" dirty="0">
+                <a:latin typeface="Arial" panose="020B0604020202020204" pitchFamily="34" charset="0"/>
+                <a:cs typeface="Arial" panose="020B0604020202020204" pitchFamily="34" charset="0"/>
+              </a:rPr>
+              <a:t>Comparisons within armour type of peak medial and total JCF</a:t>
+            </a:r>
+          </a:p>
+          <a:p>
+            <a:pPr algn="ctr"/>
+            <a:r>
+              <a:rPr lang="en-AU" dirty="0">
+                <a:latin typeface="Arial" panose="020B0604020202020204" pitchFamily="34" charset="0"/>
+                <a:cs typeface="Arial" panose="020B0604020202020204" pitchFamily="34" charset="0"/>
+              </a:rPr>
+              <a:t>when vest fit was rated acceptable versus not acceptable</a:t>
+            </a:r>
+          </a:p>
+        </p:txBody>
+      </p:sp>
+      <p:sp>
+        <p:nvSpPr>
+          <p:cNvPr id="44" name="TextBox 43">
+            <a:extLst>
+              <a:ext uri="{FF2B5EF4-FFF2-40B4-BE49-F238E27FC236}">
+                <a16:creationId xmlns:a16="http://schemas.microsoft.com/office/drawing/2014/main" id="{668B6DB7-497A-754B-8503-2E1C8594EBFB}"/>
+              </a:ext>
+            </a:extLst>
+          </p:cNvPr>
+          <p:cNvSpPr txBox="1"/>
+          <p:nvPr/>
+        </p:nvSpPr>
+        <p:spPr>
+          <a:xfrm rot="16200000">
+            <a:off x="1804153" y="2303953"/>
+            <a:ext cx="2230915" cy="276999"/>
+          </a:xfrm>
+          <a:prstGeom prst="rect">
+            <a:avLst/>
+          </a:prstGeom>
+          <a:solidFill>
+            <a:schemeClr val="bg1"/>
+          </a:solidFill>
+        </p:spPr>
+        <p:txBody>
+          <a:bodyPr wrap="square" rtlCol="0">
+            <a:spAutoFit/>
+          </a:bodyPr>
+          <a:lstStyle/>
+          <a:p>
+            <a:r>
+              <a:rPr lang="en-AU" sz="1200" dirty="0">
+                <a:latin typeface="Arial" panose="020B0604020202020204" pitchFamily="34" charset="0"/>
+                <a:cs typeface="Arial" panose="020B0604020202020204" pitchFamily="34" charset="0"/>
+              </a:rPr>
+              <a:t>Knee joint contact force (BW)</a:t>
+            </a:r>
+          </a:p>
+        </p:txBody>
+      </p:sp>
+      <p:sp>
+        <p:nvSpPr>
+          <p:cNvPr id="45" name="TextBox 44">
+            <a:extLst>
+              <a:ext uri="{FF2B5EF4-FFF2-40B4-BE49-F238E27FC236}">
+                <a16:creationId xmlns:a16="http://schemas.microsoft.com/office/drawing/2014/main" id="{F6195A5C-3FCE-164A-AAE1-42DFA0256283}"/>
+              </a:ext>
+            </a:extLst>
+          </p:cNvPr>
+          <p:cNvSpPr txBox="1"/>
+          <p:nvPr/>
+        </p:nvSpPr>
+        <p:spPr>
+          <a:xfrm rot="16200000">
+            <a:off x="1804152" y="4955127"/>
+            <a:ext cx="2230915" cy="276999"/>
+          </a:xfrm>
+          <a:prstGeom prst="rect">
+            <a:avLst/>
+          </a:prstGeom>
+          <a:solidFill>
+            <a:schemeClr val="bg1"/>
+          </a:solidFill>
+        </p:spPr>
+        <p:txBody>
+          <a:bodyPr wrap="square" rtlCol="0">
+            <a:spAutoFit/>
+          </a:bodyPr>
+          <a:lstStyle/>
+          <a:p>
+            <a:r>
+              <a:rPr lang="en-AU" sz="1200" dirty="0">
+                <a:latin typeface="Arial" panose="020B0604020202020204" pitchFamily="34" charset="0"/>
+                <a:cs typeface="Arial" panose="020B0604020202020204" pitchFamily="34" charset="0"/>
+              </a:rPr>
+              <a:t>Knee joint contact force (BW)</a:t>
+            </a:r>
+          </a:p>
+        </p:txBody>
+      </p:sp>
     </p:spTree>
     <p:extLst>
       <p:ext uri="{BB962C8B-B14F-4D97-AF65-F5344CB8AC3E}">
-        <p14:creationId xmlns:p14="http://schemas.microsoft.com/office/powerpoint/2010/main" val="2811530330"/>
+        <p14:creationId xmlns:p14="http://schemas.microsoft.com/office/powerpoint/2010/main" val="3317009458"/>
       </p:ext>
     </p:extLst>
   </p:cSld>
@@ -3820,4 +11230,299 @@
     </a:ext>
   </a:extLst>
 </a:theme>
+</file>
+
+<file path=ppt/theme/theme2.xml><?xml version="1.0" encoding="utf-8"?>
+<a:theme xmlns:a="http://schemas.openxmlformats.org/drawingml/2006/main" name="Office Theme">
+  <a:themeElements>
+    <a:clrScheme name="Office">
+      <a:dk1>
+        <a:sysClr val="windowText" lastClr="000000"/>
+      </a:dk1>
+      <a:lt1>
+        <a:sysClr val="window" lastClr="FFFFFF"/>
+      </a:lt1>
+      <a:dk2>
+        <a:srgbClr val="44546A"/>
+      </a:dk2>
+      <a:lt2>
+        <a:srgbClr val="E7E6E6"/>
+      </a:lt2>
+      <a:accent1>
+        <a:srgbClr val="4472C4"/>
+      </a:accent1>
+      <a:accent2>
+        <a:srgbClr val="ED7D31"/>
+      </a:accent2>
+      <a:accent3>
+        <a:srgbClr val="A5A5A5"/>
+      </a:accent3>
+      <a:accent4>
+        <a:srgbClr val="FFC000"/>
+      </a:accent4>
+      <a:accent5>
+        <a:srgbClr val="5B9BD5"/>
+      </a:accent5>
+      <a:accent6>
+        <a:srgbClr val="70AD47"/>
+      </a:accent6>
+      <a:hlink>
+        <a:srgbClr val="0563C1"/>
+      </a:hlink>
+      <a:folHlink>
+        <a:srgbClr val="954F72"/>
+      </a:folHlink>
+    </a:clrScheme>
+    <a:fontScheme name="Office">
+      <a:majorFont>
+        <a:latin typeface="Calibri Light" panose="020F0302020204030204"/>
+        <a:ea typeface=""/>
+        <a:cs typeface=""/>
+        <a:font script="Jpan" typeface="游ゴシック Light"/>
+        <a:font script="Hang" typeface="맑은 고딕"/>
+        <a:font script="Hans" typeface="等线 Light"/>
+        <a:font script="Hant" typeface="新細明體"/>
+        <a:font script="Arab" typeface="Times New Roman"/>
+        <a:font script="Hebr" typeface="Times New Roman"/>
+        <a:font script="Thai" typeface="Angsana New"/>
+        <a:font script="Ethi" typeface="Nyala"/>
+        <a:font script="Beng" typeface="Vrinda"/>
+        <a:font script="Gujr" typeface="Shruti"/>
+        <a:font script="Khmr" typeface="MoolBoran"/>
+        <a:font script="Knda" typeface="Tunga"/>
+        <a:font script="Guru" typeface="Raavi"/>
+        <a:font script="Cans" typeface="Euphemia"/>
+        <a:font script="Cher" typeface="Plantagenet Cherokee"/>
+        <a:font script="Yiii" typeface="Microsoft Yi Baiti"/>
+        <a:font script="Tibt" typeface="Microsoft Himalaya"/>
+        <a:font script="Thaa" typeface="MV Boli"/>
+        <a:font script="Deva" typeface="Mangal"/>
+        <a:font script="Telu" typeface="Gautami"/>
+        <a:font script="Taml" typeface="Latha"/>
+        <a:font script="Syrc" typeface="Estrangelo Edessa"/>
+        <a:font script="Orya" typeface="Kalinga"/>
+        <a:font script="Mlym" typeface="Kartika"/>
+        <a:font script="Laoo" typeface="DokChampa"/>
+        <a:font script="Sinh" typeface="Iskoola Pota"/>
+        <a:font script="Mong" typeface="Mongolian Baiti"/>
+        <a:font script="Viet" typeface="Times New Roman"/>
+        <a:font script="Uigh" typeface="Microsoft Uighur"/>
+        <a:font script="Geor" typeface="Sylfaen"/>
+        <a:font script="Armn" typeface="Arial"/>
+        <a:font script="Bugi" typeface="Leelawadee UI"/>
+        <a:font script="Bopo" typeface="Microsoft JhengHei"/>
+        <a:font script="Java" typeface="Javanese Text"/>
+        <a:font script="Lisu" typeface="Segoe UI"/>
+        <a:font script="Mymr" typeface="Myanmar Text"/>
+        <a:font script="Nkoo" typeface="Ebrima"/>
+        <a:font script="Olck" typeface="Nirmala UI"/>
+        <a:font script="Osma" typeface="Ebrima"/>
+        <a:font script="Phag" typeface="Phagspa"/>
+        <a:font script="Syrn" typeface="Estrangelo Edessa"/>
+        <a:font script="Syrj" typeface="Estrangelo Edessa"/>
+        <a:font script="Syre" typeface="Estrangelo Edessa"/>
+        <a:font script="Sora" typeface="Nirmala UI"/>
+        <a:font script="Tale" typeface="Microsoft Tai Le"/>
+        <a:font script="Talu" typeface="Microsoft New Tai Lue"/>
+        <a:font script="Tfng" typeface="Ebrima"/>
+      </a:majorFont>
+      <a:minorFont>
+        <a:latin typeface="Calibri" panose="020F0502020204030204"/>
+        <a:ea typeface=""/>
+        <a:cs typeface=""/>
+        <a:font script="Jpan" typeface="游ゴシック"/>
+        <a:font script="Hang" typeface="맑은 고딕"/>
+        <a:font script="Hans" typeface="等线"/>
+        <a:font script="Hant" typeface="新細明體"/>
+        <a:font script="Arab" typeface="Arial"/>
+        <a:font script="Hebr" typeface="Arial"/>
+        <a:font script="Thai" typeface="Cordia New"/>
+        <a:font script="Ethi" typeface="Nyala"/>
+        <a:font script="Beng" typeface="Vrinda"/>
+        <a:font script="Gujr" typeface="Shruti"/>
+        <a:font script="Khmr" typeface="DaunPenh"/>
+        <a:font script="Knda" typeface="Tunga"/>
+        <a:font script="Guru" typeface="Raavi"/>
+        <a:font script="Cans" typeface="Euphemia"/>
+        <a:font script="Cher" typeface="Plantagenet Cherokee"/>
+        <a:font script="Yiii" typeface="Microsoft Yi Baiti"/>
+        <a:font script="Tibt" typeface="Microsoft Himalaya"/>
+        <a:font script="Thaa" typeface="MV Boli"/>
+        <a:font script="Deva" typeface="Mangal"/>
+        <a:font script="Telu" typeface="Gautami"/>
+        <a:font script="Taml" typeface="Latha"/>
+        <a:font script="Syrc" typeface="Estrangelo Edessa"/>
+        <a:font script="Orya" typeface="Kalinga"/>
+        <a:font script="Mlym" typeface="Kartika"/>
+        <a:font script="Laoo" typeface="DokChampa"/>
+        <a:font script="Sinh" typeface="Iskoola Pota"/>
+        <a:font script="Mong" typeface="Mongolian Baiti"/>
+        <a:font script="Viet" typeface="Arial"/>
+        <a:font script="Uigh" typeface="Microsoft Uighur"/>
+        <a:font script="Geor" typeface="Sylfaen"/>
+        <a:font script="Armn" typeface="Arial"/>
+        <a:font script="Bugi" typeface="Leelawadee UI"/>
+        <a:font script="Bopo" typeface="Microsoft JhengHei"/>
+        <a:font script="Java" typeface="Javanese Text"/>
+        <a:font script="Lisu" typeface="Segoe UI"/>
+        <a:font script="Mymr" typeface="Myanmar Text"/>
+        <a:font script="Nkoo" typeface="Ebrima"/>
+        <a:font script="Olck" typeface="Nirmala UI"/>
+        <a:font script="Osma" typeface="Ebrima"/>
+        <a:font script="Phag" typeface="Phagspa"/>
+        <a:font script="Syrn" typeface="Estrangelo Edessa"/>
+        <a:font script="Syrj" typeface="Estrangelo Edessa"/>
+        <a:font script="Syre" typeface="Estrangelo Edessa"/>
+        <a:font script="Sora" typeface="Nirmala UI"/>
+        <a:font script="Tale" typeface="Microsoft Tai Le"/>
+        <a:font script="Talu" typeface="Microsoft New Tai Lue"/>
+        <a:font script="Tfng" typeface="Ebrima"/>
+      </a:minorFont>
+    </a:fontScheme>
+    <a:fmtScheme name="Office">
+      <a:fillStyleLst>
+        <a:solidFill>
+          <a:schemeClr val="phClr"/>
+        </a:solidFill>
+        <a:gradFill rotWithShape="1">
+          <a:gsLst>
+            <a:gs pos="0">
+              <a:schemeClr val="phClr">
+                <a:lumMod val="110000"/>
+                <a:satMod val="105000"/>
+                <a:tint val="67000"/>
+              </a:schemeClr>
+            </a:gs>
+            <a:gs pos="50000">
+              <a:schemeClr val="phClr">
+                <a:lumMod val="105000"/>
+                <a:satMod val="103000"/>
+                <a:tint val="73000"/>
+              </a:schemeClr>
+            </a:gs>
+            <a:gs pos="100000">
+              <a:schemeClr val="phClr">
+                <a:lumMod val="105000"/>
+                <a:satMod val="109000"/>
+                <a:tint val="81000"/>
+              </a:schemeClr>
+            </a:gs>
+          </a:gsLst>
+          <a:lin ang="5400000" scaled="0"/>
+        </a:gradFill>
+        <a:gradFill rotWithShape="1">
+          <a:gsLst>
+            <a:gs pos="0">
+              <a:schemeClr val="phClr">
+                <a:satMod val="103000"/>
+                <a:lumMod val="102000"/>
+                <a:tint val="94000"/>
+              </a:schemeClr>
+            </a:gs>
+            <a:gs pos="50000">
+              <a:schemeClr val="phClr">
+                <a:satMod val="110000"/>
+                <a:lumMod val="100000"/>
+                <a:shade val="100000"/>
+              </a:schemeClr>
+            </a:gs>
+            <a:gs pos="100000">
+              <a:schemeClr val="phClr">
+                <a:lumMod val="99000"/>
+                <a:satMod val="120000"/>
+                <a:shade val="78000"/>
+              </a:schemeClr>
+            </a:gs>
+          </a:gsLst>
+          <a:lin ang="5400000" scaled="0"/>
+        </a:gradFill>
+      </a:fillStyleLst>
+      <a:lnStyleLst>
+        <a:ln w="6350" cap="flat" cmpd="sng" algn="ctr">
+          <a:solidFill>
+            <a:schemeClr val="phClr"/>
+          </a:solidFill>
+          <a:prstDash val="solid"/>
+          <a:miter lim="800000"/>
+        </a:ln>
+        <a:ln w="12700" cap="flat" cmpd="sng" algn="ctr">
+          <a:solidFill>
+            <a:schemeClr val="phClr"/>
+          </a:solidFill>
+          <a:prstDash val="solid"/>
+          <a:miter lim="800000"/>
+        </a:ln>
+        <a:ln w="19050" cap="flat" cmpd="sng" algn="ctr">
+          <a:solidFill>
+            <a:schemeClr val="phClr"/>
+          </a:solidFill>
+          <a:prstDash val="solid"/>
+          <a:miter lim="800000"/>
+        </a:ln>
+      </a:lnStyleLst>
+      <a:effectStyleLst>
+        <a:effectStyle>
+          <a:effectLst/>
+        </a:effectStyle>
+        <a:effectStyle>
+          <a:effectLst/>
+        </a:effectStyle>
+        <a:effectStyle>
+          <a:effectLst>
+            <a:outerShdw blurRad="57150" dist="19050" dir="5400000" algn="ctr" rotWithShape="0">
+              <a:srgbClr val="000000">
+                <a:alpha val="63000"/>
+              </a:srgbClr>
+            </a:outerShdw>
+          </a:effectLst>
+        </a:effectStyle>
+      </a:effectStyleLst>
+      <a:bgFillStyleLst>
+        <a:solidFill>
+          <a:schemeClr val="phClr"/>
+        </a:solidFill>
+        <a:solidFill>
+          <a:schemeClr val="phClr">
+            <a:tint val="95000"/>
+            <a:satMod val="170000"/>
+          </a:schemeClr>
+        </a:solidFill>
+        <a:gradFill rotWithShape="1">
+          <a:gsLst>
+            <a:gs pos="0">
+              <a:schemeClr val="phClr">
+                <a:tint val="93000"/>
+                <a:satMod val="150000"/>
+                <a:shade val="98000"/>
+                <a:lumMod val="102000"/>
+              </a:schemeClr>
+            </a:gs>
+            <a:gs pos="50000">
+              <a:schemeClr val="phClr">
+                <a:tint val="98000"/>
+                <a:satMod val="130000"/>
+                <a:shade val="90000"/>
+                <a:lumMod val="103000"/>
+              </a:schemeClr>
+            </a:gs>
+            <a:gs pos="100000">
+              <a:schemeClr val="phClr">
+                <a:shade val="63000"/>
+                <a:satMod val="120000"/>
+              </a:schemeClr>
+            </a:gs>
+          </a:gsLst>
+          <a:lin ang="5400000" scaled="0"/>
+        </a:gradFill>
+      </a:bgFillStyleLst>
+    </a:fmtScheme>
+  </a:themeElements>
+  <a:objectDefaults/>
+  <a:extraClrSchemeLst/>
+  <a:extLst>
+    <a:ext uri="{05A4C25C-085E-4340-85A3-A5531E510DB2}">
+      <thm15:themeFamily xmlns:thm15="http://schemas.microsoft.com/office/thememl/2012/main" name="Office Theme" id="{62F939B6-93AF-4DB8-9C6B-D6C7DFDC589F}" vid="{4A3C46E8-61CC-4603-A589-7422A47A8E4A}"/>
+    </a:ext>
+  </a:extLst>
+</a:theme>
 </file>